--- a/Csharp_study_Plan.pptx
+++ b/Csharp_study_Plan.pptx
@@ -5,10 +5,10 @@
     <p:sldMasterId id="2147483648" r:id="rId1"/>
   </p:sldMasterIdLst>
   <p:notesMasterIdLst>
-    <p:notesMasterId r:id="rId10"/>
+    <p:notesMasterId r:id="rId12"/>
   </p:notesMasterIdLst>
   <p:handoutMasterIdLst>
-    <p:handoutMasterId r:id="rId11"/>
+    <p:handoutMasterId r:id="rId13"/>
   </p:handoutMasterIdLst>
   <p:sldIdLst>
     <p:sldId id="395" r:id="rId2"/>
@@ -16,9 +16,11 @@
     <p:sldId id="427" r:id="rId4"/>
     <p:sldId id="424" r:id="rId5"/>
     <p:sldId id="429" r:id="rId6"/>
-    <p:sldId id="425" r:id="rId7"/>
-    <p:sldId id="426" r:id="rId8"/>
-    <p:sldId id="414" r:id="rId9"/>
+    <p:sldId id="433" r:id="rId7"/>
+    <p:sldId id="432" r:id="rId8"/>
+    <p:sldId id="425" r:id="rId9"/>
+    <p:sldId id="426" r:id="rId10"/>
+    <p:sldId id="414" r:id="rId11"/>
   </p:sldIdLst>
   <p:sldSz cx="12192000" cy="6858000"/>
   <p:notesSz cx="6735763" cy="9866313"/>
@@ -157,6 +159,8 @@
             <p14:sldId id="427"/>
             <p14:sldId id="424"/>
             <p14:sldId id="429"/>
+            <p14:sldId id="433"/>
+            <p14:sldId id="432"/>
             <p14:sldId id="425"/>
             <p14:sldId id="426"/>
             <p14:sldId id="414"/>
@@ -374,7 +378,7 @@
               <a:pPr>
                 <a:defRPr/>
               </a:pPr>
-              <a:t>2024-03-07</a:t>
+              <a:t>2024-03-11</a:t>
             </a:fld>
             <a:endParaRPr lang="ko-KR" altLang="en-US"/>
           </a:p>
@@ -621,7 +625,7 @@
               <a:pPr>
                 <a:defRPr/>
               </a:pPr>
-              <a:t>2024-03-07</a:t>
+              <a:t>2024-03-11</a:t>
             </a:fld>
             <a:endParaRPr lang="ko-KR" altLang="en-US"/>
           </a:p>
@@ -4547,6 +4551,64 @@
   <p:transition spd="slow" advClick="0" advTm="2000">
     <p:fade/>
   </p:transition>
+</p:sld>
+</file>
+
+<file path=ppt/slides/slide10.xml><?xml version="1.0" encoding="utf-8"?>
+<p:sld xmlns:a="http://schemas.openxmlformats.org/drawingml/2006/main" xmlns:r="http://schemas.openxmlformats.org/officeDocument/2006/relationships" xmlns:p="http://schemas.openxmlformats.org/presentationml/2006/main">
+  <p:cSld>
+    <p:spTree>
+      <p:nvGrpSpPr>
+        <p:cNvPr id="1" name=""/>
+        <p:cNvGrpSpPr/>
+        <p:nvPr/>
+      </p:nvGrpSpPr>
+      <p:grpSpPr>
+        <a:xfrm>
+          <a:off x="0" y="0"/>
+          <a:ext cx="0" cy="0"/>
+          <a:chOff x="0" y="0"/>
+          <a:chExt cx="0" cy="0"/>
+        </a:xfrm>
+      </p:grpSpPr>
+      <p:sp>
+        <p:nvSpPr>
+          <p:cNvPr id="3" name="텍스트 개체 틀 2">
+            <a:extLst>
+              <a:ext uri="{FF2B5EF4-FFF2-40B4-BE49-F238E27FC236}">
+                <a16:creationId xmlns:a16="http://schemas.microsoft.com/office/drawing/2014/main" id="{EA176A78-302E-4F8D-8E04-27D818C03A20}"/>
+              </a:ext>
+            </a:extLst>
+          </p:cNvPr>
+          <p:cNvSpPr>
+            <a:spLocks noGrp="1"/>
+          </p:cNvSpPr>
+          <p:nvPr>
+            <p:ph type="body" sz="quarter" idx="10"/>
+          </p:nvPr>
+        </p:nvSpPr>
+        <p:spPr/>
+        <p:txBody>
+          <a:bodyPr/>
+          <a:lstStyle/>
+          <a:p>
+            <a:r>
+              <a:rPr lang="en-US" altLang="ko-KR" dirty="0"/>
+              <a:t>Thank you !</a:t>
+            </a:r>
+          </a:p>
+        </p:txBody>
+      </p:sp>
+    </p:spTree>
+    <p:extLst>
+      <p:ext uri="{BB962C8B-B14F-4D97-AF65-F5344CB8AC3E}">
+        <p14:creationId xmlns:p14="http://schemas.microsoft.com/office/powerpoint/2010/main" val="465823218"/>
+      </p:ext>
+    </p:extLst>
+  </p:cSld>
+  <p:clrMapOvr>
+    <a:masterClrMapping/>
+  </p:clrMapOvr>
 </p:sld>
 </file>
 
@@ -9684,6 +9746,116 @@
       </p:grpSpPr>
       <p:sp>
         <p:nvSpPr>
+          <p:cNvPr id="32" name="사각형: 둥근 모서리 31">
+            <a:extLst>
+              <a:ext uri="{FF2B5EF4-FFF2-40B4-BE49-F238E27FC236}">
+                <a16:creationId xmlns:a16="http://schemas.microsoft.com/office/drawing/2014/main" id="{FB812EF9-85CC-4F58-9266-1383DE8B2019}"/>
+              </a:ext>
+            </a:extLst>
+          </p:cNvPr>
+          <p:cNvSpPr/>
+          <p:nvPr/>
+        </p:nvSpPr>
+        <p:spPr>
+          <a:xfrm>
+            <a:off x="6217632" y="1568191"/>
+            <a:ext cx="2016692" cy="4176464"/>
+          </a:xfrm>
+          <a:prstGeom prst="roundRect">
+            <a:avLst/>
+          </a:prstGeom>
+          <a:solidFill>
+            <a:schemeClr val="accent5">
+              <a:lumMod val="20000"/>
+              <a:lumOff val="80000"/>
+            </a:schemeClr>
+          </a:solidFill>
+          <a:ln>
+            <a:noFill/>
+          </a:ln>
+        </p:spPr>
+        <p:style>
+          <a:lnRef idx="2">
+            <a:schemeClr val="accent1">
+              <a:shade val="50000"/>
+            </a:schemeClr>
+          </a:lnRef>
+          <a:fillRef idx="1">
+            <a:schemeClr val="accent1"/>
+          </a:fillRef>
+          <a:effectRef idx="0">
+            <a:schemeClr val="accent1"/>
+          </a:effectRef>
+          <a:fontRef idx="minor">
+            <a:schemeClr val="lt1"/>
+          </a:fontRef>
+        </p:style>
+        <p:txBody>
+          <a:bodyPr rtlCol="0" anchor="ctr"/>
+          <a:lstStyle/>
+          <a:p>
+            <a:pPr algn="ctr"/>
+            <a:endParaRPr lang="ko-KR" altLang="en-US"/>
+          </a:p>
+        </p:txBody>
+      </p:sp>
+      <p:sp>
+        <p:nvSpPr>
+          <p:cNvPr id="31" name="사각형: 둥근 모서리 30">
+            <a:extLst>
+              <a:ext uri="{FF2B5EF4-FFF2-40B4-BE49-F238E27FC236}">
+                <a16:creationId xmlns:a16="http://schemas.microsoft.com/office/drawing/2014/main" id="{419AB11A-E5D8-4A0D-AF73-E8EF54182CB7}"/>
+              </a:ext>
+            </a:extLst>
+          </p:cNvPr>
+          <p:cNvSpPr/>
+          <p:nvPr/>
+        </p:nvSpPr>
+        <p:spPr>
+          <a:xfrm>
+            <a:off x="3647728" y="1556792"/>
+            <a:ext cx="2016692" cy="4176464"/>
+          </a:xfrm>
+          <a:prstGeom prst="roundRect">
+            <a:avLst/>
+          </a:prstGeom>
+          <a:solidFill>
+            <a:schemeClr val="accent5">
+              <a:lumMod val="20000"/>
+              <a:lumOff val="80000"/>
+            </a:schemeClr>
+          </a:solidFill>
+          <a:ln>
+            <a:noFill/>
+          </a:ln>
+        </p:spPr>
+        <p:style>
+          <a:lnRef idx="2">
+            <a:schemeClr val="accent1">
+              <a:shade val="50000"/>
+            </a:schemeClr>
+          </a:lnRef>
+          <a:fillRef idx="1">
+            <a:schemeClr val="accent1"/>
+          </a:fillRef>
+          <a:effectRef idx="0">
+            <a:schemeClr val="accent1"/>
+          </a:effectRef>
+          <a:fontRef idx="minor">
+            <a:schemeClr val="lt1"/>
+          </a:fontRef>
+        </p:style>
+        <p:txBody>
+          <a:bodyPr rtlCol="0" anchor="ctr"/>
+          <a:lstStyle/>
+          <a:p>
+            <a:pPr algn="ctr"/>
+            <a:endParaRPr lang="ko-KR" altLang="en-US"/>
+          </a:p>
+        </p:txBody>
+      </p:sp>
+      <p:sp>
+        <p:nvSpPr>
           <p:cNvPr id="2" name="제목 1">
             <a:extLst>
               <a:ext uri="{FF2B5EF4-FFF2-40B4-BE49-F238E27FC236}">
@@ -9757,1152 +9929,1784 @@
           </a:p>
         </p:txBody>
       </p:sp>
-      <p:grpSp>
-        <p:nvGrpSpPr>
-          <p:cNvPr id="14" name="그룹 13">
-            <a:extLst>
-              <a:ext uri="{FF2B5EF4-FFF2-40B4-BE49-F238E27FC236}">
-                <a16:creationId xmlns:a16="http://schemas.microsoft.com/office/drawing/2014/main" id="{7F17C256-1D07-41FB-92AC-191AAC50B785}"/>
-              </a:ext>
-            </a:extLst>
-          </p:cNvPr>
-          <p:cNvGrpSpPr/>
+      <p:sp>
+        <p:nvSpPr>
+          <p:cNvPr id="4" name="사각형: 둥근 모서리 3">
+            <a:extLst>
+              <a:ext uri="{FF2B5EF4-FFF2-40B4-BE49-F238E27FC236}">
+                <a16:creationId xmlns:a16="http://schemas.microsoft.com/office/drawing/2014/main" id="{4C6B24BD-B611-475E-AF89-75A8CE375271}"/>
+              </a:ext>
+            </a:extLst>
+          </p:cNvPr>
+          <p:cNvSpPr/>
           <p:nvPr/>
-        </p:nvGrpSpPr>
-        <p:grpSpPr>
+        </p:nvSpPr>
+        <p:spPr>
           <a:xfrm>
-            <a:off x="176828" y="1482241"/>
-            <a:ext cx="11872637" cy="4251015"/>
-            <a:chOff x="176828" y="1482241"/>
-            <a:chExt cx="11872637" cy="4251015"/>
+            <a:off x="976642" y="1557669"/>
+            <a:ext cx="2016692" cy="4176464"/>
           </a:xfrm>
-        </p:grpSpPr>
-        <p:sp>
-          <p:nvSpPr>
-            <p:cNvPr id="4" name="사각형: 둥근 모서리 3">
-              <a:extLst>
-                <a:ext uri="{FF2B5EF4-FFF2-40B4-BE49-F238E27FC236}">
-                  <a16:creationId xmlns:a16="http://schemas.microsoft.com/office/drawing/2014/main" id="{4C6B24BD-B611-475E-AF89-75A8CE375271}"/>
-                </a:ext>
-              </a:extLst>
-            </p:cNvPr>
-            <p:cNvSpPr/>
-            <p:nvPr/>
-          </p:nvSpPr>
-          <p:spPr>
-            <a:xfrm>
-              <a:off x="176828" y="1482241"/>
-              <a:ext cx="2505878" cy="4176464"/>
-            </a:xfrm>
-            <a:prstGeom prst="roundRect">
-              <a:avLst/>
-            </a:prstGeom>
-            <a:solidFill>
-              <a:schemeClr val="accent5">
-                <a:lumMod val="20000"/>
-                <a:lumOff val="80000"/>
-              </a:schemeClr>
-            </a:solidFill>
-            <a:ln>
-              <a:noFill/>
-            </a:ln>
-          </p:spPr>
-          <p:style>
-            <a:lnRef idx="2">
-              <a:schemeClr val="accent1">
-                <a:shade val="50000"/>
-              </a:schemeClr>
-            </a:lnRef>
-            <a:fillRef idx="1">
-              <a:schemeClr val="accent1"/>
-            </a:fillRef>
-            <a:effectRef idx="0">
-              <a:schemeClr val="accent1"/>
-            </a:effectRef>
-            <a:fontRef idx="minor">
-              <a:schemeClr val="lt1"/>
-            </a:fontRef>
-          </p:style>
-          <p:txBody>
-            <a:bodyPr rtlCol="0" anchor="ctr"/>
-            <a:lstStyle/>
-            <a:p>
-              <a:pPr algn="ctr"/>
-              <a:endParaRPr lang="ko-KR" altLang="en-US"/>
-            </a:p>
-          </p:txBody>
-        </p:sp>
-        <p:sp>
-          <p:nvSpPr>
-            <p:cNvPr id="62" name="사각형: 둥근 모서리 61">
-              <a:extLst>
-                <a:ext uri="{FF2B5EF4-FFF2-40B4-BE49-F238E27FC236}">
-                  <a16:creationId xmlns:a16="http://schemas.microsoft.com/office/drawing/2014/main" id="{533A8A1F-BEDA-453D-BA57-A52542E6B6FC}"/>
-                </a:ext>
-              </a:extLst>
-            </p:cNvPr>
-            <p:cNvSpPr/>
-            <p:nvPr/>
-          </p:nvSpPr>
-          <p:spPr>
-            <a:xfrm>
-              <a:off x="3761190" y="1531421"/>
-              <a:ext cx="2505878" cy="4176464"/>
-            </a:xfrm>
-            <a:prstGeom prst="roundRect">
-              <a:avLst/>
-            </a:prstGeom>
-            <a:solidFill>
-              <a:schemeClr val="accent5">
-                <a:lumMod val="20000"/>
-                <a:lumOff val="80000"/>
-              </a:schemeClr>
-            </a:solidFill>
-            <a:ln>
-              <a:noFill/>
-            </a:ln>
-          </p:spPr>
-          <p:style>
-            <a:lnRef idx="2">
-              <a:schemeClr val="accent1">
-                <a:shade val="50000"/>
-              </a:schemeClr>
-            </a:lnRef>
-            <a:fillRef idx="1">
-              <a:schemeClr val="accent1"/>
-            </a:fillRef>
-            <a:effectRef idx="0">
-              <a:schemeClr val="accent1"/>
-            </a:effectRef>
-            <a:fontRef idx="minor">
-              <a:schemeClr val="lt1"/>
-            </a:fontRef>
-          </p:style>
-          <p:txBody>
-            <a:bodyPr rtlCol="0" anchor="ctr"/>
-            <a:lstStyle/>
-            <a:p>
-              <a:pPr algn="ctr"/>
-              <a:endParaRPr lang="ko-KR" altLang="en-US"/>
-            </a:p>
-          </p:txBody>
-        </p:sp>
-        <p:sp>
-          <p:nvSpPr>
-            <p:cNvPr id="65" name="TextBox 64">
-              <a:extLst>
-                <a:ext uri="{FF2B5EF4-FFF2-40B4-BE49-F238E27FC236}">
-                  <a16:creationId xmlns:a16="http://schemas.microsoft.com/office/drawing/2014/main" id="{65BCD01E-C0B7-41EE-BA39-E7F3ECFF8AD4}"/>
-                </a:ext>
-              </a:extLst>
-            </p:cNvPr>
-            <p:cNvSpPr txBox="1"/>
-            <p:nvPr/>
-          </p:nvSpPr>
-          <p:spPr>
-            <a:xfrm>
-              <a:off x="983432" y="1482241"/>
-              <a:ext cx="812611" cy="246221"/>
-            </a:xfrm>
-            <a:prstGeom prst="rect">
-              <a:avLst/>
-            </a:prstGeom>
+          <a:prstGeom prst="roundRect">
+            <a:avLst/>
+          </a:prstGeom>
+          <a:solidFill>
+            <a:schemeClr val="accent5">
+              <a:lumMod val="20000"/>
+              <a:lumOff val="80000"/>
+            </a:schemeClr>
+          </a:solidFill>
+          <a:ln>
             <a:noFill/>
-          </p:spPr>
-          <p:txBody>
-            <a:bodyPr wrap="square" rtlCol="0">
-              <a:spAutoFit/>
-            </a:bodyPr>
-            <a:lstStyle/>
-            <a:p>
-              <a:pPr algn="ctr"/>
-              <a:r>
-                <a:rPr lang="en-US" altLang="ko-KR" sz="1000" dirty="0">
-                  <a:latin typeface="Arial" panose="020B0604020202020204" pitchFamily="34" charset="0"/>
-                  <a:cs typeface="Arial" panose="020B0604020202020204" pitchFamily="34" charset="0"/>
-                </a:rPr>
-                <a:t>View</a:t>
-              </a:r>
-            </a:p>
-          </p:txBody>
-        </p:sp>
-        <p:sp>
-          <p:nvSpPr>
-            <p:cNvPr id="66" name="TextBox 65">
-              <a:extLst>
-                <a:ext uri="{FF2B5EF4-FFF2-40B4-BE49-F238E27FC236}">
-                  <a16:creationId xmlns:a16="http://schemas.microsoft.com/office/drawing/2014/main" id="{AA387462-4CCD-4538-8C4B-04CCEFAFA0E7}"/>
-                </a:ext>
-              </a:extLst>
-            </p:cNvPr>
-            <p:cNvSpPr txBox="1"/>
-            <p:nvPr/>
-          </p:nvSpPr>
-          <p:spPr>
-            <a:xfrm>
-              <a:off x="4511824" y="1531421"/>
-              <a:ext cx="936104" cy="246221"/>
-            </a:xfrm>
-            <a:prstGeom prst="rect">
-              <a:avLst/>
-            </a:prstGeom>
-            <a:noFill/>
-          </p:spPr>
-          <p:txBody>
-            <a:bodyPr wrap="square" rtlCol="0">
-              <a:spAutoFit/>
-            </a:bodyPr>
-            <a:lstStyle/>
-            <a:p>
-              <a:pPr algn="ctr"/>
-              <a:r>
-                <a:rPr lang="en-US" altLang="ko-KR" sz="1000" dirty="0">
-                  <a:latin typeface="Arial" panose="020B0604020202020204" pitchFamily="34" charset="0"/>
-                  <a:cs typeface="Arial" panose="020B0604020202020204" pitchFamily="34" charset="0"/>
-                </a:rPr>
-                <a:t>View Model</a:t>
-              </a:r>
-            </a:p>
-          </p:txBody>
-        </p:sp>
-        <p:pic>
-          <p:nvPicPr>
-            <p:cNvPr id="69" name="그림 68">
-              <a:extLst>
-                <a:ext uri="{FF2B5EF4-FFF2-40B4-BE49-F238E27FC236}">
-                  <a16:creationId xmlns:a16="http://schemas.microsoft.com/office/drawing/2014/main" id="{7F4A4082-B502-4060-B8D4-D92269303EAC}"/>
-                </a:ext>
-              </a:extLst>
-            </p:cNvPr>
-            <p:cNvPicPr>
-              <a:picLocks noChangeAspect="1"/>
-            </p:cNvPicPr>
-            <p:nvPr/>
-          </p:nvPicPr>
-          <p:blipFill>
-            <a:blip r:embed="rId2"/>
-            <a:stretch>
-              <a:fillRect/>
-            </a:stretch>
-          </p:blipFill>
-          <p:spPr>
-            <a:xfrm>
-              <a:off x="220798" y="1994286"/>
-              <a:ext cx="2337877" cy="1327063"/>
-            </a:xfrm>
-            <a:prstGeom prst="rect">
-              <a:avLst/>
-            </a:prstGeom>
-          </p:spPr>
-        </p:pic>
-        <p:cxnSp>
-          <p:nvCxnSpPr>
-            <p:cNvPr id="7" name="직선 화살표 연결선 6">
-              <a:extLst>
-                <a:ext uri="{FF2B5EF4-FFF2-40B4-BE49-F238E27FC236}">
-                  <a16:creationId xmlns:a16="http://schemas.microsoft.com/office/drawing/2014/main" id="{5A9DFB94-8CF6-4B34-A9D6-E6CC23AD3733}"/>
-                </a:ext>
-              </a:extLst>
-            </p:cNvPr>
-            <p:cNvCxnSpPr>
-              <a:cxnSpLocks/>
-            </p:cNvCxnSpPr>
-            <p:nvPr/>
-          </p:nvCxnSpPr>
-          <p:spPr>
-            <a:xfrm>
-              <a:off x="2495600" y="3569596"/>
-              <a:ext cx="1449093" cy="0"/>
-            </a:xfrm>
-            <a:prstGeom prst="straightConnector1">
-              <a:avLst/>
-            </a:prstGeom>
-            <a:ln>
-              <a:headEnd type="triangle"/>
-              <a:tailEnd type="triangle"/>
-            </a:ln>
-          </p:spPr>
-          <p:style>
-            <a:lnRef idx="1">
-              <a:schemeClr val="accent2"/>
-            </a:lnRef>
-            <a:fillRef idx="0">
-              <a:schemeClr val="accent2"/>
-            </a:fillRef>
-            <a:effectRef idx="0">
-              <a:schemeClr val="accent2"/>
-            </a:effectRef>
-            <a:fontRef idx="minor">
-              <a:schemeClr val="tx1"/>
-            </a:fontRef>
-          </p:style>
-        </p:cxnSp>
-        <p:sp>
-          <p:nvSpPr>
-            <p:cNvPr id="70" name="TextBox 69">
-              <a:extLst>
-                <a:ext uri="{FF2B5EF4-FFF2-40B4-BE49-F238E27FC236}">
-                  <a16:creationId xmlns:a16="http://schemas.microsoft.com/office/drawing/2014/main" id="{6C3A7DBA-E972-47A3-8AFD-CC2383927B2B}"/>
-                </a:ext>
-              </a:extLst>
-            </p:cNvPr>
-            <p:cNvSpPr txBox="1"/>
-            <p:nvPr/>
-          </p:nvSpPr>
-          <p:spPr>
-            <a:xfrm>
-              <a:off x="2787601" y="3569596"/>
-              <a:ext cx="936104" cy="246221"/>
-            </a:xfrm>
-            <a:prstGeom prst="rect">
-              <a:avLst/>
-            </a:prstGeom>
-            <a:noFill/>
-          </p:spPr>
-          <p:txBody>
-            <a:bodyPr wrap="square" rtlCol="0">
-              <a:spAutoFit/>
-            </a:bodyPr>
-            <a:lstStyle/>
-            <a:p>
-              <a:pPr algn="ctr"/>
-              <a:r>
-                <a:rPr lang="en-US" altLang="ko-KR" sz="1000" dirty="0">
-                  <a:latin typeface="Arial" panose="020B0604020202020204" pitchFamily="34" charset="0"/>
-                  <a:cs typeface="Arial" panose="020B0604020202020204" pitchFamily="34" charset="0"/>
-                </a:rPr>
-                <a:t>Binding</a:t>
-              </a:r>
-            </a:p>
-          </p:txBody>
-        </p:sp>
-        <p:grpSp>
-          <p:nvGrpSpPr>
-            <p:cNvPr id="11" name="그룹 10">
-              <a:extLst>
-                <a:ext uri="{FF2B5EF4-FFF2-40B4-BE49-F238E27FC236}">
-                  <a16:creationId xmlns:a16="http://schemas.microsoft.com/office/drawing/2014/main" id="{EF82581E-7401-4B54-8407-6D72F0426B64}"/>
-                </a:ext>
-              </a:extLst>
-            </p:cNvPr>
-            <p:cNvGrpSpPr/>
-            <p:nvPr/>
-          </p:nvGrpSpPr>
-          <p:grpSpPr>
-            <a:xfrm>
-              <a:off x="7428653" y="1556792"/>
-              <a:ext cx="4620812" cy="4176464"/>
-              <a:chOff x="7428653" y="1556792"/>
-              <a:chExt cx="4620812" cy="4176464"/>
-            </a:xfrm>
-          </p:grpSpPr>
-          <p:sp>
-            <p:nvSpPr>
-              <p:cNvPr id="64" name="사각형: 둥근 모서리 63">
-                <a:extLst>
-                  <a:ext uri="{FF2B5EF4-FFF2-40B4-BE49-F238E27FC236}">
-                    <a16:creationId xmlns:a16="http://schemas.microsoft.com/office/drawing/2014/main" id="{BB457D67-3114-43D7-86A3-8578FB76227E}"/>
-                  </a:ext>
-                </a:extLst>
-              </p:cNvPr>
-              <p:cNvSpPr/>
-              <p:nvPr/>
-            </p:nvSpPr>
-            <p:spPr>
-              <a:xfrm>
-                <a:off x="7428653" y="1556792"/>
-                <a:ext cx="2505878" cy="4176464"/>
-              </a:xfrm>
-              <a:prstGeom prst="roundRect">
-                <a:avLst/>
-              </a:prstGeom>
-              <a:solidFill>
-                <a:schemeClr val="accent5">
-                  <a:lumMod val="20000"/>
-                  <a:lumOff val="80000"/>
-                </a:schemeClr>
-              </a:solidFill>
-              <a:ln>
-                <a:noFill/>
-              </a:ln>
-            </p:spPr>
-            <p:style>
-              <a:lnRef idx="2">
-                <a:schemeClr val="accent1">
-                  <a:shade val="50000"/>
-                </a:schemeClr>
-              </a:lnRef>
-              <a:fillRef idx="1">
-                <a:schemeClr val="accent1"/>
-              </a:fillRef>
-              <a:effectRef idx="0">
-                <a:schemeClr val="accent1"/>
-              </a:effectRef>
-              <a:fontRef idx="minor">
-                <a:schemeClr val="lt1"/>
-              </a:fontRef>
-            </p:style>
-            <p:txBody>
-              <a:bodyPr rtlCol="0" anchor="ctr"/>
-              <a:lstStyle/>
-              <a:p>
-                <a:pPr algn="ctr"/>
-                <a:endParaRPr lang="ko-KR" altLang="en-US"/>
-              </a:p>
-            </p:txBody>
-          </p:sp>
-          <p:sp>
-            <p:nvSpPr>
-              <p:cNvPr id="67" name="TextBox 66">
-                <a:extLst>
-                  <a:ext uri="{FF2B5EF4-FFF2-40B4-BE49-F238E27FC236}">
-                    <a16:creationId xmlns:a16="http://schemas.microsoft.com/office/drawing/2014/main" id="{470638A5-DE0E-426D-8640-D25A347AF60A}"/>
-                  </a:ext>
-                </a:extLst>
-              </p:cNvPr>
-              <p:cNvSpPr txBox="1"/>
-              <p:nvPr/>
-            </p:nvSpPr>
-            <p:spPr>
-              <a:xfrm>
-                <a:off x="8213540" y="1556792"/>
-                <a:ext cx="936104" cy="246221"/>
-              </a:xfrm>
-              <a:prstGeom prst="rect">
-                <a:avLst/>
-              </a:prstGeom>
-              <a:noFill/>
-            </p:spPr>
-            <p:txBody>
-              <a:bodyPr wrap="square" rtlCol="0">
-                <a:spAutoFit/>
-              </a:bodyPr>
-              <a:lstStyle/>
-              <a:p>
-                <a:pPr algn="ctr"/>
-                <a:r>
-                  <a:rPr lang="en-US" altLang="ko-KR" sz="1000" dirty="0">
-                    <a:latin typeface="Arial" panose="020B0604020202020204" pitchFamily="34" charset="0"/>
-                    <a:cs typeface="Arial" panose="020B0604020202020204" pitchFamily="34" charset="0"/>
-                  </a:rPr>
-                  <a:t>Model</a:t>
-                </a:r>
-              </a:p>
-            </p:txBody>
-          </p:sp>
-          <p:sp>
-            <p:nvSpPr>
-              <p:cNvPr id="72" name="사각형: 둥근 모서리 71">
-                <a:extLst>
-                  <a:ext uri="{FF2B5EF4-FFF2-40B4-BE49-F238E27FC236}">
-                    <a16:creationId xmlns:a16="http://schemas.microsoft.com/office/drawing/2014/main" id="{4057079C-2A05-46BC-843A-0FE86A4634C7}"/>
-                  </a:ext>
-                </a:extLst>
-              </p:cNvPr>
-              <p:cNvSpPr/>
-              <p:nvPr/>
-            </p:nvSpPr>
-            <p:spPr>
-              <a:xfrm>
-                <a:off x="7611360" y="3066040"/>
-                <a:ext cx="2140463" cy="1526540"/>
-              </a:xfrm>
-              <a:prstGeom prst="roundRect">
-                <a:avLst/>
-              </a:prstGeom>
-              <a:solidFill>
-                <a:schemeClr val="accent6">
-                  <a:lumMod val="40000"/>
-                  <a:lumOff val="60000"/>
-                </a:schemeClr>
-              </a:solidFill>
-              <a:ln>
-                <a:noFill/>
-              </a:ln>
-            </p:spPr>
-            <p:style>
-              <a:lnRef idx="2">
-                <a:schemeClr val="accent1">
-                  <a:shade val="50000"/>
-                </a:schemeClr>
-              </a:lnRef>
-              <a:fillRef idx="1">
-                <a:schemeClr val="accent1"/>
-              </a:fillRef>
-              <a:effectRef idx="0">
-                <a:schemeClr val="accent1"/>
-              </a:effectRef>
-              <a:fontRef idx="minor">
-                <a:schemeClr val="lt1"/>
-              </a:fontRef>
-            </p:style>
-            <p:txBody>
-              <a:bodyPr rtlCol="0" anchor="ctr"/>
-              <a:lstStyle/>
-              <a:p>
-                <a:pPr algn="ctr"/>
-                <a:endParaRPr lang="ko-KR" altLang="en-US" dirty="0"/>
-              </a:p>
-            </p:txBody>
-          </p:sp>
-          <p:sp>
-            <p:nvSpPr>
-              <p:cNvPr id="73" name="TextBox 72">
-                <a:extLst>
-                  <a:ext uri="{FF2B5EF4-FFF2-40B4-BE49-F238E27FC236}">
-                    <a16:creationId xmlns:a16="http://schemas.microsoft.com/office/drawing/2014/main" id="{1DD9DB8E-FC1C-49D2-A499-00068C3F49C1}"/>
-                  </a:ext>
-                </a:extLst>
-              </p:cNvPr>
-              <p:cNvSpPr txBox="1"/>
-              <p:nvPr/>
-            </p:nvSpPr>
-            <p:spPr>
-              <a:xfrm>
-                <a:off x="8213539" y="3066040"/>
-                <a:ext cx="936104" cy="246221"/>
-              </a:xfrm>
-              <a:prstGeom prst="rect">
-                <a:avLst/>
-              </a:prstGeom>
-              <a:noFill/>
-            </p:spPr>
-            <p:txBody>
-              <a:bodyPr wrap="square" rtlCol="0">
-                <a:spAutoFit/>
-              </a:bodyPr>
-              <a:lstStyle/>
-              <a:p>
-                <a:pPr algn="ctr"/>
-                <a:r>
-                  <a:rPr lang="en-US" altLang="ko-KR" sz="1000" dirty="0">
-                    <a:latin typeface="Arial" panose="020B0604020202020204" pitchFamily="34" charset="0"/>
-                    <a:cs typeface="Arial" panose="020B0604020202020204" pitchFamily="34" charset="0"/>
-                  </a:rPr>
-                  <a:t>Library class</a:t>
-                </a:r>
-              </a:p>
-            </p:txBody>
-          </p:sp>
-          <p:sp>
-            <p:nvSpPr>
-              <p:cNvPr id="63" name="사각형: 둥근 모서리 62">
-                <a:extLst>
-                  <a:ext uri="{FF2B5EF4-FFF2-40B4-BE49-F238E27FC236}">
-                    <a16:creationId xmlns:a16="http://schemas.microsoft.com/office/drawing/2014/main" id="{457864F4-EFB5-415C-9B8A-8836B1E66164}"/>
-                  </a:ext>
-                </a:extLst>
-              </p:cNvPr>
-              <p:cNvSpPr/>
-              <p:nvPr/>
-            </p:nvSpPr>
-            <p:spPr>
-              <a:xfrm>
-                <a:off x="10065151" y="3716333"/>
-                <a:ext cx="1984314" cy="315703"/>
-              </a:xfrm>
-              <a:prstGeom prst="roundRect">
-                <a:avLst/>
-              </a:prstGeom>
-              <a:solidFill>
-                <a:schemeClr val="accent2">
-                  <a:lumMod val="40000"/>
-                  <a:lumOff val="60000"/>
-                </a:schemeClr>
-              </a:solidFill>
-              <a:ln>
-                <a:noFill/>
-              </a:ln>
-            </p:spPr>
-            <p:style>
-              <a:lnRef idx="2">
-                <a:schemeClr val="accent1">
-                  <a:shade val="50000"/>
-                </a:schemeClr>
-              </a:lnRef>
-              <a:fillRef idx="1">
-                <a:schemeClr val="accent1"/>
-              </a:fillRef>
-              <a:effectRef idx="0">
-                <a:schemeClr val="accent1"/>
-              </a:effectRef>
-              <a:fontRef idx="minor">
-                <a:schemeClr val="lt1"/>
-              </a:fontRef>
-            </p:style>
-            <p:txBody>
-              <a:bodyPr rtlCol="0" anchor="ctr"/>
-              <a:lstStyle/>
-              <a:p>
-                <a:pPr algn="ctr"/>
-                <a:endParaRPr lang="ko-KR" altLang="en-US" dirty="0"/>
-              </a:p>
-            </p:txBody>
-          </p:sp>
-          <p:sp>
-            <p:nvSpPr>
-              <p:cNvPr id="75" name="사각형: 둥근 모서리 74">
-                <a:extLst>
-                  <a:ext uri="{FF2B5EF4-FFF2-40B4-BE49-F238E27FC236}">
-                    <a16:creationId xmlns:a16="http://schemas.microsoft.com/office/drawing/2014/main" id="{09ABEBB5-4DD3-4A69-B870-13807C3DD706}"/>
-                  </a:ext>
-                </a:extLst>
-              </p:cNvPr>
-              <p:cNvSpPr/>
-              <p:nvPr/>
-            </p:nvSpPr>
-            <p:spPr>
-              <a:xfrm>
-                <a:off x="7704594" y="3716333"/>
-                <a:ext cx="1984314" cy="315703"/>
-              </a:xfrm>
-              <a:prstGeom prst="roundRect">
-                <a:avLst/>
-              </a:prstGeom>
-              <a:solidFill>
-                <a:schemeClr val="accent4">
-                  <a:lumMod val="20000"/>
-                  <a:lumOff val="80000"/>
-                </a:schemeClr>
-              </a:solidFill>
-              <a:ln>
-                <a:noFill/>
-              </a:ln>
-            </p:spPr>
-            <p:style>
-              <a:lnRef idx="2">
-                <a:schemeClr val="accent1">
-                  <a:shade val="50000"/>
-                </a:schemeClr>
-              </a:lnRef>
-              <a:fillRef idx="1">
-                <a:schemeClr val="accent1"/>
-              </a:fillRef>
-              <a:effectRef idx="0">
-                <a:schemeClr val="accent1"/>
-              </a:effectRef>
-              <a:fontRef idx="minor">
-                <a:schemeClr val="lt1"/>
-              </a:fontRef>
-            </p:style>
-            <p:txBody>
-              <a:bodyPr rtlCol="0" anchor="ctr"/>
-              <a:lstStyle/>
-              <a:p>
-                <a:pPr algn="ctr"/>
-                <a:endParaRPr lang="ko-KR" altLang="en-US"/>
-              </a:p>
-            </p:txBody>
-          </p:sp>
-          <p:sp>
-            <p:nvSpPr>
-              <p:cNvPr id="68" name="TextBox 67">
-                <a:extLst>
-                  <a:ext uri="{FF2B5EF4-FFF2-40B4-BE49-F238E27FC236}">
-                    <a16:creationId xmlns:a16="http://schemas.microsoft.com/office/drawing/2014/main" id="{506383B9-647C-4DCB-AFD0-434D3B998A00}"/>
-                  </a:ext>
-                </a:extLst>
-              </p:cNvPr>
-              <p:cNvSpPr txBox="1"/>
-              <p:nvPr/>
-            </p:nvSpPr>
-            <p:spPr>
-              <a:xfrm>
-                <a:off x="10323312" y="3745186"/>
-                <a:ext cx="1467991" cy="246221"/>
-              </a:xfrm>
-              <a:prstGeom prst="rect">
-                <a:avLst/>
-              </a:prstGeom>
-              <a:noFill/>
-            </p:spPr>
-            <p:txBody>
-              <a:bodyPr wrap="square" rtlCol="0">
-                <a:spAutoFit/>
-              </a:bodyPr>
-              <a:lstStyle/>
-              <a:p>
-                <a:pPr algn="ctr"/>
-                <a:r>
-                  <a:rPr lang="en-US" altLang="ko-KR" sz="1000" dirty="0" err="1">
-                    <a:latin typeface="Arial" panose="020B0604020202020204" pitchFamily="34" charset="0"/>
-                    <a:cs typeface="Arial" panose="020B0604020202020204" pitchFamily="34" charset="0"/>
-                  </a:rPr>
-                  <a:t>dNetWork.csNetWork</a:t>
-                </a:r>
-                <a:endParaRPr lang="en-US" altLang="ko-KR" sz="1000" dirty="0">
-                  <a:latin typeface="Arial" panose="020B0604020202020204" pitchFamily="34" charset="0"/>
-                  <a:cs typeface="Arial" panose="020B0604020202020204" pitchFamily="34" charset="0"/>
-                </a:endParaRPr>
-              </a:p>
-            </p:txBody>
-          </p:sp>
-          <p:sp>
-            <p:nvSpPr>
-              <p:cNvPr id="77" name="사각형: 둥근 모서리 76">
-                <a:extLst>
-                  <a:ext uri="{FF2B5EF4-FFF2-40B4-BE49-F238E27FC236}">
-                    <a16:creationId xmlns:a16="http://schemas.microsoft.com/office/drawing/2014/main" id="{66C5FD60-91D9-4318-9504-50B225B97166}"/>
-                  </a:ext>
-                </a:extLst>
-              </p:cNvPr>
-              <p:cNvSpPr/>
-              <p:nvPr/>
-            </p:nvSpPr>
-            <p:spPr>
-              <a:xfrm>
-                <a:off x="7712260" y="3328323"/>
-                <a:ext cx="1984314" cy="315703"/>
-              </a:xfrm>
-              <a:prstGeom prst="roundRect">
-                <a:avLst/>
-              </a:prstGeom>
-              <a:solidFill>
-                <a:schemeClr val="accent4">
-                  <a:lumMod val="20000"/>
-                  <a:lumOff val="80000"/>
-                </a:schemeClr>
-              </a:solidFill>
-              <a:ln>
-                <a:noFill/>
-              </a:ln>
-            </p:spPr>
-            <p:style>
-              <a:lnRef idx="2">
-                <a:schemeClr val="accent1">
-                  <a:shade val="50000"/>
-                </a:schemeClr>
-              </a:lnRef>
-              <a:fillRef idx="1">
-                <a:schemeClr val="accent1"/>
-              </a:fillRef>
-              <a:effectRef idx="0">
-                <a:schemeClr val="accent1"/>
-              </a:effectRef>
-              <a:fontRef idx="minor">
-                <a:schemeClr val="lt1"/>
-              </a:fontRef>
-            </p:style>
-            <p:txBody>
-              <a:bodyPr rtlCol="0" anchor="ctr"/>
-              <a:lstStyle/>
-              <a:p>
-                <a:pPr algn="ctr"/>
-                <a:endParaRPr lang="ko-KR" altLang="en-US"/>
-              </a:p>
-            </p:txBody>
-          </p:sp>
-          <p:sp>
-            <p:nvSpPr>
-              <p:cNvPr id="78" name="TextBox 77">
-                <a:extLst>
-                  <a:ext uri="{FF2B5EF4-FFF2-40B4-BE49-F238E27FC236}">
-                    <a16:creationId xmlns:a16="http://schemas.microsoft.com/office/drawing/2014/main" id="{F9750CE3-25F8-4260-B698-6B6C19CAB355}"/>
-                  </a:ext>
-                </a:extLst>
-              </p:cNvPr>
-              <p:cNvSpPr txBox="1"/>
-              <p:nvPr/>
-            </p:nvSpPr>
-            <p:spPr>
-              <a:xfrm>
-                <a:off x="8221205" y="3363063"/>
-                <a:ext cx="936104" cy="246221"/>
-              </a:xfrm>
-              <a:prstGeom prst="rect">
-                <a:avLst/>
-              </a:prstGeom>
-              <a:noFill/>
-            </p:spPr>
-            <p:txBody>
-              <a:bodyPr wrap="square" rtlCol="0">
-                <a:spAutoFit/>
-              </a:bodyPr>
-              <a:lstStyle/>
-              <a:p>
-                <a:pPr algn="ctr"/>
-                <a:r>
-                  <a:rPr lang="en-US" altLang="ko-KR" sz="1000" dirty="0" err="1">
-                    <a:latin typeface="Arial" panose="020B0604020202020204" pitchFamily="34" charset="0"/>
-                    <a:cs typeface="Arial" panose="020B0604020202020204" pitchFamily="34" charset="0"/>
-                  </a:rPr>
-                  <a:t>LogData</a:t>
-                </a:r>
-                <a:endParaRPr lang="en-US" altLang="ko-KR" sz="1000" dirty="0">
-                  <a:latin typeface="Arial" panose="020B0604020202020204" pitchFamily="34" charset="0"/>
-                  <a:cs typeface="Arial" panose="020B0604020202020204" pitchFamily="34" charset="0"/>
-                </a:endParaRPr>
-              </a:p>
-            </p:txBody>
-          </p:sp>
-          <p:sp>
-            <p:nvSpPr>
-              <p:cNvPr id="83" name="TextBox 82">
-                <a:extLst>
-                  <a:ext uri="{FF2B5EF4-FFF2-40B4-BE49-F238E27FC236}">
-                    <a16:creationId xmlns:a16="http://schemas.microsoft.com/office/drawing/2014/main" id="{349A6FE9-705C-4E8A-983A-C96838F1E644}"/>
-                  </a:ext>
-                </a:extLst>
-              </p:cNvPr>
-              <p:cNvSpPr txBox="1"/>
-              <p:nvPr/>
-            </p:nvSpPr>
-            <p:spPr>
-              <a:xfrm>
-                <a:off x="8260078" y="3716333"/>
-                <a:ext cx="936104" cy="246221"/>
-              </a:xfrm>
-              <a:prstGeom prst="rect">
-                <a:avLst/>
-              </a:prstGeom>
-              <a:noFill/>
-            </p:spPr>
-            <p:txBody>
-              <a:bodyPr wrap="square" rtlCol="0">
-                <a:spAutoFit/>
-              </a:bodyPr>
-              <a:lstStyle/>
-              <a:p>
-                <a:pPr algn="ctr"/>
-                <a:r>
-                  <a:rPr lang="en-US" altLang="ko-KR" sz="1000" dirty="0" err="1">
-                    <a:latin typeface="Arial" panose="020B0604020202020204" pitchFamily="34" charset="0"/>
-                    <a:cs typeface="Arial" panose="020B0604020202020204" pitchFamily="34" charset="0"/>
-                  </a:rPr>
-                  <a:t>NetLogger</a:t>
-                </a:r>
-                <a:endParaRPr lang="en-US" altLang="ko-KR" sz="1000" dirty="0">
-                  <a:latin typeface="Arial" panose="020B0604020202020204" pitchFamily="34" charset="0"/>
-                  <a:cs typeface="Arial" panose="020B0604020202020204" pitchFamily="34" charset="0"/>
-                </a:endParaRPr>
-              </a:p>
-            </p:txBody>
-          </p:sp>
-          <p:sp>
-            <p:nvSpPr>
-              <p:cNvPr id="84" name="사각형: 둥근 모서리 83">
-                <a:extLst>
-                  <a:ext uri="{FF2B5EF4-FFF2-40B4-BE49-F238E27FC236}">
-                    <a16:creationId xmlns:a16="http://schemas.microsoft.com/office/drawing/2014/main" id="{D3FDA29F-8968-41FB-BBAA-C5CF7C7F7E49}"/>
-                  </a:ext>
-                </a:extLst>
-              </p:cNvPr>
-              <p:cNvSpPr/>
-              <p:nvPr/>
-            </p:nvSpPr>
-            <p:spPr>
-              <a:xfrm>
-                <a:off x="7704594" y="4118857"/>
-                <a:ext cx="1984314" cy="315703"/>
-              </a:xfrm>
-              <a:prstGeom prst="roundRect">
-                <a:avLst/>
-              </a:prstGeom>
-              <a:solidFill>
-                <a:schemeClr val="accent4">
-                  <a:lumMod val="20000"/>
-                  <a:lumOff val="80000"/>
-                </a:schemeClr>
-              </a:solidFill>
-              <a:ln>
-                <a:noFill/>
-              </a:ln>
-            </p:spPr>
-            <p:style>
-              <a:lnRef idx="2">
-                <a:schemeClr val="accent1">
-                  <a:shade val="50000"/>
-                </a:schemeClr>
-              </a:lnRef>
-              <a:fillRef idx="1">
-                <a:schemeClr val="accent1"/>
-              </a:fillRef>
-              <a:effectRef idx="0">
-                <a:schemeClr val="accent1"/>
-              </a:effectRef>
-              <a:fontRef idx="minor">
-                <a:schemeClr val="lt1"/>
-              </a:fontRef>
-            </p:style>
-            <p:txBody>
-              <a:bodyPr rtlCol="0" anchor="ctr"/>
-              <a:lstStyle/>
-              <a:p>
-                <a:pPr algn="ctr"/>
-                <a:endParaRPr lang="ko-KR" altLang="en-US"/>
-              </a:p>
-            </p:txBody>
-          </p:sp>
-          <p:sp>
-            <p:nvSpPr>
-              <p:cNvPr id="85" name="TextBox 84">
-                <a:extLst>
-                  <a:ext uri="{FF2B5EF4-FFF2-40B4-BE49-F238E27FC236}">
-                    <a16:creationId xmlns:a16="http://schemas.microsoft.com/office/drawing/2014/main" id="{EA9FBE06-B10D-4197-A964-BC91749F8B11}"/>
-                  </a:ext>
-                </a:extLst>
-              </p:cNvPr>
-              <p:cNvSpPr txBox="1"/>
-              <p:nvPr/>
-            </p:nvSpPr>
-            <p:spPr>
-              <a:xfrm>
-                <a:off x="8260078" y="4118857"/>
-                <a:ext cx="936104" cy="246221"/>
-              </a:xfrm>
-              <a:prstGeom prst="rect">
-                <a:avLst/>
-              </a:prstGeom>
-              <a:noFill/>
-            </p:spPr>
-            <p:txBody>
-              <a:bodyPr wrap="square" rtlCol="0">
-                <a:spAutoFit/>
-              </a:bodyPr>
-              <a:lstStyle/>
-              <a:p>
-                <a:pPr algn="ctr"/>
-                <a:r>
-                  <a:rPr lang="en-US" altLang="ko-KR" sz="1000" dirty="0" err="1">
-                    <a:latin typeface="Arial" panose="020B0604020202020204" pitchFamily="34" charset="0"/>
-                    <a:cs typeface="Arial" panose="020B0604020202020204" pitchFamily="34" charset="0"/>
-                  </a:rPr>
-                  <a:t>csConstant</a:t>
-                </a:r>
-                <a:endParaRPr lang="en-US" altLang="ko-KR" sz="1000" dirty="0">
-                  <a:latin typeface="Arial" panose="020B0604020202020204" pitchFamily="34" charset="0"/>
-                  <a:cs typeface="Arial" panose="020B0604020202020204" pitchFamily="34" charset="0"/>
-                </a:endParaRPr>
-              </a:p>
-            </p:txBody>
-          </p:sp>
-          <p:cxnSp>
-            <p:nvCxnSpPr>
-              <p:cNvPr id="10" name="직선 화살표 연결선 9">
-                <a:extLst>
-                  <a:ext uri="{FF2B5EF4-FFF2-40B4-BE49-F238E27FC236}">
-                    <a16:creationId xmlns:a16="http://schemas.microsoft.com/office/drawing/2014/main" id="{E7020C08-1B8C-437D-AE38-4CA45528C334}"/>
-                  </a:ext>
-                </a:extLst>
-              </p:cNvPr>
-              <p:cNvCxnSpPr/>
-              <p:nvPr/>
-            </p:nvCxnSpPr>
-            <p:spPr>
-              <a:xfrm flipH="1">
-                <a:off x="9498262" y="3874184"/>
-                <a:ext cx="559107" cy="0"/>
-              </a:xfrm>
-              <a:prstGeom prst="straightConnector1">
-                <a:avLst/>
-              </a:prstGeom>
-              <a:ln>
-                <a:tailEnd type="triangle"/>
-              </a:ln>
-            </p:spPr>
-            <p:style>
-              <a:lnRef idx="1">
-                <a:schemeClr val="accent2"/>
-              </a:lnRef>
-              <a:fillRef idx="0">
-                <a:schemeClr val="accent2"/>
-              </a:fillRef>
-              <a:effectRef idx="0">
-                <a:schemeClr val="accent2"/>
-              </a:effectRef>
-              <a:fontRef idx="minor">
-                <a:schemeClr val="tx1"/>
-              </a:fontRef>
-            </p:style>
-          </p:cxnSp>
-          <p:sp>
-            <p:nvSpPr>
-              <p:cNvPr id="86" name="TextBox 85">
-                <a:extLst>
-                  <a:ext uri="{FF2B5EF4-FFF2-40B4-BE49-F238E27FC236}">
-                    <a16:creationId xmlns:a16="http://schemas.microsoft.com/office/drawing/2014/main" id="{EAD6C7EB-0ED7-4E37-AEE6-6C3786E50B0B}"/>
-                  </a:ext>
-                </a:extLst>
-              </p:cNvPr>
-              <p:cNvSpPr txBox="1"/>
-              <p:nvPr/>
-            </p:nvSpPr>
-            <p:spPr>
-              <a:xfrm>
-                <a:off x="9391100" y="3880609"/>
-                <a:ext cx="936104" cy="246221"/>
-              </a:xfrm>
-              <a:prstGeom prst="rect">
-                <a:avLst/>
-              </a:prstGeom>
-              <a:noFill/>
-            </p:spPr>
-            <p:txBody>
-              <a:bodyPr wrap="square" rtlCol="0">
-                <a:spAutoFit/>
-              </a:bodyPr>
-              <a:lstStyle/>
-              <a:p>
-                <a:pPr algn="ctr"/>
-                <a:r>
-                  <a:rPr lang="ko-KR" altLang="en-US" sz="1000" dirty="0">
-                    <a:latin typeface="Arial" panose="020B0604020202020204" pitchFamily="34" charset="0"/>
-                    <a:cs typeface="Arial" panose="020B0604020202020204" pitchFamily="34" charset="0"/>
-                  </a:rPr>
-                  <a:t>상 속</a:t>
-                </a:r>
-                <a:endParaRPr lang="en-US" altLang="ko-KR" sz="1000" dirty="0">
-                  <a:latin typeface="Arial" panose="020B0604020202020204" pitchFamily="34" charset="0"/>
-                  <a:cs typeface="Arial" panose="020B0604020202020204" pitchFamily="34" charset="0"/>
-                </a:endParaRPr>
-              </a:p>
-            </p:txBody>
-          </p:sp>
-        </p:grpSp>
-        <p:cxnSp>
-          <p:nvCxnSpPr>
-            <p:cNvPr id="87" name="직선 화살표 연결선 86">
-              <a:extLst>
-                <a:ext uri="{FF2B5EF4-FFF2-40B4-BE49-F238E27FC236}">
-                  <a16:creationId xmlns:a16="http://schemas.microsoft.com/office/drawing/2014/main" id="{6918598C-6D69-409A-AAD6-20E4A102670A}"/>
-                </a:ext>
-              </a:extLst>
-            </p:cNvPr>
-            <p:cNvCxnSpPr>
-              <a:cxnSpLocks/>
-            </p:cNvCxnSpPr>
-            <p:nvPr/>
-          </p:nvCxnSpPr>
-          <p:spPr>
-            <a:xfrm>
-              <a:off x="6023992" y="3569596"/>
-              <a:ext cx="1553770" cy="0"/>
-            </a:xfrm>
-            <a:prstGeom prst="straightConnector1">
-              <a:avLst/>
-            </a:prstGeom>
-            <a:ln>
-              <a:headEnd type="triangle"/>
-              <a:tailEnd type="triangle"/>
-            </a:ln>
-          </p:spPr>
-          <p:style>
-            <a:lnRef idx="1">
-              <a:schemeClr val="accent2"/>
-            </a:lnRef>
-            <a:fillRef idx="0">
-              <a:schemeClr val="accent2"/>
-            </a:fillRef>
-            <a:effectRef idx="0">
-              <a:schemeClr val="accent2"/>
-            </a:effectRef>
-            <a:fontRef idx="minor">
-              <a:schemeClr val="tx1"/>
-            </a:fontRef>
-          </p:style>
-        </p:cxnSp>
-        <p:sp>
-          <p:nvSpPr>
-            <p:cNvPr id="88" name="사각형: 둥근 모서리 87">
-              <a:extLst>
-                <a:ext uri="{FF2B5EF4-FFF2-40B4-BE49-F238E27FC236}">
-                  <a16:creationId xmlns:a16="http://schemas.microsoft.com/office/drawing/2014/main" id="{A19CF394-E6CC-4356-A9CF-3E2F8DA8766E}"/>
-                </a:ext>
-              </a:extLst>
-            </p:cNvPr>
-            <p:cNvSpPr/>
-            <p:nvPr/>
-          </p:nvSpPr>
-          <p:spPr>
-            <a:xfrm>
-              <a:off x="3951469" y="1967602"/>
-              <a:ext cx="2140463" cy="381278"/>
-            </a:xfrm>
-            <a:prstGeom prst="roundRect">
-              <a:avLst/>
-            </a:prstGeom>
-            <a:solidFill>
-              <a:schemeClr val="accent6">
-                <a:lumMod val="40000"/>
-                <a:lumOff val="60000"/>
-              </a:schemeClr>
-            </a:solidFill>
-            <a:ln>
-              <a:noFill/>
-            </a:ln>
-          </p:spPr>
-          <p:style>
-            <a:lnRef idx="2">
-              <a:schemeClr val="accent1">
-                <a:shade val="50000"/>
-              </a:schemeClr>
-            </a:lnRef>
-            <a:fillRef idx="1">
-              <a:schemeClr val="accent1"/>
-            </a:fillRef>
-            <a:effectRef idx="0">
-              <a:schemeClr val="accent1"/>
-            </a:effectRef>
-            <a:fontRef idx="minor">
-              <a:schemeClr val="lt1"/>
-            </a:fontRef>
-          </p:style>
-          <p:txBody>
-            <a:bodyPr rtlCol="0" anchor="ctr"/>
-            <a:lstStyle/>
-            <a:p>
-              <a:pPr algn="ctr"/>
-              <a:endParaRPr lang="ko-KR" altLang="en-US" dirty="0"/>
-            </a:p>
-          </p:txBody>
-        </p:sp>
-        <p:sp>
-          <p:nvSpPr>
-            <p:cNvPr id="89" name="TextBox 88">
-              <a:extLst>
-                <a:ext uri="{FF2B5EF4-FFF2-40B4-BE49-F238E27FC236}">
-                  <a16:creationId xmlns:a16="http://schemas.microsoft.com/office/drawing/2014/main" id="{7DD6F2A2-4871-4722-8EAE-FCFE31D605F9}"/>
-                </a:ext>
-              </a:extLst>
-            </p:cNvPr>
-            <p:cNvSpPr txBox="1"/>
-            <p:nvPr/>
-          </p:nvSpPr>
-          <p:spPr>
-            <a:xfrm>
-              <a:off x="3943897" y="2014276"/>
-              <a:ext cx="2140463" cy="246221"/>
-            </a:xfrm>
-            <a:prstGeom prst="rect">
-              <a:avLst/>
-            </a:prstGeom>
-            <a:noFill/>
-          </p:spPr>
-          <p:txBody>
-            <a:bodyPr wrap="square" rtlCol="0">
-              <a:spAutoFit/>
-            </a:bodyPr>
-            <a:lstStyle/>
-            <a:p>
-              <a:pPr algn="ctr"/>
-              <a:r>
-                <a:rPr lang="en-US" altLang="ko-KR" sz="1000" dirty="0" err="1">
-                  <a:solidFill>
-                    <a:srgbClr val="000000"/>
-                  </a:solidFill>
-                  <a:latin typeface="돋움체" panose="020B0609000101010101" pitchFamily="49" charset="-127"/>
-                  <a:ea typeface="돋움체" panose="020B0609000101010101" pitchFamily="49" charset="-127"/>
-                </a:rPr>
-                <a:t>PropertyChangedEventHandler</a:t>
-              </a:r>
-              <a:endParaRPr lang="en-US" altLang="ko-KR" sz="1000" dirty="0">
+          </a:ln>
+        </p:spPr>
+        <p:style>
+          <a:lnRef idx="2">
+            <a:schemeClr val="accent1">
+              <a:shade val="50000"/>
+            </a:schemeClr>
+          </a:lnRef>
+          <a:fillRef idx="1">
+            <a:schemeClr val="accent1"/>
+          </a:fillRef>
+          <a:effectRef idx="0">
+            <a:schemeClr val="accent1"/>
+          </a:effectRef>
+          <a:fontRef idx="minor">
+            <a:schemeClr val="lt1"/>
+          </a:fontRef>
+        </p:style>
+        <p:txBody>
+          <a:bodyPr rtlCol="0" anchor="ctr"/>
+          <a:lstStyle/>
+          <a:p>
+            <a:pPr algn="ctr"/>
+            <a:endParaRPr lang="ko-KR" altLang="en-US"/>
+          </a:p>
+        </p:txBody>
+      </p:sp>
+      <p:sp>
+        <p:nvSpPr>
+          <p:cNvPr id="65" name="TextBox 64">
+            <a:extLst>
+              <a:ext uri="{FF2B5EF4-FFF2-40B4-BE49-F238E27FC236}">
+                <a16:creationId xmlns:a16="http://schemas.microsoft.com/office/drawing/2014/main" id="{65BCD01E-C0B7-41EE-BA39-E7F3ECFF8AD4}"/>
+              </a:ext>
+            </a:extLst>
+          </p:cNvPr>
+          <p:cNvSpPr txBox="1"/>
+          <p:nvPr/>
+        </p:nvSpPr>
+        <p:spPr>
+          <a:xfrm>
+            <a:off x="1578681" y="1600441"/>
+            <a:ext cx="812611" cy="246221"/>
+          </a:xfrm>
+          <a:prstGeom prst="rect">
+            <a:avLst/>
+          </a:prstGeom>
+          <a:noFill/>
+        </p:spPr>
+        <p:txBody>
+          <a:bodyPr wrap="square" rtlCol="0">
+            <a:spAutoFit/>
+          </a:bodyPr>
+          <a:lstStyle/>
+          <a:p>
+            <a:pPr algn="ctr"/>
+            <a:r>
+              <a:rPr lang="en-US" altLang="ko-KR" sz="1000" dirty="0">
                 <a:latin typeface="Arial" panose="020B0604020202020204" pitchFamily="34" charset="0"/>
                 <a:cs typeface="Arial" panose="020B0604020202020204" pitchFamily="34" charset="0"/>
-              </a:endParaRPr>
-            </a:p>
-          </p:txBody>
-        </p:sp>
-      </p:grpSp>
+              </a:rPr>
+              <a:t>View</a:t>
+            </a:r>
+          </a:p>
+        </p:txBody>
+      </p:sp>
+      <p:sp>
+        <p:nvSpPr>
+          <p:cNvPr id="66" name="TextBox 65">
+            <a:extLst>
+              <a:ext uri="{FF2B5EF4-FFF2-40B4-BE49-F238E27FC236}">
+                <a16:creationId xmlns:a16="http://schemas.microsoft.com/office/drawing/2014/main" id="{AA387462-4CCD-4538-8C4B-04CCEFAFA0E7}"/>
+              </a:ext>
+            </a:extLst>
+          </p:cNvPr>
+          <p:cNvSpPr txBox="1"/>
+          <p:nvPr/>
+        </p:nvSpPr>
+        <p:spPr>
+          <a:xfrm>
+            <a:off x="4188022" y="1631174"/>
+            <a:ext cx="936104" cy="246221"/>
+          </a:xfrm>
+          <a:prstGeom prst="rect">
+            <a:avLst/>
+          </a:prstGeom>
+          <a:noFill/>
+        </p:spPr>
+        <p:txBody>
+          <a:bodyPr wrap="square" rtlCol="0">
+            <a:spAutoFit/>
+          </a:bodyPr>
+          <a:lstStyle/>
+          <a:p>
+            <a:pPr algn="ctr"/>
+            <a:r>
+              <a:rPr lang="en-US" altLang="ko-KR" sz="1000" dirty="0">
+                <a:latin typeface="Arial" panose="020B0604020202020204" pitchFamily="34" charset="0"/>
+                <a:cs typeface="Arial" panose="020B0604020202020204" pitchFamily="34" charset="0"/>
+              </a:rPr>
+              <a:t>View Model</a:t>
+            </a:r>
+          </a:p>
+        </p:txBody>
+      </p:sp>
+      <p:pic>
+        <p:nvPicPr>
+          <p:cNvPr id="69" name="그림 68">
+            <a:extLst>
+              <a:ext uri="{FF2B5EF4-FFF2-40B4-BE49-F238E27FC236}">
+                <a16:creationId xmlns:a16="http://schemas.microsoft.com/office/drawing/2014/main" id="{7F4A4082-B502-4060-B8D4-D92269303EAC}"/>
+              </a:ext>
+            </a:extLst>
+          </p:cNvPr>
+          <p:cNvPicPr>
+            <a:picLocks noChangeAspect="1"/>
+          </p:cNvPicPr>
+          <p:nvPr/>
+        </p:nvPicPr>
+        <p:blipFill>
+          <a:blip r:embed="rId2"/>
+          <a:stretch>
+            <a:fillRect/>
+          </a:stretch>
+        </p:blipFill>
+        <p:spPr>
+          <a:xfrm>
+            <a:off x="1040937" y="2069714"/>
+            <a:ext cx="1888101" cy="1071754"/>
+          </a:xfrm>
+          <a:prstGeom prst="rect">
+            <a:avLst/>
+          </a:prstGeom>
+        </p:spPr>
+      </p:pic>
+      <p:cxnSp>
+        <p:nvCxnSpPr>
+          <p:cNvPr id="7" name="직선 화살표 연결선 6">
+            <a:extLst>
+              <a:ext uri="{FF2B5EF4-FFF2-40B4-BE49-F238E27FC236}">
+                <a16:creationId xmlns:a16="http://schemas.microsoft.com/office/drawing/2014/main" id="{5A9DFB94-8CF6-4B34-A9D6-E6CC23AD3733}"/>
+              </a:ext>
+            </a:extLst>
+          </p:cNvPr>
+          <p:cNvCxnSpPr>
+            <a:cxnSpLocks/>
+          </p:cNvCxnSpPr>
+          <p:nvPr/>
+        </p:nvCxnSpPr>
+        <p:spPr>
+          <a:xfrm>
+            <a:off x="2857346" y="3496743"/>
+            <a:ext cx="898026" cy="0"/>
+          </a:xfrm>
+          <a:prstGeom prst="straightConnector1">
+            <a:avLst/>
+          </a:prstGeom>
+          <a:ln>
+            <a:headEnd type="triangle"/>
+            <a:tailEnd type="triangle"/>
+          </a:ln>
+        </p:spPr>
+        <p:style>
+          <a:lnRef idx="1">
+            <a:schemeClr val="accent2"/>
+          </a:lnRef>
+          <a:fillRef idx="0">
+            <a:schemeClr val="accent2"/>
+          </a:fillRef>
+          <a:effectRef idx="0">
+            <a:schemeClr val="accent2"/>
+          </a:effectRef>
+          <a:fontRef idx="minor">
+            <a:schemeClr val="tx1"/>
+          </a:fontRef>
+        </p:style>
+      </p:cxnSp>
+      <p:sp>
+        <p:nvSpPr>
+          <p:cNvPr id="70" name="TextBox 69">
+            <a:extLst>
+              <a:ext uri="{FF2B5EF4-FFF2-40B4-BE49-F238E27FC236}">
+                <a16:creationId xmlns:a16="http://schemas.microsoft.com/office/drawing/2014/main" id="{6C3A7DBA-E972-47A3-8AFD-CC2383927B2B}"/>
+              </a:ext>
+            </a:extLst>
+          </p:cNvPr>
+          <p:cNvSpPr txBox="1"/>
+          <p:nvPr/>
+        </p:nvSpPr>
+        <p:spPr>
+          <a:xfrm>
+            <a:off x="2839188" y="3496743"/>
+            <a:ext cx="936104" cy="246221"/>
+          </a:xfrm>
+          <a:prstGeom prst="rect">
+            <a:avLst/>
+          </a:prstGeom>
+          <a:noFill/>
+        </p:spPr>
+        <p:txBody>
+          <a:bodyPr wrap="square" rtlCol="0">
+            <a:spAutoFit/>
+          </a:bodyPr>
+          <a:lstStyle/>
+          <a:p>
+            <a:pPr algn="ctr"/>
+            <a:r>
+              <a:rPr lang="en-US" altLang="ko-KR" sz="1000" dirty="0">
+                <a:latin typeface="Arial" panose="020B0604020202020204" pitchFamily="34" charset="0"/>
+                <a:cs typeface="Arial" panose="020B0604020202020204" pitchFamily="34" charset="0"/>
+              </a:rPr>
+              <a:t>Binding</a:t>
+            </a:r>
+          </a:p>
+        </p:txBody>
+      </p:sp>
+      <p:sp>
+        <p:nvSpPr>
+          <p:cNvPr id="67" name="TextBox 66">
+            <a:extLst>
+              <a:ext uri="{FF2B5EF4-FFF2-40B4-BE49-F238E27FC236}">
+                <a16:creationId xmlns:a16="http://schemas.microsoft.com/office/drawing/2014/main" id="{470638A5-DE0E-426D-8640-D25A347AF60A}"/>
+              </a:ext>
+            </a:extLst>
+          </p:cNvPr>
+          <p:cNvSpPr txBox="1"/>
+          <p:nvPr/>
+        </p:nvSpPr>
+        <p:spPr>
+          <a:xfrm>
+            <a:off x="6757926" y="1631174"/>
+            <a:ext cx="936104" cy="246221"/>
+          </a:xfrm>
+          <a:prstGeom prst="rect">
+            <a:avLst/>
+          </a:prstGeom>
+          <a:noFill/>
+        </p:spPr>
+        <p:txBody>
+          <a:bodyPr wrap="square" rtlCol="0">
+            <a:spAutoFit/>
+          </a:bodyPr>
+          <a:lstStyle/>
+          <a:p>
+            <a:pPr algn="ctr"/>
+            <a:r>
+              <a:rPr lang="en-US" altLang="ko-KR" sz="1000" dirty="0">
+                <a:latin typeface="Arial" panose="020B0604020202020204" pitchFamily="34" charset="0"/>
+                <a:cs typeface="Arial" panose="020B0604020202020204" pitchFamily="34" charset="0"/>
+              </a:rPr>
+              <a:t>Model</a:t>
+            </a:r>
+          </a:p>
+        </p:txBody>
+      </p:sp>
+      <p:sp>
+        <p:nvSpPr>
+          <p:cNvPr id="88" name="사각형: 둥근 모서리 87">
+            <a:extLst>
+              <a:ext uri="{FF2B5EF4-FFF2-40B4-BE49-F238E27FC236}">
+                <a16:creationId xmlns:a16="http://schemas.microsoft.com/office/drawing/2014/main" id="{A19CF394-E6CC-4356-A9CF-3E2F8DA8766E}"/>
+              </a:ext>
+            </a:extLst>
+          </p:cNvPr>
+          <p:cNvSpPr/>
+          <p:nvPr/>
+        </p:nvSpPr>
+        <p:spPr>
+          <a:xfrm>
+            <a:off x="3795400" y="2058116"/>
+            <a:ext cx="1763748" cy="381278"/>
+          </a:xfrm>
+          <a:prstGeom prst="roundRect">
+            <a:avLst/>
+          </a:prstGeom>
+          <a:solidFill>
+            <a:schemeClr val="accent6">
+              <a:lumMod val="40000"/>
+              <a:lumOff val="60000"/>
+            </a:schemeClr>
+          </a:solidFill>
+          <a:ln>
+            <a:noFill/>
+          </a:ln>
+        </p:spPr>
+        <p:style>
+          <a:lnRef idx="2">
+            <a:schemeClr val="accent1">
+              <a:shade val="50000"/>
+            </a:schemeClr>
+          </a:lnRef>
+          <a:fillRef idx="1">
+            <a:schemeClr val="accent1"/>
+          </a:fillRef>
+          <a:effectRef idx="0">
+            <a:schemeClr val="accent1"/>
+          </a:effectRef>
+          <a:fontRef idx="minor">
+            <a:schemeClr val="lt1"/>
+          </a:fontRef>
+        </p:style>
+        <p:txBody>
+          <a:bodyPr rtlCol="0" anchor="ctr"/>
+          <a:lstStyle/>
+          <a:p>
+            <a:pPr algn="ctr"/>
+            <a:endParaRPr lang="ko-KR" altLang="en-US" dirty="0"/>
+          </a:p>
+        </p:txBody>
+      </p:sp>
+      <p:sp>
+        <p:nvSpPr>
+          <p:cNvPr id="89" name="TextBox 88">
+            <a:extLst>
+              <a:ext uri="{FF2B5EF4-FFF2-40B4-BE49-F238E27FC236}">
+                <a16:creationId xmlns:a16="http://schemas.microsoft.com/office/drawing/2014/main" id="{7DD6F2A2-4871-4722-8EAE-FCFE31D605F9}"/>
+              </a:ext>
+            </a:extLst>
+          </p:cNvPr>
+          <p:cNvSpPr txBox="1"/>
+          <p:nvPr/>
+        </p:nvSpPr>
+        <p:spPr>
+          <a:xfrm>
+            <a:off x="3607042" y="2109559"/>
+            <a:ext cx="2140463" cy="246221"/>
+          </a:xfrm>
+          <a:prstGeom prst="rect">
+            <a:avLst/>
+          </a:prstGeom>
+          <a:noFill/>
+        </p:spPr>
+        <p:txBody>
+          <a:bodyPr wrap="square" rtlCol="0">
+            <a:spAutoFit/>
+          </a:bodyPr>
+          <a:lstStyle/>
+          <a:p>
+            <a:pPr algn="ctr"/>
+            <a:r>
+              <a:rPr lang="en-US" altLang="ko-KR" sz="1000" dirty="0" err="1">
+                <a:solidFill>
+                  <a:srgbClr val="000000"/>
+                </a:solidFill>
+                <a:latin typeface="돋움체" panose="020B0609000101010101" pitchFamily="49" charset="-127"/>
+                <a:ea typeface="돋움체" panose="020B0609000101010101" pitchFamily="49" charset="-127"/>
+              </a:rPr>
+              <a:t>PropertyChangedEventHandler</a:t>
+            </a:r>
+            <a:endParaRPr lang="en-US" altLang="ko-KR" sz="1000" dirty="0">
+              <a:latin typeface="Arial" panose="020B0604020202020204" pitchFamily="34" charset="0"/>
+              <a:cs typeface="Arial" panose="020B0604020202020204" pitchFamily="34" charset="0"/>
+            </a:endParaRPr>
+          </a:p>
+        </p:txBody>
+      </p:sp>
+      <p:cxnSp>
+        <p:nvCxnSpPr>
+          <p:cNvPr id="33" name="직선 화살표 연결선 32">
+            <a:extLst>
+              <a:ext uri="{FF2B5EF4-FFF2-40B4-BE49-F238E27FC236}">
+                <a16:creationId xmlns:a16="http://schemas.microsoft.com/office/drawing/2014/main" id="{5FD8FAD7-8DE9-4DF3-AF88-A658CFFCC68F}"/>
+              </a:ext>
+            </a:extLst>
+          </p:cNvPr>
+          <p:cNvCxnSpPr>
+            <a:cxnSpLocks/>
+          </p:cNvCxnSpPr>
+          <p:nvPr/>
+        </p:nvCxnSpPr>
+        <p:spPr>
+          <a:xfrm>
+            <a:off x="5455654" y="3561601"/>
+            <a:ext cx="898026" cy="0"/>
+          </a:xfrm>
+          <a:prstGeom prst="straightConnector1">
+            <a:avLst/>
+          </a:prstGeom>
+          <a:ln>
+            <a:headEnd type="triangle"/>
+            <a:tailEnd type="triangle"/>
+          </a:ln>
+        </p:spPr>
+        <p:style>
+          <a:lnRef idx="1">
+            <a:schemeClr val="accent2"/>
+          </a:lnRef>
+          <a:fillRef idx="0">
+            <a:schemeClr val="accent2"/>
+          </a:fillRef>
+          <a:effectRef idx="0">
+            <a:schemeClr val="accent2"/>
+          </a:effectRef>
+          <a:fontRef idx="minor">
+            <a:schemeClr val="tx1"/>
+          </a:fontRef>
+        </p:style>
+      </p:cxnSp>
+      <p:sp>
+        <p:nvSpPr>
+          <p:cNvPr id="34" name="사각형: 둥근 모서리 33">
+            <a:extLst>
+              <a:ext uri="{FF2B5EF4-FFF2-40B4-BE49-F238E27FC236}">
+                <a16:creationId xmlns:a16="http://schemas.microsoft.com/office/drawing/2014/main" id="{2AB46AF0-F0CE-4A64-856A-0A501CA62953}"/>
+              </a:ext>
+            </a:extLst>
+          </p:cNvPr>
+          <p:cNvSpPr/>
+          <p:nvPr/>
+        </p:nvSpPr>
+        <p:spPr>
+          <a:xfrm>
+            <a:off x="8770419" y="1571142"/>
+            <a:ext cx="2016692" cy="2217898"/>
+          </a:xfrm>
+          <a:prstGeom prst="roundRect">
+            <a:avLst/>
+          </a:prstGeom>
+          <a:solidFill>
+            <a:schemeClr val="accent5">
+              <a:lumMod val="20000"/>
+              <a:lumOff val="80000"/>
+            </a:schemeClr>
+          </a:solidFill>
+          <a:ln>
+            <a:noFill/>
+          </a:ln>
+        </p:spPr>
+        <p:style>
+          <a:lnRef idx="2">
+            <a:schemeClr val="accent1">
+              <a:shade val="50000"/>
+            </a:schemeClr>
+          </a:lnRef>
+          <a:fillRef idx="1">
+            <a:schemeClr val="accent1"/>
+          </a:fillRef>
+          <a:effectRef idx="0">
+            <a:schemeClr val="accent1"/>
+          </a:effectRef>
+          <a:fontRef idx="minor">
+            <a:schemeClr val="lt1"/>
+          </a:fontRef>
+        </p:style>
+        <p:txBody>
+          <a:bodyPr rtlCol="0" anchor="ctr"/>
+          <a:lstStyle/>
+          <a:p>
+            <a:pPr algn="ctr"/>
+            <a:endParaRPr lang="ko-KR" altLang="en-US"/>
+          </a:p>
+        </p:txBody>
+      </p:sp>
+      <p:sp>
+        <p:nvSpPr>
+          <p:cNvPr id="35" name="TextBox 34">
+            <a:extLst>
+              <a:ext uri="{FF2B5EF4-FFF2-40B4-BE49-F238E27FC236}">
+                <a16:creationId xmlns:a16="http://schemas.microsoft.com/office/drawing/2014/main" id="{F4DA3304-A938-4146-9F8E-6480748E0FB1}"/>
+              </a:ext>
+            </a:extLst>
+          </p:cNvPr>
+          <p:cNvSpPr txBox="1"/>
+          <p:nvPr/>
+        </p:nvSpPr>
+        <p:spPr>
+          <a:xfrm>
+            <a:off x="9078002" y="1631174"/>
+            <a:ext cx="1401525" cy="246221"/>
+          </a:xfrm>
+          <a:prstGeom prst="rect">
+            <a:avLst/>
+          </a:prstGeom>
+          <a:noFill/>
+        </p:spPr>
+        <p:txBody>
+          <a:bodyPr wrap="square" rtlCol="0">
+            <a:spAutoFit/>
+          </a:bodyPr>
+          <a:lstStyle/>
+          <a:p>
+            <a:pPr algn="ctr"/>
+            <a:r>
+              <a:rPr lang="en-US" altLang="ko-KR" sz="1000" dirty="0" err="1">
+                <a:latin typeface="Arial" panose="020B0604020202020204" pitchFamily="34" charset="0"/>
+                <a:cs typeface="Arial" panose="020B0604020202020204" pitchFamily="34" charset="0"/>
+              </a:rPr>
+              <a:t>dNetWork</a:t>
+            </a:r>
+            <a:r>
+              <a:rPr lang="en-US" altLang="ko-KR" sz="1000" dirty="0">
+                <a:latin typeface="Arial" panose="020B0604020202020204" pitchFamily="34" charset="0"/>
+                <a:cs typeface="Arial" panose="020B0604020202020204" pitchFamily="34" charset="0"/>
+              </a:rPr>
+              <a:t> Library</a:t>
+            </a:r>
+          </a:p>
+        </p:txBody>
+      </p:sp>
+      <p:sp>
+        <p:nvSpPr>
+          <p:cNvPr id="38" name="사각형: 둥근 모서리 37">
+            <a:extLst>
+              <a:ext uri="{FF2B5EF4-FFF2-40B4-BE49-F238E27FC236}">
+                <a16:creationId xmlns:a16="http://schemas.microsoft.com/office/drawing/2014/main" id="{725CB093-5B54-49DE-9FD8-A2DF3141E3E3}"/>
+              </a:ext>
+            </a:extLst>
+          </p:cNvPr>
+          <p:cNvSpPr/>
+          <p:nvPr/>
+        </p:nvSpPr>
+        <p:spPr>
+          <a:xfrm>
+            <a:off x="6318814" y="1993337"/>
+            <a:ext cx="1834745" cy="3523895"/>
+          </a:xfrm>
+          <a:prstGeom prst="roundRect">
+            <a:avLst/>
+          </a:prstGeom>
+          <a:solidFill>
+            <a:schemeClr val="accent6">
+              <a:lumMod val="40000"/>
+              <a:lumOff val="60000"/>
+            </a:schemeClr>
+          </a:solidFill>
+          <a:ln>
+            <a:noFill/>
+          </a:ln>
+        </p:spPr>
+        <p:style>
+          <a:lnRef idx="2">
+            <a:schemeClr val="accent1">
+              <a:shade val="50000"/>
+            </a:schemeClr>
+          </a:lnRef>
+          <a:fillRef idx="1">
+            <a:schemeClr val="accent1"/>
+          </a:fillRef>
+          <a:effectRef idx="0">
+            <a:schemeClr val="accent1"/>
+          </a:effectRef>
+          <a:fontRef idx="minor">
+            <a:schemeClr val="lt1"/>
+          </a:fontRef>
+        </p:style>
+        <p:txBody>
+          <a:bodyPr rtlCol="0" anchor="ctr"/>
+          <a:lstStyle/>
+          <a:p>
+            <a:pPr algn="ctr"/>
+            <a:endParaRPr lang="ko-KR" altLang="en-US" dirty="0"/>
+          </a:p>
+        </p:txBody>
+      </p:sp>
+      <p:sp>
+        <p:nvSpPr>
+          <p:cNvPr id="39" name="TextBox 38">
+            <a:extLst>
+              <a:ext uri="{FF2B5EF4-FFF2-40B4-BE49-F238E27FC236}">
+                <a16:creationId xmlns:a16="http://schemas.microsoft.com/office/drawing/2014/main" id="{8F4E2011-26C5-440B-839D-83FBC1268CF4}"/>
+              </a:ext>
+            </a:extLst>
+          </p:cNvPr>
+          <p:cNvSpPr txBox="1"/>
+          <p:nvPr/>
+        </p:nvSpPr>
+        <p:spPr>
+          <a:xfrm>
+            <a:off x="6533671" y="2002534"/>
+            <a:ext cx="1401525" cy="246221"/>
+          </a:xfrm>
+          <a:prstGeom prst="rect">
+            <a:avLst/>
+          </a:prstGeom>
+          <a:noFill/>
+        </p:spPr>
+        <p:txBody>
+          <a:bodyPr wrap="square" rtlCol="0">
+            <a:spAutoFit/>
+          </a:bodyPr>
+          <a:lstStyle/>
+          <a:p>
+            <a:pPr algn="ctr"/>
+            <a:r>
+              <a:rPr lang="en-US" altLang="ko-KR" sz="1000" dirty="0" err="1">
+                <a:latin typeface="Arial" panose="020B0604020202020204" pitchFamily="34" charset="0"/>
+                <a:cs typeface="Arial" panose="020B0604020202020204" pitchFamily="34" charset="0"/>
+              </a:rPr>
+              <a:t>Integratedclas</a:t>
+            </a:r>
+            <a:endParaRPr lang="en-US" altLang="ko-KR" sz="1000" dirty="0">
+              <a:latin typeface="Arial" panose="020B0604020202020204" pitchFamily="34" charset="0"/>
+              <a:cs typeface="Arial" panose="020B0604020202020204" pitchFamily="34" charset="0"/>
+            </a:endParaRPr>
+          </a:p>
+        </p:txBody>
+      </p:sp>
+      <p:sp>
+        <p:nvSpPr>
+          <p:cNvPr id="40" name="사각형: 둥근 모서리 39">
+            <a:extLst>
+              <a:ext uri="{FF2B5EF4-FFF2-40B4-BE49-F238E27FC236}">
+                <a16:creationId xmlns:a16="http://schemas.microsoft.com/office/drawing/2014/main" id="{997CE4DB-F480-4C50-A50F-19C041CC76BE}"/>
+              </a:ext>
+            </a:extLst>
+          </p:cNvPr>
+          <p:cNvSpPr/>
+          <p:nvPr/>
+        </p:nvSpPr>
+        <p:spPr>
+          <a:xfrm>
+            <a:off x="6380849" y="2291039"/>
+            <a:ext cx="1656184" cy="315703"/>
+          </a:xfrm>
+          <a:prstGeom prst="roundRect">
+            <a:avLst/>
+          </a:prstGeom>
+          <a:solidFill>
+            <a:schemeClr val="accent4">
+              <a:lumMod val="20000"/>
+              <a:lumOff val="80000"/>
+            </a:schemeClr>
+          </a:solidFill>
+          <a:ln>
+            <a:noFill/>
+          </a:ln>
+        </p:spPr>
+        <p:style>
+          <a:lnRef idx="2">
+            <a:schemeClr val="accent1">
+              <a:shade val="50000"/>
+            </a:schemeClr>
+          </a:lnRef>
+          <a:fillRef idx="1">
+            <a:schemeClr val="accent1"/>
+          </a:fillRef>
+          <a:effectRef idx="0">
+            <a:schemeClr val="accent1"/>
+          </a:effectRef>
+          <a:fontRef idx="minor">
+            <a:schemeClr val="lt1"/>
+          </a:fontRef>
+        </p:style>
+        <p:txBody>
+          <a:bodyPr rtlCol="0" anchor="ctr"/>
+          <a:lstStyle/>
+          <a:p>
+            <a:pPr algn="ctr"/>
+            <a:endParaRPr lang="ko-KR" altLang="en-US"/>
+          </a:p>
+        </p:txBody>
+      </p:sp>
+      <p:sp>
+        <p:nvSpPr>
+          <p:cNvPr id="41" name="TextBox 40">
+            <a:extLst>
+              <a:ext uri="{FF2B5EF4-FFF2-40B4-BE49-F238E27FC236}">
+                <a16:creationId xmlns:a16="http://schemas.microsoft.com/office/drawing/2014/main" id="{2D985F9A-B634-4DFB-971B-CF8C9A49927F}"/>
+              </a:ext>
+            </a:extLst>
+          </p:cNvPr>
+          <p:cNvSpPr txBox="1"/>
+          <p:nvPr/>
+        </p:nvSpPr>
+        <p:spPr>
+          <a:xfrm>
+            <a:off x="6634468" y="2316283"/>
+            <a:ext cx="1212618" cy="246221"/>
+          </a:xfrm>
+          <a:prstGeom prst="rect">
+            <a:avLst/>
+          </a:prstGeom>
+          <a:noFill/>
+        </p:spPr>
+        <p:txBody>
+          <a:bodyPr wrap="square" rtlCol="0">
+            <a:spAutoFit/>
+          </a:bodyPr>
+          <a:lstStyle/>
+          <a:p>
+            <a:pPr algn="ctr"/>
+            <a:r>
+              <a:rPr lang="en-US" altLang="ko-KR" sz="1000" dirty="0" err="1">
+                <a:latin typeface="Arial" panose="020B0604020202020204" pitchFamily="34" charset="0"/>
+                <a:cs typeface="Arial" panose="020B0604020202020204" pitchFamily="34" charset="0"/>
+              </a:rPr>
+              <a:t>NetWork</a:t>
+            </a:r>
+            <a:r>
+              <a:rPr lang="en-US" altLang="ko-KR" sz="1000" dirty="0">
+                <a:latin typeface="Arial" panose="020B0604020202020204" pitchFamily="34" charset="0"/>
+                <a:cs typeface="Arial" panose="020B0604020202020204" pitchFamily="34" charset="0"/>
+              </a:rPr>
+              <a:t> Server</a:t>
+            </a:r>
+          </a:p>
+        </p:txBody>
+      </p:sp>
+      <p:cxnSp>
+        <p:nvCxnSpPr>
+          <p:cNvPr id="42" name="직선 화살표 연결선 41">
+            <a:extLst>
+              <a:ext uri="{FF2B5EF4-FFF2-40B4-BE49-F238E27FC236}">
+                <a16:creationId xmlns:a16="http://schemas.microsoft.com/office/drawing/2014/main" id="{104DA34E-13F8-42D4-B841-FB333F06C3AF}"/>
+              </a:ext>
+            </a:extLst>
+          </p:cNvPr>
+          <p:cNvCxnSpPr>
+            <a:cxnSpLocks/>
+          </p:cNvCxnSpPr>
+          <p:nvPr/>
+        </p:nvCxnSpPr>
+        <p:spPr>
+          <a:xfrm flipH="1">
+            <a:off x="8138914" y="2447056"/>
+            <a:ext cx="722477" cy="0"/>
+          </a:xfrm>
+          <a:prstGeom prst="straightConnector1">
+            <a:avLst/>
+          </a:prstGeom>
+          <a:ln>
+            <a:tailEnd type="triangle"/>
+          </a:ln>
+        </p:spPr>
+        <p:style>
+          <a:lnRef idx="1">
+            <a:schemeClr val="accent2"/>
+          </a:lnRef>
+          <a:fillRef idx="0">
+            <a:schemeClr val="accent2"/>
+          </a:fillRef>
+          <a:effectRef idx="0">
+            <a:schemeClr val="accent2"/>
+          </a:effectRef>
+          <a:fontRef idx="minor">
+            <a:schemeClr val="tx1"/>
+          </a:fontRef>
+        </p:style>
+      </p:cxnSp>
+      <p:sp>
+        <p:nvSpPr>
+          <p:cNvPr id="43" name="TextBox 42">
+            <a:extLst>
+              <a:ext uri="{FF2B5EF4-FFF2-40B4-BE49-F238E27FC236}">
+                <a16:creationId xmlns:a16="http://schemas.microsoft.com/office/drawing/2014/main" id="{64B7928D-8C0D-44DB-B1C8-1FD733AFBF94}"/>
+              </a:ext>
+            </a:extLst>
+          </p:cNvPr>
+          <p:cNvSpPr txBox="1"/>
+          <p:nvPr/>
+        </p:nvSpPr>
+        <p:spPr>
+          <a:xfrm>
+            <a:off x="8036827" y="2486962"/>
+            <a:ext cx="936104" cy="246221"/>
+          </a:xfrm>
+          <a:prstGeom prst="rect">
+            <a:avLst/>
+          </a:prstGeom>
+          <a:noFill/>
+        </p:spPr>
+        <p:txBody>
+          <a:bodyPr wrap="square" rtlCol="0">
+            <a:spAutoFit/>
+          </a:bodyPr>
+          <a:lstStyle/>
+          <a:p>
+            <a:pPr algn="ctr"/>
+            <a:r>
+              <a:rPr lang="ko-KR" altLang="en-US" sz="1000" dirty="0">
+                <a:latin typeface="Arial" panose="020B0604020202020204" pitchFamily="34" charset="0"/>
+                <a:cs typeface="Arial" panose="020B0604020202020204" pitchFamily="34" charset="0"/>
+              </a:rPr>
+              <a:t>상 속</a:t>
+            </a:r>
+            <a:endParaRPr lang="en-US" altLang="ko-KR" sz="1000" dirty="0">
+              <a:latin typeface="Arial" panose="020B0604020202020204" pitchFamily="34" charset="0"/>
+              <a:cs typeface="Arial" panose="020B0604020202020204" pitchFamily="34" charset="0"/>
+            </a:endParaRPr>
+          </a:p>
+        </p:txBody>
+      </p:sp>
+      <p:sp>
+        <p:nvSpPr>
+          <p:cNvPr id="44" name="사각형: 둥근 모서리 43">
+            <a:extLst>
+              <a:ext uri="{FF2B5EF4-FFF2-40B4-BE49-F238E27FC236}">
+                <a16:creationId xmlns:a16="http://schemas.microsoft.com/office/drawing/2014/main" id="{D6B0F0C1-6E8B-48D1-B7B1-CE4BF8843ED6}"/>
+              </a:ext>
+            </a:extLst>
+          </p:cNvPr>
+          <p:cNvSpPr/>
+          <p:nvPr/>
+        </p:nvSpPr>
+        <p:spPr>
+          <a:xfrm>
+            <a:off x="8861391" y="2261194"/>
+            <a:ext cx="1834745" cy="392274"/>
+          </a:xfrm>
+          <a:prstGeom prst="roundRect">
+            <a:avLst/>
+          </a:prstGeom>
+          <a:solidFill>
+            <a:schemeClr val="accent6">
+              <a:lumMod val="40000"/>
+              <a:lumOff val="60000"/>
+            </a:schemeClr>
+          </a:solidFill>
+          <a:ln>
+            <a:noFill/>
+          </a:ln>
+        </p:spPr>
+        <p:style>
+          <a:lnRef idx="2">
+            <a:schemeClr val="accent1">
+              <a:shade val="50000"/>
+            </a:schemeClr>
+          </a:lnRef>
+          <a:fillRef idx="1">
+            <a:schemeClr val="accent1"/>
+          </a:fillRef>
+          <a:effectRef idx="0">
+            <a:schemeClr val="accent1"/>
+          </a:effectRef>
+          <a:fontRef idx="minor">
+            <a:schemeClr val="lt1"/>
+          </a:fontRef>
+        </p:style>
+        <p:txBody>
+          <a:bodyPr rtlCol="0" anchor="ctr"/>
+          <a:lstStyle/>
+          <a:p>
+            <a:pPr algn="ctr"/>
+            <a:endParaRPr lang="ko-KR" altLang="en-US" dirty="0"/>
+          </a:p>
+        </p:txBody>
+      </p:sp>
+      <p:sp>
+        <p:nvSpPr>
+          <p:cNvPr id="45" name="TextBox 44">
+            <a:extLst>
+              <a:ext uri="{FF2B5EF4-FFF2-40B4-BE49-F238E27FC236}">
+                <a16:creationId xmlns:a16="http://schemas.microsoft.com/office/drawing/2014/main" id="{7A51F16D-60F4-4DB6-9F49-A7AEDA1893A3}"/>
+              </a:ext>
+            </a:extLst>
+          </p:cNvPr>
+          <p:cNvSpPr txBox="1"/>
+          <p:nvPr/>
+        </p:nvSpPr>
+        <p:spPr>
+          <a:xfrm>
+            <a:off x="9041180" y="2323946"/>
+            <a:ext cx="1467991" cy="246221"/>
+          </a:xfrm>
+          <a:prstGeom prst="rect">
+            <a:avLst/>
+          </a:prstGeom>
+          <a:noFill/>
+        </p:spPr>
+        <p:txBody>
+          <a:bodyPr wrap="square" rtlCol="0">
+            <a:spAutoFit/>
+          </a:bodyPr>
+          <a:lstStyle/>
+          <a:p>
+            <a:pPr algn="ctr"/>
+            <a:r>
+              <a:rPr lang="en-US" altLang="ko-KR" sz="1000" dirty="0" err="1">
+                <a:latin typeface="Arial" panose="020B0604020202020204" pitchFamily="34" charset="0"/>
+                <a:cs typeface="Arial" panose="020B0604020202020204" pitchFamily="34" charset="0"/>
+              </a:rPr>
+              <a:t>dNetWork.csNetWork</a:t>
+            </a:r>
+            <a:endParaRPr lang="en-US" altLang="ko-KR" sz="1000" dirty="0">
+              <a:latin typeface="Arial" panose="020B0604020202020204" pitchFamily="34" charset="0"/>
+              <a:cs typeface="Arial" panose="020B0604020202020204" pitchFamily="34" charset="0"/>
+            </a:endParaRPr>
+          </a:p>
+        </p:txBody>
+      </p:sp>
+      <p:sp>
+        <p:nvSpPr>
+          <p:cNvPr id="49" name="사각형: 둥근 모서리 48">
+            <a:extLst>
+              <a:ext uri="{FF2B5EF4-FFF2-40B4-BE49-F238E27FC236}">
+                <a16:creationId xmlns:a16="http://schemas.microsoft.com/office/drawing/2014/main" id="{1F37B162-F1D4-4E9D-9506-111FF1E2DE77}"/>
+              </a:ext>
+            </a:extLst>
+          </p:cNvPr>
+          <p:cNvSpPr/>
+          <p:nvPr/>
+        </p:nvSpPr>
+        <p:spPr>
+          <a:xfrm>
+            <a:off x="8868635" y="2714913"/>
+            <a:ext cx="1834745" cy="392274"/>
+          </a:xfrm>
+          <a:prstGeom prst="roundRect">
+            <a:avLst/>
+          </a:prstGeom>
+          <a:solidFill>
+            <a:schemeClr val="accent6">
+              <a:lumMod val="40000"/>
+              <a:lumOff val="60000"/>
+            </a:schemeClr>
+          </a:solidFill>
+          <a:ln>
+            <a:noFill/>
+          </a:ln>
+        </p:spPr>
+        <p:style>
+          <a:lnRef idx="2">
+            <a:schemeClr val="accent1">
+              <a:shade val="50000"/>
+            </a:schemeClr>
+          </a:lnRef>
+          <a:fillRef idx="1">
+            <a:schemeClr val="accent1"/>
+          </a:fillRef>
+          <a:effectRef idx="0">
+            <a:schemeClr val="accent1"/>
+          </a:effectRef>
+          <a:fontRef idx="minor">
+            <a:schemeClr val="lt1"/>
+          </a:fontRef>
+        </p:style>
+        <p:txBody>
+          <a:bodyPr rtlCol="0" anchor="ctr"/>
+          <a:lstStyle/>
+          <a:p>
+            <a:pPr algn="ctr"/>
+            <a:endParaRPr lang="ko-KR" altLang="en-US" dirty="0"/>
+          </a:p>
+        </p:txBody>
+      </p:sp>
+      <p:sp>
+        <p:nvSpPr>
+          <p:cNvPr id="50" name="사각형: 둥근 모서리 49">
+            <a:extLst>
+              <a:ext uri="{FF2B5EF4-FFF2-40B4-BE49-F238E27FC236}">
+                <a16:creationId xmlns:a16="http://schemas.microsoft.com/office/drawing/2014/main" id="{EDD23249-E68A-4D5C-A787-D88953222055}"/>
+              </a:ext>
+            </a:extLst>
+          </p:cNvPr>
+          <p:cNvSpPr/>
+          <p:nvPr/>
+        </p:nvSpPr>
+        <p:spPr>
+          <a:xfrm>
+            <a:off x="8861391" y="1899755"/>
+            <a:ext cx="1834745" cy="309703"/>
+          </a:xfrm>
+          <a:prstGeom prst="roundRect">
+            <a:avLst/>
+          </a:prstGeom>
+          <a:solidFill>
+            <a:schemeClr val="accent6">
+              <a:lumMod val="40000"/>
+              <a:lumOff val="60000"/>
+            </a:schemeClr>
+          </a:solidFill>
+          <a:ln>
+            <a:noFill/>
+          </a:ln>
+        </p:spPr>
+        <p:style>
+          <a:lnRef idx="2">
+            <a:schemeClr val="accent1">
+              <a:shade val="50000"/>
+            </a:schemeClr>
+          </a:lnRef>
+          <a:fillRef idx="1">
+            <a:schemeClr val="accent1"/>
+          </a:fillRef>
+          <a:effectRef idx="0">
+            <a:schemeClr val="accent1"/>
+          </a:effectRef>
+          <a:fontRef idx="minor">
+            <a:schemeClr val="lt1"/>
+          </a:fontRef>
+        </p:style>
+        <p:txBody>
+          <a:bodyPr rtlCol="0" anchor="ctr"/>
+          <a:lstStyle/>
+          <a:p>
+            <a:pPr algn="ctr"/>
+            <a:endParaRPr lang="ko-KR" altLang="en-US" dirty="0"/>
+          </a:p>
+        </p:txBody>
+      </p:sp>
+      <p:sp>
+        <p:nvSpPr>
+          <p:cNvPr id="51" name="사각형: 둥근 모서리 50">
+            <a:extLst>
+              <a:ext uri="{FF2B5EF4-FFF2-40B4-BE49-F238E27FC236}">
+                <a16:creationId xmlns:a16="http://schemas.microsoft.com/office/drawing/2014/main" id="{6B30B1FF-4B98-4B09-AB6A-13B20605F8FE}"/>
+              </a:ext>
+            </a:extLst>
+          </p:cNvPr>
+          <p:cNvSpPr/>
+          <p:nvPr/>
+        </p:nvSpPr>
+        <p:spPr>
+          <a:xfrm>
+            <a:off x="8867319" y="3186994"/>
+            <a:ext cx="1834745" cy="392274"/>
+          </a:xfrm>
+          <a:prstGeom prst="roundRect">
+            <a:avLst/>
+          </a:prstGeom>
+          <a:solidFill>
+            <a:schemeClr val="accent6">
+              <a:lumMod val="40000"/>
+              <a:lumOff val="60000"/>
+            </a:schemeClr>
+          </a:solidFill>
+          <a:ln>
+            <a:noFill/>
+          </a:ln>
+        </p:spPr>
+        <p:style>
+          <a:lnRef idx="2">
+            <a:schemeClr val="accent1">
+              <a:shade val="50000"/>
+            </a:schemeClr>
+          </a:lnRef>
+          <a:fillRef idx="1">
+            <a:schemeClr val="accent1"/>
+          </a:fillRef>
+          <a:effectRef idx="0">
+            <a:schemeClr val="accent1"/>
+          </a:effectRef>
+          <a:fontRef idx="minor">
+            <a:schemeClr val="lt1"/>
+          </a:fontRef>
+        </p:style>
+        <p:txBody>
+          <a:bodyPr rtlCol="0" anchor="ctr"/>
+          <a:lstStyle/>
+          <a:p>
+            <a:pPr algn="ctr"/>
+            <a:endParaRPr lang="ko-KR" altLang="en-US" dirty="0"/>
+          </a:p>
+        </p:txBody>
+      </p:sp>
+      <p:sp>
+        <p:nvSpPr>
+          <p:cNvPr id="46" name="TextBox 45">
+            <a:extLst>
+              <a:ext uri="{FF2B5EF4-FFF2-40B4-BE49-F238E27FC236}">
+                <a16:creationId xmlns:a16="http://schemas.microsoft.com/office/drawing/2014/main" id="{F3F16BBB-E067-455E-AAC7-41F8B73F275C}"/>
+              </a:ext>
+            </a:extLst>
+          </p:cNvPr>
+          <p:cNvSpPr txBox="1"/>
+          <p:nvPr/>
+        </p:nvSpPr>
+        <p:spPr>
+          <a:xfrm>
+            <a:off x="9283068" y="1919789"/>
+            <a:ext cx="936104" cy="246221"/>
+          </a:xfrm>
+          <a:prstGeom prst="rect">
+            <a:avLst/>
+          </a:prstGeom>
+          <a:noFill/>
+        </p:spPr>
+        <p:txBody>
+          <a:bodyPr wrap="square" rtlCol="0">
+            <a:spAutoFit/>
+          </a:bodyPr>
+          <a:lstStyle/>
+          <a:p>
+            <a:pPr algn="ctr"/>
+            <a:r>
+              <a:rPr lang="en-US" altLang="ko-KR" sz="1000" dirty="0" err="1">
+                <a:latin typeface="Arial" panose="020B0604020202020204" pitchFamily="34" charset="0"/>
+                <a:cs typeface="Arial" panose="020B0604020202020204" pitchFamily="34" charset="0"/>
+              </a:rPr>
+              <a:t>LogData</a:t>
+            </a:r>
+            <a:endParaRPr lang="en-US" altLang="ko-KR" sz="1000" dirty="0">
+              <a:latin typeface="Arial" panose="020B0604020202020204" pitchFamily="34" charset="0"/>
+              <a:cs typeface="Arial" panose="020B0604020202020204" pitchFamily="34" charset="0"/>
+            </a:endParaRPr>
+          </a:p>
+        </p:txBody>
+      </p:sp>
+      <p:sp>
+        <p:nvSpPr>
+          <p:cNvPr id="47" name="TextBox 46">
+            <a:extLst>
+              <a:ext uri="{FF2B5EF4-FFF2-40B4-BE49-F238E27FC236}">
+                <a16:creationId xmlns:a16="http://schemas.microsoft.com/office/drawing/2014/main" id="{ED957C8E-BA5B-4094-BFD3-D95A913907BE}"/>
+              </a:ext>
+            </a:extLst>
+          </p:cNvPr>
+          <p:cNvSpPr txBox="1"/>
+          <p:nvPr/>
+        </p:nvSpPr>
+        <p:spPr>
+          <a:xfrm>
+            <a:off x="9297556" y="2779739"/>
+            <a:ext cx="936104" cy="246221"/>
+          </a:xfrm>
+          <a:prstGeom prst="rect">
+            <a:avLst/>
+          </a:prstGeom>
+          <a:noFill/>
+        </p:spPr>
+        <p:txBody>
+          <a:bodyPr wrap="square" rtlCol="0">
+            <a:spAutoFit/>
+          </a:bodyPr>
+          <a:lstStyle/>
+          <a:p>
+            <a:pPr algn="ctr"/>
+            <a:r>
+              <a:rPr lang="en-US" altLang="ko-KR" sz="1000" dirty="0" err="1">
+                <a:latin typeface="Arial" panose="020B0604020202020204" pitchFamily="34" charset="0"/>
+                <a:cs typeface="Arial" panose="020B0604020202020204" pitchFamily="34" charset="0"/>
+              </a:rPr>
+              <a:t>NetLogger</a:t>
+            </a:r>
+            <a:endParaRPr lang="en-US" altLang="ko-KR" sz="1000" dirty="0">
+              <a:latin typeface="Arial" panose="020B0604020202020204" pitchFamily="34" charset="0"/>
+              <a:cs typeface="Arial" panose="020B0604020202020204" pitchFamily="34" charset="0"/>
+            </a:endParaRPr>
+          </a:p>
+        </p:txBody>
+      </p:sp>
+      <p:sp>
+        <p:nvSpPr>
+          <p:cNvPr id="48" name="TextBox 47">
+            <a:extLst>
+              <a:ext uri="{FF2B5EF4-FFF2-40B4-BE49-F238E27FC236}">
+                <a16:creationId xmlns:a16="http://schemas.microsoft.com/office/drawing/2014/main" id="{75DB92E9-1C85-4A16-B1F6-CA3C31A43DF6}"/>
+              </a:ext>
+            </a:extLst>
+          </p:cNvPr>
+          <p:cNvSpPr txBox="1"/>
+          <p:nvPr/>
+        </p:nvSpPr>
+        <p:spPr>
+          <a:xfrm>
+            <a:off x="9280701" y="3262055"/>
+            <a:ext cx="936104" cy="246221"/>
+          </a:xfrm>
+          <a:prstGeom prst="rect">
+            <a:avLst/>
+          </a:prstGeom>
+          <a:noFill/>
+        </p:spPr>
+        <p:txBody>
+          <a:bodyPr wrap="square" rtlCol="0">
+            <a:spAutoFit/>
+          </a:bodyPr>
+          <a:lstStyle/>
+          <a:p>
+            <a:pPr algn="ctr"/>
+            <a:r>
+              <a:rPr lang="en-US" altLang="ko-KR" sz="1000" dirty="0" err="1">
+                <a:latin typeface="Arial" panose="020B0604020202020204" pitchFamily="34" charset="0"/>
+                <a:cs typeface="Arial" panose="020B0604020202020204" pitchFamily="34" charset="0"/>
+              </a:rPr>
+              <a:t>csConstant</a:t>
+            </a:r>
+            <a:endParaRPr lang="en-US" altLang="ko-KR" sz="1000" dirty="0">
+              <a:latin typeface="Arial" panose="020B0604020202020204" pitchFamily="34" charset="0"/>
+              <a:cs typeface="Arial" panose="020B0604020202020204" pitchFamily="34" charset="0"/>
+            </a:endParaRPr>
+          </a:p>
+        </p:txBody>
+      </p:sp>
+      <p:sp>
+        <p:nvSpPr>
+          <p:cNvPr id="101" name="사각형: 둥근 모서리 100">
+            <a:extLst>
+              <a:ext uri="{FF2B5EF4-FFF2-40B4-BE49-F238E27FC236}">
+                <a16:creationId xmlns:a16="http://schemas.microsoft.com/office/drawing/2014/main" id="{B3108DD8-79CB-49DB-8499-522DD8ED823A}"/>
+              </a:ext>
+            </a:extLst>
+          </p:cNvPr>
+          <p:cNvSpPr/>
+          <p:nvPr/>
+        </p:nvSpPr>
+        <p:spPr>
+          <a:xfrm>
+            <a:off x="6388658" y="4494937"/>
+            <a:ext cx="1656184" cy="315703"/>
+          </a:xfrm>
+          <a:prstGeom prst="roundRect">
+            <a:avLst/>
+          </a:prstGeom>
+          <a:solidFill>
+            <a:schemeClr val="accent4">
+              <a:lumMod val="20000"/>
+              <a:lumOff val="80000"/>
+            </a:schemeClr>
+          </a:solidFill>
+          <a:ln>
+            <a:noFill/>
+          </a:ln>
+        </p:spPr>
+        <p:style>
+          <a:lnRef idx="2">
+            <a:schemeClr val="accent1">
+              <a:shade val="50000"/>
+            </a:schemeClr>
+          </a:lnRef>
+          <a:fillRef idx="1">
+            <a:schemeClr val="accent1"/>
+          </a:fillRef>
+          <a:effectRef idx="0">
+            <a:schemeClr val="accent1"/>
+          </a:effectRef>
+          <a:fontRef idx="minor">
+            <a:schemeClr val="lt1"/>
+          </a:fontRef>
+        </p:style>
+        <p:txBody>
+          <a:bodyPr rtlCol="0" anchor="ctr"/>
+          <a:lstStyle/>
+          <a:p>
+            <a:pPr algn="ctr"/>
+            <a:endParaRPr lang="ko-KR" altLang="en-US"/>
+          </a:p>
+        </p:txBody>
+      </p:sp>
+      <p:sp>
+        <p:nvSpPr>
+          <p:cNvPr id="102" name="TextBox 101">
+            <a:extLst>
+              <a:ext uri="{FF2B5EF4-FFF2-40B4-BE49-F238E27FC236}">
+                <a16:creationId xmlns:a16="http://schemas.microsoft.com/office/drawing/2014/main" id="{6D2281D2-32F2-4BCB-9151-AEAC133744D2}"/>
+              </a:ext>
+            </a:extLst>
+          </p:cNvPr>
+          <p:cNvSpPr txBox="1"/>
+          <p:nvPr/>
+        </p:nvSpPr>
+        <p:spPr>
+          <a:xfrm>
+            <a:off x="6642277" y="4520181"/>
+            <a:ext cx="1212618" cy="246221"/>
+          </a:xfrm>
+          <a:prstGeom prst="rect">
+            <a:avLst/>
+          </a:prstGeom>
+          <a:noFill/>
+        </p:spPr>
+        <p:txBody>
+          <a:bodyPr wrap="square" rtlCol="0">
+            <a:spAutoFit/>
+          </a:bodyPr>
+          <a:lstStyle/>
+          <a:p>
+            <a:pPr algn="ctr"/>
+            <a:r>
+              <a:rPr lang="en-US" altLang="ko-KR" sz="1000" dirty="0" err="1">
+                <a:latin typeface="Arial" panose="020B0604020202020204" pitchFamily="34" charset="0"/>
+                <a:cs typeface="Arial" panose="020B0604020202020204" pitchFamily="34" charset="0"/>
+              </a:rPr>
+              <a:t>NetWork</a:t>
+            </a:r>
+            <a:r>
+              <a:rPr lang="en-US" altLang="ko-KR" sz="1000" dirty="0">
+                <a:latin typeface="Arial" panose="020B0604020202020204" pitchFamily="34" charset="0"/>
+                <a:cs typeface="Arial" panose="020B0604020202020204" pitchFamily="34" charset="0"/>
+              </a:rPr>
+              <a:t> Server</a:t>
+            </a:r>
+          </a:p>
+        </p:txBody>
+      </p:sp>
+      <p:sp>
+        <p:nvSpPr>
+          <p:cNvPr id="103" name="사각형: 둥근 모서리 102">
+            <a:extLst>
+              <a:ext uri="{FF2B5EF4-FFF2-40B4-BE49-F238E27FC236}">
+                <a16:creationId xmlns:a16="http://schemas.microsoft.com/office/drawing/2014/main" id="{21079494-1BB4-4FB4-8B78-CC4133CE864D}"/>
+              </a:ext>
+            </a:extLst>
+          </p:cNvPr>
+          <p:cNvSpPr/>
+          <p:nvPr/>
+        </p:nvSpPr>
+        <p:spPr>
+          <a:xfrm>
+            <a:off x="6388658" y="4902669"/>
+            <a:ext cx="1656184" cy="315703"/>
+          </a:xfrm>
+          <a:prstGeom prst="roundRect">
+            <a:avLst/>
+          </a:prstGeom>
+          <a:solidFill>
+            <a:schemeClr val="accent4">
+              <a:lumMod val="20000"/>
+              <a:lumOff val="80000"/>
+            </a:schemeClr>
+          </a:solidFill>
+          <a:ln>
+            <a:noFill/>
+          </a:ln>
+        </p:spPr>
+        <p:style>
+          <a:lnRef idx="2">
+            <a:schemeClr val="accent1">
+              <a:shade val="50000"/>
+            </a:schemeClr>
+          </a:lnRef>
+          <a:fillRef idx="1">
+            <a:schemeClr val="accent1"/>
+          </a:fillRef>
+          <a:effectRef idx="0">
+            <a:schemeClr val="accent1"/>
+          </a:effectRef>
+          <a:fontRef idx="minor">
+            <a:schemeClr val="lt1"/>
+          </a:fontRef>
+        </p:style>
+        <p:txBody>
+          <a:bodyPr rtlCol="0" anchor="ctr"/>
+          <a:lstStyle/>
+          <a:p>
+            <a:pPr algn="ctr"/>
+            <a:endParaRPr lang="ko-KR" altLang="en-US"/>
+          </a:p>
+        </p:txBody>
+      </p:sp>
+      <p:sp>
+        <p:nvSpPr>
+          <p:cNvPr id="104" name="TextBox 103">
+            <a:extLst>
+              <a:ext uri="{FF2B5EF4-FFF2-40B4-BE49-F238E27FC236}">
+                <a16:creationId xmlns:a16="http://schemas.microsoft.com/office/drawing/2014/main" id="{4ED71F81-4993-4BB0-AFA9-305625A4D318}"/>
+              </a:ext>
+            </a:extLst>
+          </p:cNvPr>
+          <p:cNvSpPr txBox="1"/>
+          <p:nvPr/>
+        </p:nvSpPr>
+        <p:spPr>
+          <a:xfrm>
+            <a:off x="6606279" y="4948420"/>
+            <a:ext cx="1212618" cy="246221"/>
+          </a:xfrm>
+          <a:prstGeom prst="rect">
+            <a:avLst/>
+          </a:prstGeom>
+          <a:noFill/>
+        </p:spPr>
+        <p:txBody>
+          <a:bodyPr wrap="square" rtlCol="0">
+            <a:spAutoFit/>
+          </a:bodyPr>
+          <a:lstStyle/>
+          <a:p>
+            <a:pPr algn="ctr"/>
+            <a:r>
+              <a:rPr lang="en-US" altLang="ko-KR" sz="1000" dirty="0">
+                <a:latin typeface="Arial" panose="020B0604020202020204" pitchFamily="34" charset="0"/>
+                <a:cs typeface="Arial" panose="020B0604020202020204" pitchFamily="34" charset="0"/>
+              </a:rPr>
+              <a:t>File Manager</a:t>
+            </a:r>
+          </a:p>
+        </p:txBody>
+      </p:sp>
+      <p:sp>
+        <p:nvSpPr>
+          <p:cNvPr id="105" name="사각형: 둥근 모서리 104">
+            <a:extLst>
+              <a:ext uri="{FF2B5EF4-FFF2-40B4-BE49-F238E27FC236}">
+                <a16:creationId xmlns:a16="http://schemas.microsoft.com/office/drawing/2014/main" id="{27009B8D-52AB-46E3-B84B-4088AE23E15D}"/>
+              </a:ext>
+            </a:extLst>
+          </p:cNvPr>
+          <p:cNvSpPr/>
+          <p:nvPr/>
+        </p:nvSpPr>
+        <p:spPr>
+          <a:xfrm>
+            <a:off x="8760062" y="3868322"/>
+            <a:ext cx="2016692" cy="1759811"/>
+          </a:xfrm>
+          <a:prstGeom prst="roundRect">
+            <a:avLst/>
+          </a:prstGeom>
+          <a:solidFill>
+            <a:schemeClr val="accent5">
+              <a:lumMod val="20000"/>
+              <a:lumOff val="80000"/>
+            </a:schemeClr>
+          </a:solidFill>
+          <a:ln>
+            <a:noFill/>
+          </a:ln>
+        </p:spPr>
+        <p:style>
+          <a:lnRef idx="2">
+            <a:schemeClr val="accent1">
+              <a:shade val="50000"/>
+            </a:schemeClr>
+          </a:lnRef>
+          <a:fillRef idx="1">
+            <a:schemeClr val="accent1"/>
+          </a:fillRef>
+          <a:effectRef idx="0">
+            <a:schemeClr val="accent1"/>
+          </a:effectRef>
+          <a:fontRef idx="minor">
+            <a:schemeClr val="lt1"/>
+          </a:fontRef>
+        </p:style>
+        <p:txBody>
+          <a:bodyPr rtlCol="0" anchor="ctr"/>
+          <a:lstStyle/>
+          <a:p>
+            <a:pPr algn="ctr"/>
+            <a:endParaRPr lang="ko-KR" altLang="en-US"/>
+          </a:p>
+        </p:txBody>
+      </p:sp>
+      <p:sp>
+        <p:nvSpPr>
+          <p:cNvPr id="106" name="TextBox 105">
+            <a:extLst>
+              <a:ext uri="{FF2B5EF4-FFF2-40B4-BE49-F238E27FC236}">
+                <a16:creationId xmlns:a16="http://schemas.microsoft.com/office/drawing/2014/main" id="{82D2A7EC-057D-4C3E-B0A7-2F8701B131EE}"/>
+              </a:ext>
+            </a:extLst>
+          </p:cNvPr>
+          <p:cNvSpPr txBox="1"/>
+          <p:nvPr/>
+        </p:nvSpPr>
+        <p:spPr>
+          <a:xfrm>
+            <a:off x="9067645" y="3899942"/>
+            <a:ext cx="1401525" cy="246221"/>
+          </a:xfrm>
+          <a:prstGeom prst="rect">
+            <a:avLst/>
+          </a:prstGeom>
+          <a:noFill/>
+        </p:spPr>
+        <p:txBody>
+          <a:bodyPr wrap="square" rtlCol="0">
+            <a:spAutoFit/>
+          </a:bodyPr>
+          <a:lstStyle/>
+          <a:p>
+            <a:pPr algn="ctr"/>
+            <a:r>
+              <a:rPr lang="en-US" altLang="ko-KR" sz="1000" dirty="0" err="1">
+                <a:latin typeface="Arial" panose="020B0604020202020204" pitchFamily="34" charset="0"/>
+                <a:cs typeface="Arial" panose="020B0604020202020204" pitchFamily="34" charset="0"/>
+              </a:rPr>
+              <a:t>dFile</a:t>
+            </a:r>
+            <a:r>
+              <a:rPr lang="en-US" altLang="ko-KR" sz="1000" dirty="0">
+                <a:latin typeface="Arial" panose="020B0604020202020204" pitchFamily="34" charset="0"/>
+                <a:cs typeface="Arial" panose="020B0604020202020204" pitchFamily="34" charset="0"/>
+              </a:rPr>
+              <a:t> Library</a:t>
+            </a:r>
+          </a:p>
+        </p:txBody>
+      </p:sp>
+      <p:sp>
+        <p:nvSpPr>
+          <p:cNvPr id="107" name="TextBox 106">
+            <a:extLst>
+              <a:ext uri="{FF2B5EF4-FFF2-40B4-BE49-F238E27FC236}">
+                <a16:creationId xmlns:a16="http://schemas.microsoft.com/office/drawing/2014/main" id="{111E3E45-CC9D-403A-9247-0A65330E7D16}"/>
+              </a:ext>
+            </a:extLst>
+          </p:cNvPr>
+          <p:cNvSpPr txBox="1"/>
+          <p:nvPr/>
+        </p:nvSpPr>
+        <p:spPr>
+          <a:xfrm>
+            <a:off x="8040409" y="5113013"/>
+            <a:ext cx="936104" cy="246221"/>
+          </a:xfrm>
+          <a:prstGeom prst="rect">
+            <a:avLst/>
+          </a:prstGeom>
+          <a:noFill/>
+        </p:spPr>
+        <p:txBody>
+          <a:bodyPr wrap="square" rtlCol="0">
+            <a:spAutoFit/>
+          </a:bodyPr>
+          <a:lstStyle/>
+          <a:p>
+            <a:pPr algn="ctr"/>
+            <a:r>
+              <a:rPr lang="ko-KR" altLang="en-US" sz="1000" dirty="0">
+                <a:latin typeface="Arial" panose="020B0604020202020204" pitchFamily="34" charset="0"/>
+                <a:cs typeface="Arial" panose="020B0604020202020204" pitchFamily="34" charset="0"/>
+              </a:rPr>
+              <a:t>상 속</a:t>
+            </a:r>
+            <a:endParaRPr lang="en-US" altLang="ko-KR" sz="1000" dirty="0">
+              <a:latin typeface="Arial" panose="020B0604020202020204" pitchFamily="34" charset="0"/>
+              <a:cs typeface="Arial" panose="020B0604020202020204" pitchFamily="34" charset="0"/>
+            </a:endParaRPr>
+          </a:p>
+        </p:txBody>
+      </p:sp>
+      <p:sp>
+        <p:nvSpPr>
+          <p:cNvPr id="108" name="사각형: 둥근 모서리 107">
+            <a:extLst>
+              <a:ext uri="{FF2B5EF4-FFF2-40B4-BE49-F238E27FC236}">
+                <a16:creationId xmlns:a16="http://schemas.microsoft.com/office/drawing/2014/main" id="{55B1330D-1F77-42E7-B3F6-5174F85C9109}"/>
+              </a:ext>
+            </a:extLst>
+          </p:cNvPr>
+          <p:cNvSpPr/>
+          <p:nvPr/>
+        </p:nvSpPr>
+        <p:spPr>
+          <a:xfrm>
+            <a:off x="8859537" y="4222944"/>
+            <a:ext cx="1834745" cy="392274"/>
+          </a:xfrm>
+          <a:prstGeom prst="roundRect">
+            <a:avLst/>
+          </a:prstGeom>
+          <a:solidFill>
+            <a:schemeClr val="accent6">
+              <a:lumMod val="40000"/>
+              <a:lumOff val="60000"/>
+            </a:schemeClr>
+          </a:solidFill>
+          <a:ln>
+            <a:noFill/>
+          </a:ln>
+        </p:spPr>
+        <p:style>
+          <a:lnRef idx="2">
+            <a:schemeClr val="accent1">
+              <a:shade val="50000"/>
+            </a:schemeClr>
+          </a:lnRef>
+          <a:fillRef idx="1">
+            <a:schemeClr val="accent1"/>
+          </a:fillRef>
+          <a:effectRef idx="0">
+            <a:schemeClr val="accent1"/>
+          </a:effectRef>
+          <a:fontRef idx="minor">
+            <a:schemeClr val="lt1"/>
+          </a:fontRef>
+        </p:style>
+        <p:txBody>
+          <a:bodyPr rtlCol="0" anchor="ctr"/>
+          <a:lstStyle/>
+          <a:p>
+            <a:pPr algn="ctr"/>
+            <a:endParaRPr lang="ko-KR" altLang="en-US" dirty="0"/>
+          </a:p>
+        </p:txBody>
+      </p:sp>
+      <p:sp>
+        <p:nvSpPr>
+          <p:cNvPr id="109" name="TextBox 108">
+            <a:extLst>
+              <a:ext uri="{FF2B5EF4-FFF2-40B4-BE49-F238E27FC236}">
+                <a16:creationId xmlns:a16="http://schemas.microsoft.com/office/drawing/2014/main" id="{479BDDD1-9C6C-4160-A969-F4193ABCFBA6}"/>
+              </a:ext>
+            </a:extLst>
+          </p:cNvPr>
+          <p:cNvSpPr txBox="1"/>
+          <p:nvPr/>
+        </p:nvSpPr>
+        <p:spPr>
+          <a:xfrm>
+            <a:off x="9272919" y="4298005"/>
+            <a:ext cx="936104" cy="246221"/>
+          </a:xfrm>
+          <a:prstGeom prst="rect">
+            <a:avLst/>
+          </a:prstGeom>
+          <a:noFill/>
+        </p:spPr>
+        <p:txBody>
+          <a:bodyPr wrap="square" rtlCol="0">
+            <a:spAutoFit/>
+          </a:bodyPr>
+          <a:lstStyle/>
+          <a:p>
+            <a:pPr algn="ctr"/>
+            <a:r>
+              <a:rPr lang="en-US" altLang="ko-KR" sz="1000" dirty="0" err="1">
+                <a:latin typeface="Arial" panose="020B0604020202020204" pitchFamily="34" charset="0"/>
+                <a:cs typeface="Arial" panose="020B0604020202020204" pitchFamily="34" charset="0"/>
+              </a:rPr>
+              <a:t>csConstant</a:t>
+            </a:r>
+            <a:endParaRPr lang="en-US" altLang="ko-KR" sz="1000" dirty="0">
+              <a:latin typeface="Arial" panose="020B0604020202020204" pitchFamily="34" charset="0"/>
+              <a:cs typeface="Arial" panose="020B0604020202020204" pitchFamily="34" charset="0"/>
+            </a:endParaRPr>
+          </a:p>
+        </p:txBody>
+      </p:sp>
+      <p:sp>
+        <p:nvSpPr>
+          <p:cNvPr id="110" name="사각형: 둥근 모서리 109">
+            <a:extLst>
+              <a:ext uri="{FF2B5EF4-FFF2-40B4-BE49-F238E27FC236}">
+                <a16:creationId xmlns:a16="http://schemas.microsoft.com/office/drawing/2014/main" id="{F08C54B5-FCB0-4CAF-9B88-C8C6B6E242B3}"/>
+              </a:ext>
+            </a:extLst>
+          </p:cNvPr>
+          <p:cNvSpPr/>
+          <p:nvPr/>
+        </p:nvSpPr>
+        <p:spPr>
+          <a:xfrm>
+            <a:off x="8864973" y="4896924"/>
+            <a:ext cx="1834745" cy="392274"/>
+          </a:xfrm>
+          <a:prstGeom prst="roundRect">
+            <a:avLst/>
+          </a:prstGeom>
+          <a:solidFill>
+            <a:schemeClr val="accent6">
+              <a:lumMod val="40000"/>
+              <a:lumOff val="60000"/>
+            </a:schemeClr>
+          </a:solidFill>
+          <a:ln>
+            <a:noFill/>
+          </a:ln>
+        </p:spPr>
+        <p:style>
+          <a:lnRef idx="2">
+            <a:schemeClr val="accent1">
+              <a:shade val="50000"/>
+            </a:schemeClr>
+          </a:lnRef>
+          <a:fillRef idx="1">
+            <a:schemeClr val="accent1"/>
+          </a:fillRef>
+          <a:effectRef idx="0">
+            <a:schemeClr val="accent1"/>
+          </a:effectRef>
+          <a:fontRef idx="minor">
+            <a:schemeClr val="lt1"/>
+          </a:fontRef>
+        </p:style>
+        <p:txBody>
+          <a:bodyPr rtlCol="0" anchor="ctr"/>
+          <a:lstStyle/>
+          <a:p>
+            <a:pPr algn="ctr"/>
+            <a:endParaRPr lang="ko-KR" altLang="en-US" dirty="0"/>
+          </a:p>
+        </p:txBody>
+      </p:sp>
+      <p:sp>
+        <p:nvSpPr>
+          <p:cNvPr id="111" name="TextBox 110">
+            <a:extLst>
+              <a:ext uri="{FF2B5EF4-FFF2-40B4-BE49-F238E27FC236}">
+                <a16:creationId xmlns:a16="http://schemas.microsoft.com/office/drawing/2014/main" id="{DF30AA0A-6E73-4D09-9427-135479DDC669}"/>
+              </a:ext>
+            </a:extLst>
+          </p:cNvPr>
+          <p:cNvSpPr txBox="1"/>
+          <p:nvPr/>
+        </p:nvSpPr>
+        <p:spPr>
+          <a:xfrm>
+            <a:off x="9278355" y="4971985"/>
+            <a:ext cx="936104" cy="246221"/>
+          </a:xfrm>
+          <a:prstGeom prst="rect">
+            <a:avLst/>
+          </a:prstGeom>
+          <a:noFill/>
+        </p:spPr>
+        <p:txBody>
+          <a:bodyPr wrap="square" rtlCol="0">
+            <a:spAutoFit/>
+          </a:bodyPr>
+          <a:lstStyle/>
+          <a:p>
+            <a:pPr algn="ctr"/>
+            <a:r>
+              <a:rPr lang="en-US" altLang="ko-KR" sz="1000" dirty="0" err="1">
+                <a:latin typeface="Arial" panose="020B0604020202020204" pitchFamily="34" charset="0"/>
+                <a:cs typeface="Arial" panose="020B0604020202020204" pitchFamily="34" charset="0"/>
+              </a:rPr>
+              <a:t>dFile</a:t>
+            </a:r>
+            <a:endParaRPr lang="en-US" altLang="ko-KR" sz="1000" dirty="0">
+              <a:latin typeface="Arial" panose="020B0604020202020204" pitchFamily="34" charset="0"/>
+              <a:cs typeface="Arial" panose="020B0604020202020204" pitchFamily="34" charset="0"/>
+            </a:endParaRPr>
+          </a:p>
+        </p:txBody>
+      </p:sp>
+      <p:cxnSp>
+        <p:nvCxnSpPr>
+          <p:cNvPr id="112" name="직선 화살표 연결선 111">
+            <a:extLst>
+              <a:ext uri="{FF2B5EF4-FFF2-40B4-BE49-F238E27FC236}">
+                <a16:creationId xmlns:a16="http://schemas.microsoft.com/office/drawing/2014/main" id="{320647A2-24FA-406D-A8C4-5B3719F5E4EC}"/>
+              </a:ext>
+            </a:extLst>
+          </p:cNvPr>
+          <p:cNvCxnSpPr>
+            <a:cxnSpLocks/>
+          </p:cNvCxnSpPr>
+          <p:nvPr/>
+        </p:nvCxnSpPr>
+        <p:spPr>
+          <a:xfrm flipH="1">
+            <a:off x="8142496" y="5073107"/>
+            <a:ext cx="722477" cy="0"/>
+          </a:xfrm>
+          <a:prstGeom prst="straightConnector1">
+            <a:avLst/>
+          </a:prstGeom>
+          <a:ln>
+            <a:tailEnd type="triangle"/>
+          </a:ln>
+        </p:spPr>
+        <p:style>
+          <a:lnRef idx="1">
+            <a:schemeClr val="accent2"/>
+          </a:lnRef>
+          <a:fillRef idx="0">
+            <a:schemeClr val="accent2"/>
+          </a:fillRef>
+          <a:effectRef idx="0">
+            <a:schemeClr val="accent2"/>
+          </a:effectRef>
+          <a:fontRef idx="minor">
+            <a:schemeClr val="tx1"/>
+          </a:fontRef>
+        </p:style>
+      </p:cxnSp>
     </p:spTree>
     <p:extLst>
       <p:ext uri="{BB962C8B-B14F-4D97-AF65-F5344CB8AC3E}">
@@ -10938,7 +11742,7 @@
           <p:cNvPr id="2" name="제목 1">
             <a:extLst>
               <a:ext uri="{FF2B5EF4-FFF2-40B4-BE49-F238E27FC236}">
-                <a16:creationId xmlns:a16="http://schemas.microsoft.com/office/drawing/2014/main" id="{7433ED5A-F9B4-488B-9F83-D563C209C07F}"/>
+                <a16:creationId xmlns:a16="http://schemas.microsoft.com/office/drawing/2014/main" id="{D86E34A6-E3D0-4761-AE39-D36760DCD242}"/>
               </a:ext>
             </a:extLst>
           </p:cNvPr>
@@ -10964,12 +11768,9 @@
             </a:r>
             <a:r>
               <a:rPr lang="en-US" altLang="ko-KR" dirty="0"/>
-              <a:t>Viewer </a:t>
-            </a:r>
-            <a:r>
-              <a:rPr lang="ko-KR" altLang="en-US" dirty="0"/>
-              <a:t>진척도</a:t>
-            </a:r>
+              <a:t>Viewer Issue</a:t>
+            </a:r>
+            <a:endParaRPr lang="ko-KR" altLang="en-US" dirty="0"/>
           </a:p>
         </p:txBody>
       </p:sp>
@@ -10978,7 +11779,7 @@
           <p:cNvPr id="3" name="슬라이드 번호 개체 틀 2">
             <a:extLst>
               <a:ext uri="{FF2B5EF4-FFF2-40B4-BE49-F238E27FC236}">
-                <a16:creationId xmlns:a16="http://schemas.microsoft.com/office/drawing/2014/main" id="{3E453196-F1E8-48E5-B677-A054F7D6019B}"/>
+                <a16:creationId xmlns:a16="http://schemas.microsoft.com/office/drawing/2014/main" id="{ACC0CA35-52D8-4BAF-B7DA-A31C3281481A}"/>
               </a:ext>
             </a:extLst>
           </p:cNvPr>
@@ -11008,6 +11809,4061 @@
           </a:p>
         </p:txBody>
       </p:sp>
+      <p:sp>
+        <p:nvSpPr>
+          <p:cNvPr id="5" name="TextBox 4">
+            <a:extLst>
+              <a:ext uri="{FF2B5EF4-FFF2-40B4-BE49-F238E27FC236}">
+                <a16:creationId xmlns:a16="http://schemas.microsoft.com/office/drawing/2014/main" id="{14902F4B-3501-49BD-BEFE-1DF764EB6E81}"/>
+              </a:ext>
+            </a:extLst>
+          </p:cNvPr>
+          <p:cNvSpPr txBox="1"/>
+          <p:nvPr/>
+        </p:nvSpPr>
+        <p:spPr>
+          <a:xfrm>
+            <a:off x="7940294" y="1273042"/>
+            <a:ext cx="3816424" cy="861774"/>
+          </a:xfrm>
+          <a:prstGeom prst="rect">
+            <a:avLst/>
+          </a:prstGeom>
+          <a:noFill/>
+        </p:spPr>
+        <p:txBody>
+          <a:bodyPr wrap="square" rtlCol="0">
+            <a:spAutoFit/>
+          </a:bodyPr>
+          <a:lstStyle/>
+          <a:p>
+            <a:r>
+              <a:rPr lang="en-US" altLang="ko-KR" sz="1000" dirty="0"/>
+              <a:t>Issue : Thread </a:t>
+            </a:r>
+            <a:r>
+              <a:rPr lang="ko-KR" altLang="en-US" sz="1000" dirty="0"/>
+              <a:t>종료 안됨</a:t>
+            </a:r>
+            <a:r>
+              <a:rPr lang="en-US" altLang="ko-KR" sz="1000" dirty="0"/>
+              <a:t>.</a:t>
+            </a:r>
+          </a:p>
+          <a:p>
+            <a:endParaRPr lang="en-US" altLang="ko-KR" sz="1000" dirty="0"/>
+          </a:p>
+          <a:p>
+            <a:r>
+              <a:rPr lang="ko-KR" altLang="en-US" sz="1000" dirty="0"/>
+              <a:t>원인 </a:t>
+            </a:r>
+            <a:r>
+              <a:rPr lang="en-US" altLang="ko-KR" sz="1000" dirty="0"/>
+              <a:t>: Try Catch</a:t>
+            </a:r>
+            <a:r>
+              <a:rPr lang="ko-KR" altLang="en-US" sz="1000" dirty="0"/>
+              <a:t>에서 </a:t>
+            </a:r>
+            <a:r>
+              <a:rPr lang="en-US" altLang="ko-KR" sz="1000" dirty="0"/>
+              <a:t>socket Error </a:t>
+            </a:r>
+            <a:r>
+              <a:rPr lang="ko-KR" altLang="en-US" sz="1000" dirty="0"/>
+              <a:t>에러에 대한 예외처리 후</a:t>
+            </a:r>
+            <a:endParaRPr lang="en-US" altLang="ko-KR" sz="1000" dirty="0"/>
+          </a:p>
+          <a:p>
+            <a:r>
+              <a:rPr lang="en-US" altLang="ko-KR" sz="1000" dirty="0"/>
+              <a:t>Callback </a:t>
+            </a:r>
+            <a:r>
+              <a:rPr lang="ko-KR" altLang="en-US" sz="1000" dirty="0"/>
+              <a:t>에서 종료 루틴을 거치고 </a:t>
+            </a:r>
+            <a:r>
+              <a:rPr lang="en-US" altLang="ko-KR" sz="1000" dirty="0" err="1"/>
+              <a:t>Thraed</a:t>
+            </a:r>
+            <a:r>
+              <a:rPr lang="en-US" altLang="ko-KR" sz="1000" dirty="0"/>
+              <a:t> </a:t>
+            </a:r>
+            <a:r>
+              <a:rPr lang="ko-KR" altLang="en-US" sz="1000" dirty="0" err="1"/>
+              <a:t>끝날때</a:t>
+            </a:r>
+            <a:r>
+              <a:rPr lang="ko-KR" altLang="en-US" sz="1000" dirty="0"/>
+              <a:t> 까지 </a:t>
+            </a:r>
+            <a:r>
+              <a:rPr lang="en-US" altLang="ko-KR" sz="1000" dirty="0"/>
+              <a:t>Wait </a:t>
+            </a:r>
+            <a:r>
+              <a:rPr lang="ko-KR" altLang="en-US" sz="1000"/>
+              <a:t> 상태로 대기</a:t>
+            </a:r>
+            <a:endParaRPr lang="ko-KR" altLang="en-US" sz="1000" dirty="0"/>
+          </a:p>
+        </p:txBody>
+      </p:sp>
+      <p:sp>
+        <p:nvSpPr>
+          <p:cNvPr id="6" name="사각형: 둥근 모서리 5">
+            <a:extLst>
+              <a:ext uri="{FF2B5EF4-FFF2-40B4-BE49-F238E27FC236}">
+                <a16:creationId xmlns:a16="http://schemas.microsoft.com/office/drawing/2014/main" id="{6F16E96C-EBD1-4D2E-8DCF-A531A515B0D1}"/>
+              </a:ext>
+            </a:extLst>
+          </p:cNvPr>
+          <p:cNvSpPr/>
+          <p:nvPr/>
+        </p:nvSpPr>
+        <p:spPr>
+          <a:xfrm>
+            <a:off x="739022" y="2428720"/>
+            <a:ext cx="1692188" cy="365125"/>
+          </a:xfrm>
+          <a:prstGeom prst="roundRect">
+            <a:avLst/>
+          </a:prstGeom>
+          <a:solidFill>
+            <a:schemeClr val="accent2">
+              <a:lumMod val="20000"/>
+              <a:lumOff val="80000"/>
+            </a:schemeClr>
+          </a:solidFill>
+          <a:ln>
+            <a:noFill/>
+          </a:ln>
+        </p:spPr>
+        <p:style>
+          <a:lnRef idx="2">
+            <a:schemeClr val="accent1">
+              <a:shade val="50000"/>
+            </a:schemeClr>
+          </a:lnRef>
+          <a:fillRef idx="1">
+            <a:schemeClr val="accent1"/>
+          </a:fillRef>
+          <a:effectRef idx="0">
+            <a:schemeClr val="accent1"/>
+          </a:effectRef>
+          <a:fontRef idx="minor">
+            <a:schemeClr val="lt1"/>
+          </a:fontRef>
+        </p:style>
+        <p:txBody>
+          <a:bodyPr rtlCol="0" anchor="ctr"/>
+          <a:lstStyle/>
+          <a:p>
+            <a:pPr algn="ctr"/>
+            <a:r>
+              <a:rPr lang="en-US" altLang="ko-KR" sz="1000" dirty="0" err="1">
+                <a:solidFill>
+                  <a:schemeClr val="tx1"/>
+                </a:solidFill>
+              </a:rPr>
+              <a:t>NetWorkstream</a:t>
+            </a:r>
+            <a:r>
+              <a:rPr lang="en-US" altLang="ko-KR" sz="1000" dirty="0">
+                <a:solidFill>
+                  <a:schemeClr val="tx1"/>
+                </a:solidFill>
+              </a:rPr>
+              <a:t> Read?</a:t>
+            </a:r>
+            <a:endParaRPr lang="ko-KR" altLang="en-US" sz="1000" dirty="0">
+              <a:solidFill>
+                <a:schemeClr val="tx1"/>
+              </a:solidFill>
+            </a:endParaRPr>
+          </a:p>
+        </p:txBody>
+      </p:sp>
+      <p:cxnSp>
+        <p:nvCxnSpPr>
+          <p:cNvPr id="7" name="직선 화살표 연결선 6">
+            <a:extLst>
+              <a:ext uri="{FF2B5EF4-FFF2-40B4-BE49-F238E27FC236}">
+                <a16:creationId xmlns:a16="http://schemas.microsoft.com/office/drawing/2014/main" id="{2FB15E8C-7F20-4BFC-91CA-9366A5A180AC}"/>
+              </a:ext>
+            </a:extLst>
+          </p:cNvPr>
+          <p:cNvCxnSpPr>
+            <a:cxnSpLocks/>
+          </p:cNvCxnSpPr>
+          <p:nvPr/>
+        </p:nvCxnSpPr>
+        <p:spPr>
+          <a:xfrm>
+            <a:off x="3395149" y="4274048"/>
+            <a:ext cx="1769077" cy="2934"/>
+          </a:xfrm>
+          <a:prstGeom prst="straightConnector1">
+            <a:avLst/>
+          </a:prstGeom>
+          <a:ln>
+            <a:solidFill>
+              <a:schemeClr val="accent2"/>
+            </a:solidFill>
+            <a:tailEnd type="triangle"/>
+          </a:ln>
+        </p:spPr>
+        <p:style>
+          <a:lnRef idx="1">
+            <a:schemeClr val="accent1"/>
+          </a:lnRef>
+          <a:fillRef idx="0">
+            <a:schemeClr val="accent1"/>
+          </a:fillRef>
+          <a:effectRef idx="0">
+            <a:schemeClr val="accent1"/>
+          </a:effectRef>
+          <a:fontRef idx="minor">
+            <a:schemeClr val="tx1"/>
+          </a:fontRef>
+        </p:style>
+      </p:cxnSp>
+      <p:sp>
+        <p:nvSpPr>
+          <p:cNvPr id="8" name="직사각형 7">
+            <a:extLst>
+              <a:ext uri="{FF2B5EF4-FFF2-40B4-BE49-F238E27FC236}">
+                <a16:creationId xmlns:a16="http://schemas.microsoft.com/office/drawing/2014/main" id="{98AB482C-D53A-4CA7-A582-CD1C93C45E8B}"/>
+              </a:ext>
+            </a:extLst>
+          </p:cNvPr>
+          <p:cNvSpPr/>
+          <p:nvPr/>
+        </p:nvSpPr>
+        <p:spPr>
+          <a:xfrm>
+            <a:off x="4646861" y="952233"/>
+            <a:ext cx="2812393" cy="4276967"/>
+          </a:xfrm>
+          <a:prstGeom prst="rect">
+            <a:avLst/>
+          </a:prstGeom>
+          <a:noFill/>
+          <a:ln w="6350">
+            <a:solidFill>
+              <a:schemeClr val="tx1"/>
+            </a:solidFill>
+          </a:ln>
+        </p:spPr>
+        <p:style>
+          <a:lnRef idx="2">
+            <a:schemeClr val="accent1">
+              <a:shade val="50000"/>
+            </a:schemeClr>
+          </a:lnRef>
+          <a:fillRef idx="1">
+            <a:schemeClr val="accent1"/>
+          </a:fillRef>
+          <a:effectRef idx="0">
+            <a:schemeClr val="accent1"/>
+          </a:effectRef>
+          <a:fontRef idx="minor">
+            <a:schemeClr val="lt1"/>
+          </a:fontRef>
+        </p:style>
+        <p:txBody>
+          <a:bodyPr rtlCol="0" anchor="ctr"/>
+          <a:lstStyle/>
+          <a:p>
+            <a:pPr algn="ctr"/>
+            <a:endParaRPr lang="ko-KR" altLang="en-US"/>
+          </a:p>
+        </p:txBody>
+      </p:sp>
+      <p:sp>
+        <p:nvSpPr>
+          <p:cNvPr id="9" name="직사각형 8">
+            <a:extLst>
+              <a:ext uri="{FF2B5EF4-FFF2-40B4-BE49-F238E27FC236}">
+                <a16:creationId xmlns:a16="http://schemas.microsoft.com/office/drawing/2014/main" id="{62E9CEBB-857B-4E70-A05B-BA56BAD966F3}"/>
+              </a:ext>
+            </a:extLst>
+          </p:cNvPr>
+          <p:cNvSpPr/>
+          <p:nvPr/>
+        </p:nvSpPr>
+        <p:spPr>
+          <a:xfrm>
+            <a:off x="328351" y="952233"/>
+            <a:ext cx="3967449" cy="5717126"/>
+          </a:xfrm>
+          <a:prstGeom prst="rect">
+            <a:avLst/>
+          </a:prstGeom>
+          <a:noFill/>
+          <a:ln w="6350">
+            <a:solidFill>
+              <a:schemeClr val="tx1"/>
+            </a:solidFill>
+          </a:ln>
+        </p:spPr>
+        <p:style>
+          <a:lnRef idx="2">
+            <a:schemeClr val="accent1">
+              <a:shade val="50000"/>
+            </a:schemeClr>
+          </a:lnRef>
+          <a:fillRef idx="1">
+            <a:schemeClr val="accent1"/>
+          </a:fillRef>
+          <a:effectRef idx="0">
+            <a:schemeClr val="accent1"/>
+          </a:effectRef>
+          <a:fontRef idx="minor">
+            <a:schemeClr val="lt1"/>
+          </a:fontRef>
+        </p:style>
+        <p:txBody>
+          <a:bodyPr rtlCol="0" anchor="ctr"/>
+          <a:lstStyle/>
+          <a:p>
+            <a:pPr algn="ctr"/>
+            <a:endParaRPr lang="ko-KR" altLang="en-US"/>
+          </a:p>
+        </p:txBody>
+      </p:sp>
+      <p:sp>
+        <p:nvSpPr>
+          <p:cNvPr id="10" name="TextBox 9">
+            <a:extLst>
+              <a:ext uri="{FF2B5EF4-FFF2-40B4-BE49-F238E27FC236}">
+                <a16:creationId xmlns:a16="http://schemas.microsoft.com/office/drawing/2014/main" id="{3E90CE7E-4C1A-4F6F-A3CC-15513BED42F6}"/>
+              </a:ext>
+            </a:extLst>
+          </p:cNvPr>
+          <p:cNvSpPr txBox="1"/>
+          <p:nvPr/>
+        </p:nvSpPr>
+        <p:spPr>
+          <a:xfrm>
+            <a:off x="983432" y="1066847"/>
+            <a:ext cx="1263909" cy="246221"/>
+          </a:xfrm>
+          <a:prstGeom prst="rect">
+            <a:avLst/>
+          </a:prstGeom>
+          <a:noFill/>
+        </p:spPr>
+        <p:txBody>
+          <a:bodyPr wrap="square" rtlCol="0">
+            <a:spAutoFit/>
+          </a:bodyPr>
+          <a:lstStyle/>
+          <a:p>
+            <a:pPr algn="ctr"/>
+            <a:r>
+              <a:rPr lang="en-US" altLang="ko-KR" sz="1000" dirty="0">
+                <a:latin typeface="Arial" panose="020B0604020202020204" pitchFamily="34" charset="0"/>
+                <a:cs typeface="Arial" panose="020B0604020202020204" pitchFamily="34" charset="0"/>
+              </a:rPr>
+              <a:t>Thread</a:t>
+            </a:r>
+            <a:r>
+              <a:rPr lang="ko-KR" altLang="en-US" sz="1000" dirty="0">
+                <a:latin typeface="Arial" panose="020B0604020202020204" pitchFamily="34" charset="0"/>
+                <a:cs typeface="Arial" panose="020B0604020202020204" pitchFamily="34" charset="0"/>
+              </a:rPr>
+              <a:t> </a:t>
+            </a:r>
+            <a:r>
+              <a:rPr lang="en-US" altLang="ko-KR" sz="1000" dirty="0">
+                <a:latin typeface="Arial" panose="020B0604020202020204" pitchFamily="34" charset="0"/>
+                <a:cs typeface="Arial" panose="020B0604020202020204" pitchFamily="34" charset="0"/>
+              </a:rPr>
+              <a:t>Loop</a:t>
+            </a:r>
+          </a:p>
+        </p:txBody>
+      </p:sp>
+      <p:cxnSp>
+        <p:nvCxnSpPr>
+          <p:cNvPr id="11" name="직선 화살표 연결선 10">
+            <a:extLst>
+              <a:ext uri="{FF2B5EF4-FFF2-40B4-BE49-F238E27FC236}">
+                <a16:creationId xmlns:a16="http://schemas.microsoft.com/office/drawing/2014/main" id="{49CEA00E-470F-403A-9D63-9D9473EC0EAA}"/>
+              </a:ext>
+            </a:extLst>
+          </p:cNvPr>
+          <p:cNvCxnSpPr>
+            <a:cxnSpLocks/>
+          </p:cNvCxnSpPr>
+          <p:nvPr/>
+        </p:nvCxnSpPr>
+        <p:spPr>
+          <a:xfrm flipH="1">
+            <a:off x="1578869" y="2803075"/>
+            <a:ext cx="1300" cy="347228"/>
+          </a:xfrm>
+          <a:prstGeom prst="straightConnector1">
+            <a:avLst/>
+          </a:prstGeom>
+          <a:ln>
+            <a:solidFill>
+              <a:schemeClr val="accent2"/>
+            </a:solidFill>
+            <a:tailEnd type="triangle"/>
+          </a:ln>
+        </p:spPr>
+        <p:style>
+          <a:lnRef idx="1">
+            <a:schemeClr val="accent1"/>
+          </a:lnRef>
+          <a:fillRef idx="0">
+            <a:schemeClr val="accent1"/>
+          </a:fillRef>
+          <a:effectRef idx="0">
+            <a:schemeClr val="accent1"/>
+          </a:effectRef>
+          <a:fontRef idx="minor">
+            <a:schemeClr val="tx1"/>
+          </a:fontRef>
+        </p:style>
+      </p:cxnSp>
+      <p:sp>
+        <p:nvSpPr>
+          <p:cNvPr id="13" name="사각형: 둥근 모서리 12">
+            <a:extLst>
+              <a:ext uri="{FF2B5EF4-FFF2-40B4-BE49-F238E27FC236}">
+                <a16:creationId xmlns:a16="http://schemas.microsoft.com/office/drawing/2014/main" id="{7DB1912E-DAA8-42D9-98D6-32B3FCDCF3CD}"/>
+              </a:ext>
+            </a:extLst>
+          </p:cNvPr>
+          <p:cNvSpPr/>
+          <p:nvPr/>
+        </p:nvSpPr>
+        <p:spPr>
+          <a:xfrm>
+            <a:off x="732775" y="3207407"/>
+            <a:ext cx="1692188" cy="365125"/>
+          </a:xfrm>
+          <a:prstGeom prst="roundRect">
+            <a:avLst/>
+          </a:prstGeom>
+          <a:solidFill>
+            <a:schemeClr val="accent2">
+              <a:lumMod val="20000"/>
+              <a:lumOff val="80000"/>
+            </a:schemeClr>
+          </a:solidFill>
+          <a:ln>
+            <a:noFill/>
+          </a:ln>
+        </p:spPr>
+        <p:style>
+          <a:lnRef idx="2">
+            <a:schemeClr val="accent1">
+              <a:shade val="50000"/>
+            </a:schemeClr>
+          </a:lnRef>
+          <a:fillRef idx="1">
+            <a:schemeClr val="accent1"/>
+          </a:fillRef>
+          <a:effectRef idx="0">
+            <a:schemeClr val="accent1"/>
+          </a:effectRef>
+          <a:fontRef idx="minor">
+            <a:schemeClr val="lt1"/>
+          </a:fontRef>
+        </p:style>
+        <p:txBody>
+          <a:bodyPr rtlCol="0" anchor="ctr"/>
+          <a:lstStyle/>
+          <a:p>
+            <a:pPr algn="ctr"/>
+            <a:r>
+              <a:rPr lang="en-US" altLang="ko-KR" sz="1000" dirty="0">
+                <a:solidFill>
+                  <a:schemeClr val="tx1"/>
+                </a:solidFill>
+              </a:rPr>
+              <a:t>Json </a:t>
+            </a:r>
+            <a:r>
+              <a:rPr lang="ko-KR" altLang="en-US" sz="1000" dirty="0">
+                <a:solidFill>
+                  <a:schemeClr val="tx1"/>
+                </a:solidFill>
+              </a:rPr>
+              <a:t>형태의 </a:t>
+            </a:r>
+            <a:r>
+              <a:rPr lang="en-US" altLang="ko-KR" sz="1000" dirty="0">
+                <a:solidFill>
+                  <a:schemeClr val="tx1"/>
+                </a:solidFill>
+              </a:rPr>
+              <a:t>Packet </a:t>
+            </a:r>
+            <a:r>
+              <a:rPr lang="ko-KR" altLang="en-US" sz="1000" dirty="0">
+                <a:solidFill>
+                  <a:schemeClr val="tx1"/>
+                </a:solidFill>
+              </a:rPr>
+              <a:t>구조체로 변경</a:t>
+            </a:r>
+          </a:p>
+        </p:txBody>
+      </p:sp>
+      <p:sp>
+        <p:nvSpPr>
+          <p:cNvPr id="22" name="TextBox 21">
+            <a:extLst>
+              <a:ext uri="{FF2B5EF4-FFF2-40B4-BE49-F238E27FC236}">
+                <a16:creationId xmlns:a16="http://schemas.microsoft.com/office/drawing/2014/main" id="{470714EF-9728-489A-96E1-7CC4B5FEF85F}"/>
+              </a:ext>
+            </a:extLst>
+          </p:cNvPr>
+          <p:cNvSpPr txBox="1"/>
+          <p:nvPr/>
+        </p:nvSpPr>
+        <p:spPr>
+          <a:xfrm>
+            <a:off x="1554348" y="2840540"/>
+            <a:ext cx="360040" cy="246221"/>
+          </a:xfrm>
+          <a:prstGeom prst="rect">
+            <a:avLst/>
+          </a:prstGeom>
+          <a:noFill/>
+        </p:spPr>
+        <p:txBody>
+          <a:bodyPr wrap="square" rtlCol="0">
+            <a:spAutoFit/>
+          </a:bodyPr>
+          <a:lstStyle/>
+          <a:p>
+            <a:pPr algn="ctr"/>
+            <a:r>
+              <a:rPr lang="en-US" altLang="ko-KR" sz="1000" dirty="0"/>
+              <a:t>Y</a:t>
+            </a:r>
+            <a:endParaRPr lang="ko-KR" altLang="en-US" sz="1000" dirty="0"/>
+          </a:p>
+        </p:txBody>
+      </p:sp>
+      <p:sp>
+        <p:nvSpPr>
+          <p:cNvPr id="23" name="TextBox 22">
+            <a:extLst>
+              <a:ext uri="{FF2B5EF4-FFF2-40B4-BE49-F238E27FC236}">
+                <a16:creationId xmlns:a16="http://schemas.microsoft.com/office/drawing/2014/main" id="{30E962CB-0944-4D48-8789-B8E03378128B}"/>
+              </a:ext>
+            </a:extLst>
+          </p:cNvPr>
+          <p:cNvSpPr txBox="1"/>
+          <p:nvPr/>
+        </p:nvSpPr>
+        <p:spPr>
+          <a:xfrm>
+            <a:off x="2477966" y="2608103"/>
+            <a:ext cx="360040" cy="246221"/>
+          </a:xfrm>
+          <a:prstGeom prst="rect">
+            <a:avLst/>
+          </a:prstGeom>
+          <a:noFill/>
+        </p:spPr>
+        <p:txBody>
+          <a:bodyPr wrap="square" rtlCol="0">
+            <a:spAutoFit/>
+          </a:bodyPr>
+          <a:lstStyle/>
+          <a:p>
+            <a:pPr algn="ctr"/>
+            <a:r>
+              <a:rPr lang="en-US" altLang="ko-KR" sz="1000" dirty="0"/>
+              <a:t>N</a:t>
+            </a:r>
+            <a:endParaRPr lang="ko-KR" altLang="en-US" sz="1000" dirty="0"/>
+          </a:p>
+        </p:txBody>
+      </p:sp>
+      <p:cxnSp>
+        <p:nvCxnSpPr>
+          <p:cNvPr id="24" name="직선 연결선 23">
+            <a:extLst>
+              <a:ext uri="{FF2B5EF4-FFF2-40B4-BE49-F238E27FC236}">
+                <a16:creationId xmlns:a16="http://schemas.microsoft.com/office/drawing/2014/main" id="{7A073DC3-A0BB-49F6-974D-96B8D1E1280F}"/>
+              </a:ext>
+            </a:extLst>
+          </p:cNvPr>
+          <p:cNvCxnSpPr>
+            <a:cxnSpLocks/>
+          </p:cNvCxnSpPr>
+          <p:nvPr/>
+        </p:nvCxnSpPr>
+        <p:spPr>
+          <a:xfrm>
+            <a:off x="2807335" y="1476778"/>
+            <a:ext cx="18035" cy="3163468"/>
+          </a:xfrm>
+          <a:prstGeom prst="line">
+            <a:avLst/>
+          </a:prstGeom>
+          <a:ln>
+            <a:solidFill>
+              <a:schemeClr val="accent2"/>
+            </a:solidFill>
+          </a:ln>
+        </p:spPr>
+        <p:style>
+          <a:lnRef idx="1">
+            <a:schemeClr val="accent1"/>
+          </a:lnRef>
+          <a:fillRef idx="0">
+            <a:schemeClr val="accent1"/>
+          </a:fillRef>
+          <a:effectRef idx="0">
+            <a:schemeClr val="accent1"/>
+          </a:effectRef>
+          <a:fontRef idx="minor">
+            <a:schemeClr val="tx1"/>
+          </a:fontRef>
+        </p:style>
+      </p:cxnSp>
+      <p:cxnSp>
+        <p:nvCxnSpPr>
+          <p:cNvPr id="25" name="직선 연결선 24">
+            <a:extLst>
+              <a:ext uri="{FF2B5EF4-FFF2-40B4-BE49-F238E27FC236}">
+                <a16:creationId xmlns:a16="http://schemas.microsoft.com/office/drawing/2014/main" id="{A2DE72C0-F9F3-42F7-8012-B513C41D6A50}"/>
+              </a:ext>
+            </a:extLst>
+          </p:cNvPr>
+          <p:cNvCxnSpPr>
+            <a:cxnSpLocks/>
+          </p:cNvCxnSpPr>
+          <p:nvPr/>
+        </p:nvCxnSpPr>
+        <p:spPr>
+          <a:xfrm flipH="1">
+            <a:off x="2444370" y="2611282"/>
+            <a:ext cx="381000" cy="0"/>
+          </a:xfrm>
+          <a:prstGeom prst="line">
+            <a:avLst/>
+          </a:prstGeom>
+          <a:ln>
+            <a:solidFill>
+              <a:schemeClr val="accent2"/>
+            </a:solidFill>
+          </a:ln>
+        </p:spPr>
+        <p:style>
+          <a:lnRef idx="1">
+            <a:schemeClr val="accent1"/>
+          </a:lnRef>
+          <a:fillRef idx="0">
+            <a:schemeClr val="accent1"/>
+          </a:fillRef>
+          <a:effectRef idx="0">
+            <a:schemeClr val="accent1"/>
+          </a:effectRef>
+          <a:fontRef idx="minor">
+            <a:schemeClr val="tx1"/>
+          </a:fontRef>
+        </p:style>
+      </p:cxnSp>
+      <p:cxnSp>
+        <p:nvCxnSpPr>
+          <p:cNvPr id="26" name="직선 연결선 25">
+            <a:extLst>
+              <a:ext uri="{FF2B5EF4-FFF2-40B4-BE49-F238E27FC236}">
+                <a16:creationId xmlns:a16="http://schemas.microsoft.com/office/drawing/2014/main" id="{1716912B-3EB8-4A76-8D46-9CFF2ADB9D77}"/>
+              </a:ext>
+            </a:extLst>
+          </p:cNvPr>
+          <p:cNvCxnSpPr>
+            <a:cxnSpLocks/>
+          </p:cNvCxnSpPr>
+          <p:nvPr/>
+        </p:nvCxnSpPr>
+        <p:spPr>
+          <a:xfrm flipH="1">
+            <a:off x="1566152" y="1476778"/>
+            <a:ext cx="1241183" cy="0"/>
+          </a:xfrm>
+          <a:prstGeom prst="line">
+            <a:avLst/>
+          </a:prstGeom>
+          <a:ln>
+            <a:solidFill>
+              <a:schemeClr val="accent2"/>
+            </a:solidFill>
+          </a:ln>
+        </p:spPr>
+        <p:style>
+          <a:lnRef idx="1">
+            <a:schemeClr val="accent1"/>
+          </a:lnRef>
+          <a:fillRef idx="0">
+            <a:schemeClr val="accent1"/>
+          </a:fillRef>
+          <a:effectRef idx="0">
+            <a:schemeClr val="accent1"/>
+          </a:effectRef>
+          <a:fontRef idx="minor">
+            <a:schemeClr val="tx1"/>
+          </a:fontRef>
+        </p:style>
+      </p:cxnSp>
+      <p:cxnSp>
+        <p:nvCxnSpPr>
+          <p:cNvPr id="27" name="직선 화살표 연결선 26">
+            <a:extLst>
+              <a:ext uri="{FF2B5EF4-FFF2-40B4-BE49-F238E27FC236}">
+                <a16:creationId xmlns:a16="http://schemas.microsoft.com/office/drawing/2014/main" id="{4FC426EF-8D42-4AFC-B841-A2D7C9853007}"/>
+              </a:ext>
+            </a:extLst>
+          </p:cNvPr>
+          <p:cNvCxnSpPr>
+            <a:cxnSpLocks/>
+          </p:cNvCxnSpPr>
+          <p:nvPr/>
+        </p:nvCxnSpPr>
+        <p:spPr>
+          <a:xfrm>
+            <a:off x="1566152" y="1476778"/>
+            <a:ext cx="0" cy="227632"/>
+          </a:xfrm>
+          <a:prstGeom prst="straightConnector1">
+            <a:avLst/>
+          </a:prstGeom>
+          <a:ln>
+            <a:solidFill>
+              <a:schemeClr val="accent2"/>
+            </a:solidFill>
+            <a:tailEnd type="triangle"/>
+          </a:ln>
+        </p:spPr>
+        <p:style>
+          <a:lnRef idx="1">
+            <a:schemeClr val="accent1"/>
+          </a:lnRef>
+          <a:fillRef idx="0">
+            <a:schemeClr val="accent1"/>
+          </a:fillRef>
+          <a:effectRef idx="0">
+            <a:schemeClr val="accent1"/>
+          </a:effectRef>
+          <a:fontRef idx="minor">
+            <a:schemeClr val="tx1"/>
+          </a:fontRef>
+        </p:style>
+      </p:cxnSp>
+      <p:cxnSp>
+        <p:nvCxnSpPr>
+          <p:cNvPr id="29" name="직선 화살표 연결선 28">
+            <a:extLst>
+              <a:ext uri="{FF2B5EF4-FFF2-40B4-BE49-F238E27FC236}">
+                <a16:creationId xmlns:a16="http://schemas.microsoft.com/office/drawing/2014/main" id="{E6FDFFFC-8F26-417B-884C-FB0C1A76EC71}"/>
+              </a:ext>
+            </a:extLst>
+          </p:cNvPr>
+          <p:cNvCxnSpPr>
+            <a:cxnSpLocks/>
+          </p:cNvCxnSpPr>
+          <p:nvPr/>
+        </p:nvCxnSpPr>
+        <p:spPr>
+          <a:xfrm flipH="1">
+            <a:off x="1578869" y="3616806"/>
+            <a:ext cx="1300" cy="347228"/>
+          </a:xfrm>
+          <a:prstGeom prst="straightConnector1">
+            <a:avLst/>
+          </a:prstGeom>
+          <a:ln>
+            <a:solidFill>
+              <a:schemeClr val="accent2"/>
+            </a:solidFill>
+            <a:tailEnd type="triangle"/>
+          </a:ln>
+        </p:spPr>
+        <p:style>
+          <a:lnRef idx="1">
+            <a:schemeClr val="accent1"/>
+          </a:lnRef>
+          <a:fillRef idx="0">
+            <a:schemeClr val="accent1"/>
+          </a:fillRef>
+          <a:effectRef idx="0">
+            <a:schemeClr val="accent1"/>
+          </a:effectRef>
+          <a:fontRef idx="minor">
+            <a:schemeClr val="tx1"/>
+          </a:fontRef>
+        </p:style>
+      </p:cxnSp>
+      <p:sp>
+        <p:nvSpPr>
+          <p:cNvPr id="31" name="사각형: 둥근 모서리 30">
+            <a:extLst>
+              <a:ext uri="{FF2B5EF4-FFF2-40B4-BE49-F238E27FC236}">
+                <a16:creationId xmlns:a16="http://schemas.microsoft.com/office/drawing/2014/main" id="{B1BCA764-3604-4539-9AA6-4C08F13B7541}"/>
+              </a:ext>
+            </a:extLst>
+          </p:cNvPr>
+          <p:cNvSpPr/>
+          <p:nvPr/>
+        </p:nvSpPr>
+        <p:spPr>
+          <a:xfrm>
+            <a:off x="732775" y="4014815"/>
+            <a:ext cx="1692188" cy="365125"/>
+          </a:xfrm>
+          <a:prstGeom prst="roundRect">
+            <a:avLst/>
+          </a:prstGeom>
+          <a:solidFill>
+            <a:schemeClr val="accent2">
+              <a:lumMod val="20000"/>
+              <a:lumOff val="80000"/>
+            </a:schemeClr>
+          </a:solidFill>
+          <a:ln>
+            <a:noFill/>
+          </a:ln>
+        </p:spPr>
+        <p:style>
+          <a:lnRef idx="2">
+            <a:schemeClr val="accent1">
+              <a:shade val="50000"/>
+            </a:schemeClr>
+          </a:lnRef>
+          <a:fillRef idx="1">
+            <a:schemeClr val="accent1"/>
+          </a:fillRef>
+          <a:effectRef idx="0">
+            <a:schemeClr val="accent1"/>
+          </a:effectRef>
+          <a:fontRef idx="minor">
+            <a:schemeClr val="lt1"/>
+          </a:fontRef>
+        </p:style>
+        <p:txBody>
+          <a:bodyPr rtlCol="0" anchor="ctr"/>
+          <a:lstStyle/>
+          <a:p>
+            <a:pPr algn="ctr"/>
+            <a:r>
+              <a:rPr lang="en-US" altLang="ko-KR" sz="1000" dirty="0">
+                <a:solidFill>
+                  <a:schemeClr val="tx1"/>
+                </a:solidFill>
+              </a:rPr>
+              <a:t>Message Loop Push </a:t>
+            </a:r>
+            <a:endParaRPr lang="ko-KR" altLang="en-US" sz="1000" dirty="0">
+              <a:solidFill>
+                <a:schemeClr val="tx1"/>
+              </a:solidFill>
+            </a:endParaRPr>
+          </a:p>
+        </p:txBody>
+      </p:sp>
+      <p:cxnSp>
+        <p:nvCxnSpPr>
+          <p:cNvPr id="32" name="직선 연결선 31">
+            <a:extLst>
+              <a:ext uri="{FF2B5EF4-FFF2-40B4-BE49-F238E27FC236}">
+                <a16:creationId xmlns:a16="http://schemas.microsoft.com/office/drawing/2014/main" id="{F1200885-0C3E-4A7D-88EE-82126A4879C6}"/>
+              </a:ext>
+            </a:extLst>
+          </p:cNvPr>
+          <p:cNvCxnSpPr>
+            <a:cxnSpLocks/>
+          </p:cNvCxnSpPr>
+          <p:nvPr/>
+        </p:nvCxnSpPr>
+        <p:spPr>
+          <a:xfrm flipH="1">
+            <a:off x="1578870" y="4663466"/>
+            <a:ext cx="1246500" cy="0"/>
+          </a:xfrm>
+          <a:prstGeom prst="line">
+            <a:avLst/>
+          </a:prstGeom>
+          <a:ln>
+            <a:solidFill>
+              <a:schemeClr val="accent2"/>
+            </a:solidFill>
+          </a:ln>
+        </p:spPr>
+        <p:style>
+          <a:lnRef idx="1">
+            <a:schemeClr val="accent1"/>
+          </a:lnRef>
+          <a:fillRef idx="0">
+            <a:schemeClr val="accent1"/>
+          </a:fillRef>
+          <a:effectRef idx="0">
+            <a:schemeClr val="accent1"/>
+          </a:effectRef>
+          <a:fontRef idx="minor">
+            <a:schemeClr val="tx1"/>
+          </a:fontRef>
+        </p:style>
+      </p:cxnSp>
+      <p:sp>
+        <p:nvSpPr>
+          <p:cNvPr id="38" name="사각형: 둥근 모서리 37">
+            <a:extLst>
+              <a:ext uri="{FF2B5EF4-FFF2-40B4-BE49-F238E27FC236}">
+                <a16:creationId xmlns:a16="http://schemas.microsoft.com/office/drawing/2014/main" id="{788E2413-DC9A-4877-B944-95AE5F4DE338}"/>
+              </a:ext>
+            </a:extLst>
+          </p:cNvPr>
+          <p:cNvSpPr/>
+          <p:nvPr/>
+        </p:nvSpPr>
+        <p:spPr>
+          <a:xfrm>
+            <a:off x="5164226" y="1750880"/>
+            <a:ext cx="1692188" cy="365125"/>
+          </a:xfrm>
+          <a:prstGeom prst="roundRect">
+            <a:avLst/>
+          </a:prstGeom>
+          <a:solidFill>
+            <a:schemeClr val="accent2">
+              <a:lumMod val="20000"/>
+              <a:lumOff val="80000"/>
+            </a:schemeClr>
+          </a:solidFill>
+          <a:ln>
+            <a:noFill/>
+          </a:ln>
+        </p:spPr>
+        <p:style>
+          <a:lnRef idx="2">
+            <a:schemeClr val="accent1">
+              <a:shade val="50000"/>
+            </a:schemeClr>
+          </a:lnRef>
+          <a:fillRef idx="1">
+            <a:schemeClr val="accent1"/>
+          </a:fillRef>
+          <a:effectRef idx="0">
+            <a:schemeClr val="accent1"/>
+          </a:effectRef>
+          <a:fontRef idx="minor">
+            <a:schemeClr val="lt1"/>
+          </a:fontRef>
+        </p:style>
+        <p:txBody>
+          <a:bodyPr rtlCol="0" anchor="ctr"/>
+          <a:lstStyle/>
+          <a:p>
+            <a:pPr algn="ctr"/>
+            <a:r>
+              <a:rPr lang="ko-KR" altLang="en-US" sz="1000" dirty="0">
+                <a:solidFill>
+                  <a:schemeClr val="tx1"/>
+                </a:solidFill>
+              </a:rPr>
+              <a:t>비정상 종료 루틴 시작</a:t>
+            </a:r>
+          </a:p>
+        </p:txBody>
+      </p:sp>
+      <p:sp>
+        <p:nvSpPr>
+          <p:cNvPr id="39" name="사각형: 둥근 모서리 38">
+            <a:extLst>
+              <a:ext uri="{FF2B5EF4-FFF2-40B4-BE49-F238E27FC236}">
+                <a16:creationId xmlns:a16="http://schemas.microsoft.com/office/drawing/2014/main" id="{CACC988F-AE1B-4375-8605-70CC4055D431}"/>
+              </a:ext>
+            </a:extLst>
+          </p:cNvPr>
+          <p:cNvSpPr/>
+          <p:nvPr/>
+        </p:nvSpPr>
+        <p:spPr>
+          <a:xfrm>
+            <a:off x="717704" y="1750880"/>
+            <a:ext cx="1692188" cy="365125"/>
+          </a:xfrm>
+          <a:prstGeom prst="roundRect">
+            <a:avLst/>
+          </a:prstGeom>
+          <a:solidFill>
+            <a:schemeClr val="accent2">
+              <a:lumMod val="20000"/>
+              <a:lumOff val="80000"/>
+            </a:schemeClr>
+          </a:solidFill>
+          <a:ln>
+            <a:noFill/>
+          </a:ln>
+        </p:spPr>
+        <p:style>
+          <a:lnRef idx="2">
+            <a:schemeClr val="accent1">
+              <a:shade val="50000"/>
+            </a:schemeClr>
+          </a:lnRef>
+          <a:fillRef idx="1">
+            <a:schemeClr val="accent1"/>
+          </a:fillRef>
+          <a:effectRef idx="0">
+            <a:schemeClr val="accent1"/>
+          </a:effectRef>
+          <a:fontRef idx="minor">
+            <a:schemeClr val="lt1"/>
+          </a:fontRef>
+        </p:style>
+        <p:txBody>
+          <a:bodyPr rtlCol="0" anchor="ctr"/>
+          <a:lstStyle/>
+          <a:p>
+            <a:pPr algn="ctr"/>
+            <a:r>
+              <a:rPr lang="en-US" altLang="ko-KR" sz="1000" dirty="0">
+                <a:solidFill>
+                  <a:schemeClr val="tx1"/>
+                </a:solidFill>
+              </a:rPr>
+              <a:t>Socket Error</a:t>
+            </a:r>
+            <a:endParaRPr lang="ko-KR" altLang="en-US" sz="1000" dirty="0">
+              <a:solidFill>
+                <a:schemeClr val="tx1"/>
+              </a:solidFill>
+            </a:endParaRPr>
+          </a:p>
+        </p:txBody>
+      </p:sp>
+      <p:cxnSp>
+        <p:nvCxnSpPr>
+          <p:cNvPr id="40" name="직선 화살표 연결선 39">
+            <a:extLst>
+              <a:ext uri="{FF2B5EF4-FFF2-40B4-BE49-F238E27FC236}">
+                <a16:creationId xmlns:a16="http://schemas.microsoft.com/office/drawing/2014/main" id="{D2CE991F-0AD9-4C12-9D60-1F4834D04ABF}"/>
+              </a:ext>
+            </a:extLst>
+          </p:cNvPr>
+          <p:cNvCxnSpPr>
+            <a:cxnSpLocks/>
+          </p:cNvCxnSpPr>
+          <p:nvPr/>
+        </p:nvCxnSpPr>
+        <p:spPr>
+          <a:xfrm flipH="1">
+            <a:off x="1571661" y="2102913"/>
+            <a:ext cx="1300" cy="347228"/>
+          </a:xfrm>
+          <a:prstGeom prst="straightConnector1">
+            <a:avLst/>
+          </a:prstGeom>
+          <a:ln>
+            <a:solidFill>
+              <a:schemeClr val="accent2"/>
+            </a:solidFill>
+            <a:tailEnd type="triangle"/>
+          </a:ln>
+        </p:spPr>
+        <p:style>
+          <a:lnRef idx="1">
+            <a:schemeClr val="accent1"/>
+          </a:lnRef>
+          <a:fillRef idx="0">
+            <a:schemeClr val="accent1"/>
+          </a:fillRef>
+          <a:effectRef idx="0">
+            <a:schemeClr val="accent1"/>
+          </a:effectRef>
+          <a:fontRef idx="minor">
+            <a:schemeClr val="tx1"/>
+          </a:fontRef>
+        </p:style>
+      </p:cxnSp>
+      <p:sp>
+        <p:nvSpPr>
+          <p:cNvPr id="41" name="TextBox 40">
+            <a:extLst>
+              <a:ext uri="{FF2B5EF4-FFF2-40B4-BE49-F238E27FC236}">
+                <a16:creationId xmlns:a16="http://schemas.microsoft.com/office/drawing/2014/main" id="{98F1D8FA-B4DF-482B-B928-3407FDFE76B2}"/>
+              </a:ext>
+            </a:extLst>
+          </p:cNvPr>
+          <p:cNvSpPr txBox="1"/>
+          <p:nvPr/>
+        </p:nvSpPr>
+        <p:spPr>
+          <a:xfrm>
+            <a:off x="2343494" y="1703930"/>
+            <a:ext cx="360040" cy="246221"/>
+          </a:xfrm>
+          <a:prstGeom prst="rect">
+            <a:avLst/>
+          </a:prstGeom>
+          <a:noFill/>
+        </p:spPr>
+        <p:txBody>
+          <a:bodyPr wrap="square" rtlCol="0">
+            <a:spAutoFit/>
+          </a:bodyPr>
+          <a:lstStyle/>
+          <a:p>
+            <a:pPr algn="ctr"/>
+            <a:r>
+              <a:rPr lang="en-US" altLang="ko-KR" sz="1000" dirty="0"/>
+              <a:t>Y</a:t>
+            </a:r>
+            <a:endParaRPr lang="ko-KR" altLang="en-US" sz="1000" dirty="0"/>
+          </a:p>
+        </p:txBody>
+      </p:sp>
+      <p:sp>
+        <p:nvSpPr>
+          <p:cNvPr id="42" name="TextBox 41">
+            <a:extLst>
+              <a:ext uri="{FF2B5EF4-FFF2-40B4-BE49-F238E27FC236}">
+                <a16:creationId xmlns:a16="http://schemas.microsoft.com/office/drawing/2014/main" id="{1A6488B9-D9CE-4F41-B294-5A663CA96665}"/>
+              </a:ext>
+            </a:extLst>
+          </p:cNvPr>
+          <p:cNvSpPr txBox="1"/>
+          <p:nvPr/>
+        </p:nvSpPr>
+        <p:spPr>
+          <a:xfrm>
+            <a:off x="1578869" y="2152609"/>
+            <a:ext cx="360040" cy="246221"/>
+          </a:xfrm>
+          <a:prstGeom prst="rect">
+            <a:avLst/>
+          </a:prstGeom>
+          <a:noFill/>
+        </p:spPr>
+        <p:txBody>
+          <a:bodyPr wrap="square" rtlCol="0">
+            <a:spAutoFit/>
+          </a:bodyPr>
+          <a:lstStyle/>
+          <a:p>
+            <a:pPr algn="ctr"/>
+            <a:r>
+              <a:rPr lang="en-US" altLang="ko-KR" sz="1000" dirty="0"/>
+              <a:t>N</a:t>
+            </a:r>
+            <a:endParaRPr lang="ko-KR" altLang="en-US" sz="1000" dirty="0"/>
+          </a:p>
+        </p:txBody>
+      </p:sp>
+      <p:cxnSp>
+        <p:nvCxnSpPr>
+          <p:cNvPr id="43" name="직선 화살표 연결선 42">
+            <a:extLst>
+              <a:ext uri="{FF2B5EF4-FFF2-40B4-BE49-F238E27FC236}">
+                <a16:creationId xmlns:a16="http://schemas.microsoft.com/office/drawing/2014/main" id="{6D498C9F-B73E-43D4-BB7E-CB1C78D027D5}"/>
+              </a:ext>
+            </a:extLst>
+          </p:cNvPr>
+          <p:cNvCxnSpPr>
+            <a:cxnSpLocks/>
+          </p:cNvCxnSpPr>
+          <p:nvPr/>
+        </p:nvCxnSpPr>
+        <p:spPr>
+          <a:xfrm>
+            <a:off x="3100977" y="1933442"/>
+            <a:ext cx="2010614" cy="1"/>
+          </a:xfrm>
+          <a:prstGeom prst="straightConnector1">
+            <a:avLst/>
+          </a:prstGeom>
+          <a:ln>
+            <a:solidFill>
+              <a:schemeClr val="accent2"/>
+            </a:solidFill>
+            <a:tailEnd type="triangle"/>
+          </a:ln>
+        </p:spPr>
+        <p:style>
+          <a:lnRef idx="1">
+            <a:schemeClr val="accent1"/>
+          </a:lnRef>
+          <a:fillRef idx="0">
+            <a:schemeClr val="accent1"/>
+          </a:fillRef>
+          <a:effectRef idx="0">
+            <a:schemeClr val="accent1"/>
+          </a:effectRef>
+          <a:fontRef idx="minor">
+            <a:schemeClr val="tx1"/>
+          </a:fontRef>
+        </p:style>
+      </p:cxnSp>
+      <p:sp>
+        <p:nvSpPr>
+          <p:cNvPr id="48" name="원호 47">
+            <a:extLst>
+              <a:ext uri="{FF2B5EF4-FFF2-40B4-BE49-F238E27FC236}">
+                <a16:creationId xmlns:a16="http://schemas.microsoft.com/office/drawing/2014/main" id="{B50BDB3E-AE5D-4A92-B461-4BFF86F7FDDB}"/>
+              </a:ext>
+            </a:extLst>
+          </p:cNvPr>
+          <p:cNvSpPr/>
+          <p:nvPr/>
+        </p:nvSpPr>
+        <p:spPr>
+          <a:xfrm>
+            <a:off x="2569367" y="1777542"/>
+            <a:ext cx="537278" cy="315443"/>
+          </a:xfrm>
+          <a:prstGeom prst="arc">
+            <a:avLst>
+              <a:gd name="adj1" fmla="val 10904320"/>
+              <a:gd name="adj2" fmla="val 0"/>
+            </a:avLst>
+          </a:prstGeom>
+        </p:spPr>
+        <p:style>
+          <a:lnRef idx="1">
+            <a:schemeClr val="accent2"/>
+          </a:lnRef>
+          <a:fillRef idx="0">
+            <a:schemeClr val="accent2"/>
+          </a:fillRef>
+          <a:effectRef idx="0">
+            <a:schemeClr val="accent2"/>
+          </a:effectRef>
+          <a:fontRef idx="minor">
+            <a:schemeClr val="tx1"/>
+          </a:fontRef>
+        </p:style>
+        <p:txBody>
+          <a:bodyPr rtlCol="0" anchor="ctr"/>
+          <a:lstStyle/>
+          <a:p>
+            <a:pPr algn="ctr"/>
+            <a:endParaRPr lang="ko-KR" altLang="en-US"/>
+          </a:p>
+        </p:txBody>
+      </p:sp>
+      <p:cxnSp>
+        <p:nvCxnSpPr>
+          <p:cNvPr id="51" name="직선 연결선 50">
+            <a:extLst>
+              <a:ext uri="{FF2B5EF4-FFF2-40B4-BE49-F238E27FC236}">
+                <a16:creationId xmlns:a16="http://schemas.microsoft.com/office/drawing/2014/main" id="{7D363AB9-8534-4CCA-8737-B727BEBEE42F}"/>
+              </a:ext>
+            </a:extLst>
+          </p:cNvPr>
+          <p:cNvCxnSpPr>
+            <a:cxnSpLocks/>
+          </p:cNvCxnSpPr>
+          <p:nvPr/>
+        </p:nvCxnSpPr>
+        <p:spPr>
+          <a:xfrm flipH="1">
+            <a:off x="2349892" y="1942438"/>
+            <a:ext cx="219475" cy="0"/>
+          </a:xfrm>
+          <a:prstGeom prst="line">
+            <a:avLst/>
+          </a:prstGeom>
+          <a:ln>
+            <a:solidFill>
+              <a:schemeClr val="accent2"/>
+            </a:solidFill>
+          </a:ln>
+        </p:spPr>
+        <p:style>
+          <a:lnRef idx="1">
+            <a:schemeClr val="accent1"/>
+          </a:lnRef>
+          <a:fillRef idx="0">
+            <a:schemeClr val="accent1"/>
+          </a:fillRef>
+          <a:effectRef idx="0">
+            <a:schemeClr val="accent1"/>
+          </a:effectRef>
+          <a:fontRef idx="minor">
+            <a:schemeClr val="tx1"/>
+          </a:fontRef>
+        </p:style>
+      </p:cxnSp>
+      <p:sp>
+        <p:nvSpPr>
+          <p:cNvPr id="57" name="사각형: 둥근 모서리 56">
+            <a:extLst>
+              <a:ext uri="{FF2B5EF4-FFF2-40B4-BE49-F238E27FC236}">
+                <a16:creationId xmlns:a16="http://schemas.microsoft.com/office/drawing/2014/main" id="{488189CA-FA89-47AC-AD2B-7D7D4C494E12}"/>
+              </a:ext>
+            </a:extLst>
+          </p:cNvPr>
+          <p:cNvSpPr/>
+          <p:nvPr/>
+        </p:nvSpPr>
+        <p:spPr>
+          <a:xfrm>
+            <a:off x="5197337" y="2315412"/>
+            <a:ext cx="1692188" cy="365125"/>
+          </a:xfrm>
+          <a:prstGeom prst="roundRect">
+            <a:avLst/>
+          </a:prstGeom>
+          <a:solidFill>
+            <a:schemeClr val="accent2">
+              <a:lumMod val="20000"/>
+              <a:lumOff val="80000"/>
+            </a:schemeClr>
+          </a:solidFill>
+          <a:ln>
+            <a:noFill/>
+          </a:ln>
+        </p:spPr>
+        <p:style>
+          <a:lnRef idx="2">
+            <a:schemeClr val="accent1">
+              <a:shade val="50000"/>
+            </a:schemeClr>
+          </a:lnRef>
+          <a:fillRef idx="1">
+            <a:schemeClr val="accent1"/>
+          </a:fillRef>
+          <a:effectRef idx="0">
+            <a:schemeClr val="accent1"/>
+          </a:effectRef>
+          <a:fontRef idx="minor">
+            <a:schemeClr val="lt1"/>
+          </a:fontRef>
+        </p:style>
+        <p:txBody>
+          <a:bodyPr rtlCol="0" anchor="ctr"/>
+          <a:lstStyle/>
+          <a:p>
+            <a:pPr algn="ctr"/>
+            <a:r>
+              <a:rPr lang="en-US" altLang="ko-KR" sz="1000" dirty="0">
+                <a:solidFill>
+                  <a:schemeClr val="tx1"/>
+                </a:solidFill>
+              </a:rPr>
+              <a:t>Socket Close</a:t>
+            </a:r>
+            <a:endParaRPr lang="ko-KR" altLang="en-US" sz="1000" dirty="0">
+              <a:solidFill>
+                <a:schemeClr val="tx1"/>
+              </a:solidFill>
+            </a:endParaRPr>
+          </a:p>
+        </p:txBody>
+      </p:sp>
+      <p:cxnSp>
+        <p:nvCxnSpPr>
+          <p:cNvPr id="58" name="직선 화살표 연결선 57">
+            <a:extLst>
+              <a:ext uri="{FF2B5EF4-FFF2-40B4-BE49-F238E27FC236}">
+                <a16:creationId xmlns:a16="http://schemas.microsoft.com/office/drawing/2014/main" id="{FDE4EF5A-E48D-4B32-BEA5-61792774A23C}"/>
+              </a:ext>
+            </a:extLst>
+          </p:cNvPr>
+          <p:cNvCxnSpPr>
+            <a:cxnSpLocks/>
+          </p:cNvCxnSpPr>
+          <p:nvPr/>
+        </p:nvCxnSpPr>
+        <p:spPr>
+          <a:xfrm flipH="1">
+            <a:off x="6004382" y="2140144"/>
+            <a:ext cx="1300" cy="168489"/>
+          </a:xfrm>
+          <a:prstGeom prst="straightConnector1">
+            <a:avLst/>
+          </a:prstGeom>
+          <a:ln>
+            <a:solidFill>
+              <a:schemeClr val="accent2"/>
+            </a:solidFill>
+            <a:tailEnd type="triangle"/>
+          </a:ln>
+        </p:spPr>
+        <p:style>
+          <a:lnRef idx="1">
+            <a:schemeClr val="accent1"/>
+          </a:lnRef>
+          <a:fillRef idx="0">
+            <a:schemeClr val="accent1"/>
+          </a:fillRef>
+          <a:effectRef idx="0">
+            <a:schemeClr val="accent1"/>
+          </a:effectRef>
+          <a:fontRef idx="minor">
+            <a:schemeClr val="tx1"/>
+          </a:fontRef>
+        </p:style>
+      </p:cxnSp>
+      <p:sp>
+        <p:nvSpPr>
+          <p:cNvPr id="60" name="사각형: 둥근 모서리 59">
+            <a:extLst>
+              <a:ext uri="{FF2B5EF4-FFF2-40B4-BE49-F238E27FC236}">
+                <a16:creationId xmlns:a16="http://schemas.microsoft.com/office/drawing/2014/main" id="{75DBFA83-BA91-479B-A4E4-3843A22B4F74}"/>
+              </a:ext>
+            </a:extLst>
+          </p:cNvPr>
+          <p:cNvSpPr/>
+          <p:nvPr/>
+        </p:nvSpPr>
+        <p:spPr>
+          <a:xfrm>
+            <a:off x="5208264" y="2877167"/>
+            <a:ext cx="1692188" cy="365125"/>
+          </a:xfrm>
+          <a:prstGeom prst="roundRect">
+            <a:avLst/>
+          </a:prstGeom>
+          <a:solidFill>
+            <a:schemeClr val="accent2">
+              <a:lumMod val="20000"/>
+              <a:lumOff val="80000"/>
+            </a:schemeClr>
+          </a:solidFill>
+          <a:ln>
+            <a:noFill/>
+          </a:ln>
+        </p:spPr>
+        <p:style>
+          <a:lnRef idx="2">
+            <a:schemeClr val="accent1">
+              <a:shade val="50000"/>
+            </a:schemeClr>
+          </a:lnRef>
+          <a:fillRef idx="1">
+            <a:schemeClr val="accent1"/>
+          </a:fillRef>
+          <a:effectRef idx="0">
+            <a:schemeClr val="accent1"/>
+          </a:effectRef>
+          <a:fontRef idx="minor">
+            <a:schemeClr val="lt1"/>
+          </a:fontRef>
+        </p:style>
+        <p:txBody>
+          <a:bodyPr rtlCol="0" anchor="ctr"/>
+          <a:lstStyle/>
+          <a:p>
+            <a:pPr algn="ctr"/>
+            <a:r>
+              <a:rPr lang="en-US" altLang="ko-KR" sz="1000" dirty="0">
+                <a:solidFill>
+                  <a:schemeClr val="tx1"/>
+                </a:solidFill>
+              </a:rPr>
+              <a:t>Thread</a:t>
+            </a:r>
+            <a:r>
+              <a:rPr lang="ko-KR" altLang="en-US" sz="1000" dirty="0">
+                <a:solidFill>
+                  <a:schemeClr val="tx1"/>
+                </a:solidFill>
+              </a:rPr>
+              <a:t> 무한 루프 종료</a:t>
+            </a:r>
+          </a:p>
+        </p:txBody>
+      </p:sp>
+      <p:cxnSp>
+        <p:nvCxnSpPr>
+          <p:cNvPr id="61" name="직선 화살표 연결선 60">
+            <a:extLst>
+              <a:ext uri="{FF2B5EF4-FFF2-40B4-BE49-F238E27FC236}">
+                <a16:creationId xmlns:a16="http://schemas.microsoft.com/office/drawing/2014/main" id="{FB81193A-58AA-4E4A-869E-ADBB32941A6C}"/>
+              </a:ext>
+            </a:extLst>
+          </p:cNvPr>
+          <p:cNvCxnSpPr>
+            <a:cxnSpLocks/>
+          </p:cNvCxnSpPr>
+          <p:nvPr/>
+        </p:nvCxnSpPr>
+        <p:spPr>
+          <a:xfrm flipH="1">
+            <a:off x="6058477" y="2704709"/>
+            <a:ext cx="1300" cy="168489"/>
+          </a:xfrm>
+          <a:prstGeom prst="straightConnector1">
+            <a:avLst/>
+          </a:prstGeom>
+          <a:ln>
+            <a:solidFill>
+              <a:schemeClr val="accent2"/>
+            </a:solidFill>
+            <a:tailEnd type="triangle"/>
+          </a:ln>
+        </p:spPr>
+        <p:style>
+          <a:lnRef idx="1">
+            <a:schemeClr val="accent1"/>
+          </a:lnRef>
+          <a:fillRef idx="0">
+            <a:schemeClr val="accent1"/>
+          </a:fillRef>
+          <a:effectRef idx="0">
+            <a:schemeClr val="accent1"/>
+          </a:effectRef>
+          <a:fontRef idx="minor">
+            <a:schemeClr val="tx1"/>
+          </a:fontRef>
+        </p:style>
+      </p:cxnSp>
+      <p:sp>
+        <p:nvSpPr>
+          <p:cNvPr id="62" name="사각형: 둥근 모서리 61">
+            <a:extLst>
+              <a:ext uri="{FF2B5EF4-FFF2-40B4-BE49-F238E27FC236}">
+                <a16:creationId xmlns:a16="http://schemas.microsoft.com/office/drawing/2014/main" id="{3C502539-C1EA-4D86-8130-C2B6508618E7}"/>
+              </a:ext>
+            </a:extLst>
+          </p:cNvPr>
+          <p:cNvSpPr/>
+          <p:nvPr/>
+        </p:nvSpPr>
+        <p:spPr>
+          <a:xfrm>
+            <a:off x="5196533" y="3470182"/>
+            <a:ext cx="1692188" cy="365125"/>
+          </a:xfrm>
+          <a:prstGeom prst="roundRect">
+            <a:avLst/>
+          </a:prstGeom>
+          <a:solidFill>
+            <a:schemeClr val="accent2">
+              <a:lumMod val="20000"/>
+              <a:lumOff val="80000"/>
+            </a:schemeClr>
+          </a:solidFill>
+          <a:ln>
+            <a:noFill/>
+          </a:ln>
+        </p:spPr>
+        <p:style>
+          <a:lnRef idx="2">
+            <a:schemeClr val="accent1">
+              <a:shade val="50000"/>
+            </a:schemeClr>
+          </a:lnRef>
+          <a:fillRef idx="1">
+            <a:schemeClr val="accent1"/>
+          </a:fillRef>
+          <a:effectRef idx="0">
+            <a:schemeClr val="accent1"/>
+          </a:effectRef>
+          <a:fontRef idx="minor">
+            <a:schemeClr val="lt1"/>
+          </a:fontRef>
+        </p:style>
+        <p:txBody>
+          <a:bodyPr rtlCol="0" anchor="ctr"/>
+          <a:lstStyle/>
+          <a:p>
+            <a:pPr algn="ctr"/>
+            <a:r>
+              <a:rPr lang="ko-KR" altLang="en-US" sz="1000" dirty="0">
+                <a:solidFill>
+                  <a:schemeClr val="tx1"/>
+                </a:solidFill>
+              </a:rPr>
+              <a:t>종료 </a:t>
+            </a:r>
+            <a:r>
+              <a:rPr lang="en-US" altLang="ko-KR" sz="1000" dirty="0">
+                <a:solidFill>
+                  <a:schemeClr val="tx1"/>
+                </a:solidFill>
+              </a:rPr>
+              <a:t>event </a:t>
+            </a:r>
+            <a:r>
+              <a:rPr lang="ko-KR" altLang="en-US" sz="1000" dirty="0">
+                <a:solidFill>
+                  <a:schemeClr val="tx1"/>
+                </a:solidFill>
+              </a:rPr>
+              <a:t>대기</a:t>
+            </a:r>
+            <a:endParaRPr lang="en-US" altLang="ko-KR" sz="1000" dirty="0">
+              <a:solidFill>
+                <a:schemeClr val="tx1"/>
+              </a:solidFill>
+            </a:endParaRPr>
+          </a:p>
+        </p:txBody>
+      </p:sp>
+      <p:cxnSp>
+        <p:nvCxnSpPr>
+          <p:cNvPr id="63" name="직선 화살표 연결선 62">
+            <a:extLst>
+              <a:ext uri="{FF2B5EF4-FFF2-40B4-BE49-F238E27FC236}">
+                <a16:creationId xmlns:a16="http://schemas.microsoft.com/office/drawing/2014/main" id="{4B77FF01-6283-42EC-AEBE-CFA07E6BB672}"/>
+              </a:ext>
+            </a:extLst>
+          </p:cNvPr>
+          <p:cNvCxnSpPr>
+            <a:cxnSpLocks/>
+          </p:cNvCxnSpPr>
+          <p:nvPr/>
+        </p:nvCxnSpPr>
+        <p:spPr>
+          <a:xfrm flipH="1">
+            <a:off x="6053058" y="3293028"/>
+            <a:ext cx="1300" cy="168489"/>
+          </a:xfrm>
+          <a:prstGeom prst="straightConnector1">
+            <a:avLst/>
+          </a:prstGeom>
+          <a:ln>
+            <a:solidFill>
+              <a:schemeClr val="accent2"/>
+            </a:solidFill>
+            <a:tailEnd type="triangle"/>
+          </a:ln>
+        </p:spPr>
+        <p:style>
+          <a:lnRef idx="1">
+            <a:schemeClr val="accent1"/>
+          </a:lnRef>
+          <a:fillRef idx="0">
+            <a:schemeClr val="accent1"/>
+          </a:fillRef>
+          <a:effectRef idx="0">
+            <a:schemeClr val="accent1"/>
+          </a:effectRef>
+          <a:fontRef idx="minor">
+            <a:schemeClr val="tx1"/>
+          </a:fontRef>
+        </p:style>
+      </p:cxnSp>
+      <p:sp>
+        <p:nvSpPr>
+          <p:cNvPr id="64" name="사각형: 둥근 모서리 63">
+            <a:extLst>
+              <a:ext uri="{FF2B5EF4-FFF2-40B4-BE49-F238E27FC236}">
+                <a16:creationId xmlns:a16="http://schemas.microsoft.com/office/drawing/2014/main" id="{3F0DB9F0-D969-4E75-B4D3-57C02D16E4C6}"/>
+              </a:ext>
+            </a:extLst>
+          </p:cNvPr>
+          <p:cNvSpPr/>
+          <p:nvPr/>
+        </p:nvSpPr>
+        <p:spPr>
+          <a:xfrm>
+            <a:off x="769330" y="4993329"/>
+            <a:ext cx="1692188" cy="365125"/>
+          </a:xfrm>
+          <a:prstGeom prst="roundRect">
+            <a:avLst/>
+          </a:prstGeom>
+          <a:solidFill>
+            <a:schemeClr val="accent2">
+              <a:lumMod val="20000"/>
+              <a:lumOff val="80000"/>
+            </a:schemeClr>
+          </a:solidFill>
+          <a:ln>
+            <a:noFill/>
+          </a:ln>
+        </p:spPr>
+        <p:style>
+          <a:lnRef idx="2">
+            <a:schemeClr val="accent1">
+              <a:shade val="50000"/>
+            </a:schemeClr>
+          </a:lnRef>
+          <a:fillRef idx="1">
+            <a:schemeClr val="accent1"/>
+          </a:fillRef>
+          <a:effectRef idx="0">
+            <a:schemeClr val="accent1"/>
+          </a:effectRef>
+          <a:fontRef idx="minor">
+            <a:schemeClr val="lt1"/>
+          </a:fontRef>
+        </p:style>
+        <p:txBody>
+          <a:bodyPr rtlCol="0" anchor="ctr"/>
+          <a:lstStyle/>
+          <a:p>
+            <a:pPr algn="ctr"/>
+            <a:r>
+              <a:rPr lang="en-US" altLang="ko-KR" sz="1000" dirty="0">
+                <a:solidFill>
+                  <a:schemeClr val="tx1"/>
+                </a:solidFill>
+              </a:rPr>
+              <a:t>Thread </a:t>
+            </a:r>
+            <a:r>
+              <a:rPr lang="ko-KR" altLang="en-US" sz="1000" dirty="0">
+                <a:solidFill>
+                  <a:schemeClr val="tx1"/>
+                </a:solidFill>
+              </a:rPr>
+              <a:t>종료 </a:t>
+            </a:r>
+            <a:r>
+              <a:rPr lang="en-US" altLang="ko-KR" sz="1000" dirty="0">
+                <a:solidFill>
+                  <a:schemeClr val="tx1"/>
+                </a:solidFill>
+              </a:rPr>
+              <a:t>Event set</a:t>
+            </a:r>
+            <a:endParaRPr lang="ko-KR" altLang="en-US" sz="1000" dirty="0">
+              <a:solidFill>
+                <a:schemeClr val="tx1"/>
+              </a:solidFill>
+            </a:endParaRPr>
+          </a:p>
+        </p:txBody>
+      </p:sp>
+      <p:sp>
+        <p:nvSpPr>
+          <p:cNvPr id="70" name="TextBox 69">
+            <a:extLst>
+              <a:ext uri="{FF2B5EF4-FFF2-40B4-BE49-F238E27FC236}">
+                <a16:creationId xmlns:a16="http://schemas.microsoft.com/office/drawing/2014/main" id="{7FA91D50-E21F-4876-856B-4FBDB09473BA}"/>
+              </a:ext>
+            </a:extLst>
+          </p:cNvPr>
+          <p:cNvSpPr txBox="1"/>
+          <p:nvPr/>
+        </p:nvSpPr>
+        <p:spPr>
+          <a:xfrm>
+            <a:off x="5303912" y="1030767"/>
+            <a:ext cx="1263909" cy="246221"/>
+          </a:xfrm>
+          <a:prstGeom prst="rect">
+            <a:avLst/>
+          </a:prstGeom>
+          <a:noFill/>
+        </p:spPr>
+        <p:txBody>
+          <a:bodyPr wrap="square" rtlCol="0">
+            <a:spAutoFit/>
+          </a:bodyPr>
+          <a:lstStyle/>
+          <a:p>
+            <a:pPr algn="ctr"/>
+            <a:r>
+              <a:rPr lang="en-US" altLang="ko-KR" sz="1000" dirty="0">
+                <a:latin typeface="Arial" panose="020B0604020202020204" pitchFamily="34" charset="0"/>
+                <a:cs typeface="Arial" panose="020B0604020202020204" pitchFamily="34" charset="0"/>
+              </a:rPr>
+              <a:t>UI Thread</a:t>
+            </a:r>
+          </a:p>
+        </p:txBody>
+      </p:sp>
+      <p:cxnSp>
+        <p:nvCxnSpPr>
+          <p:cNvPr id="71" name="직선 연결선 70">
+            <a:extLst>
+              <a:ext uri="{FF2B5EF4-FFF2-40B4-BE49-F238E27FC236}">
+                <a16:creationId xmlns:a16="http://schemas.microsoft.com/office/drawing/2014/main" id="{F5E1206D-2A9A-4C2C-BF5F-6BBD4C7D0D61}"/>
+              </a:ext>
+            </a:extLst>
+          </p:cNvPr>
+          <p:cNvCxnSpPr>
+            <a:cxnSpLocks/>
+          </p:cNvCxnSpPr>
+          <p:nvPr/>
+        </p:nvCxnSpPr>
+        <p:spPr>
+          <a:xfrm>
+            <a:off x="1597699" y="4379940"/>
+            <a:ext cx="0" cy="283526"/>
+          </a:xfrm>
+          <a:prstGeom prst="line">
+            <a:avLst/>
+          </a:prstGeom>
+          <a:ln>
+            <a:solidFill>
+              <a:schemeClr val="accent2"/>
+            </a:solidFill>
+          </a:ln>
+        </p:spPr>
+        <p:style>
+          <a:lnRef idx="1">
+            <a:schemeClr val="accent1"/>
+          </a:lnRef>
+          <a:fillRef idx="0">
+            <a:schemeClr val="accent1"/>
+          </a:fillRef>
+          <a:effectRef idx="0">
+            <a:schemeClr val="accent1"/>
+          </a:effectRef>
+          <a:fontRef idx="minor">
+            <a:schemeClr val="tx1"/>
+          </a:fontRef>
+        </p:style>
+      </p:cxnSp>
+      <p:cxnSp>
+        <p:nvCxnSpPr>
+          <p:cNvPr id="73" name="직선 연결선 72">
+            <a:extLst>
+              <a:ext uri="{FF2B5EF4-FFF2-40B4-BE49-F238E27FC236}">
+                <a16:creationId xmlns:a16="http://schemas.microsoft.com/office/drawing/2014/main" id="{2F795226-86D0-4EAD-8EA0-2895121CA73A}"/>
+              </a:ext>
+            </a:extLst>
+          </p:cNvPr>
+          <p:cNvCxnSpPr>
+            <a:cxnSpLocks/>
+          </p:cNvCxnSpPr>
+          <p:nvPr/>
+        </p:nvCxnSpPr>
+        <p:spPr>
+          <a:xfrm>
+            <a:off x="3431704" y="4274048"/>
+            <a:ext cx="0" cy="901843"/>
+          </a:xfrm>
+          <a:prstGeom prst="line">
+            <a:avLst/>
+          </a:prstGeom>
+          <a:ln>
+            <a:solidFill>
+              <a:schemeClr val="accent2"/>
+            </a:solidFill>
+          </a:ln>
+        </p:spPr>
+        <p:style>
+          <a:lnRef idx="1">
+            <a:schemeClr val="accent1"/>
+          </a:lnRef>
+          <a:fillRef idx="0">
+            <a:schemeClr val="accent1"/>
+          </a:fillRef>
+          <a:effectRef idx="0">
+            <a:schemeClr val="accent1"/>
+          </a:effectRef>
+          <a:fontRef idx="minor">
+            <a:schemeClr val="tx1"/>
+          </a:fontRef>
+        </p:style>
+      </p:cxnSp>
+      <p:cxnSp>
+        <p:nvCxnSpPr>
+          <p:cNvPr id="82" name="직선 연결선 81">
+            <a:extLst>
+              <a:ext uri="{FF2B5EF4-FFF2-40B4-BE49-F238E27FC236}">
+                <a16:creationId xmlns:a16="http://schemas.microsoft.com/office/drawing/2014/main" id="{C42C464B-A584-4C63-AEB2-D46C1F23D719}"/>
+              </a:ext>
+            </a:extLst>
+          </p:cNvPr>
+          <p:cNvCxnSpPr>
+            <a:cxnSpLocks/>
+          </p:cNvCxnSpPr>
+          <p:nvPr/>
+        </p:nvCxnSpPr>
+        <p:spPr>
+          <a:xfrm flipH="1">
+            <a:off x="2424963" y="5172622"/>
+            <a:ext cx="1006741" cy="0"/>
+          </a:xfrm>
+          <a:prstGeom prst="line">
+            <a:avLst/>
+          </a:prstGeom>
+          <a:ln>
+            <a:solidFill>
+              <a:schemeClr val="accent2"/>
+            </a:solidFill>
+          </a:ln>
+        </p:spPr>
+        <p:style>
+          <a:lnRef idx="1">
+            <a:schemeClr val="accent1"/>
+          </a:lnRef>
+          <a:fillRef idx="0">
+            <a:schemeClr val="accent1"/>
+          </a:fillRef>
+          <a:effectRef idx="0">
+            <a:schemeClr val="accent1"/>
+          </a:effectRef>
+          <a:fontRef idx="minor">
+            <a:schemeClr val="tx1"/>
+          </a:fontRef>
+        </p:style>
+      </p:cxnSp>
+      <p:sp>
+        <p:nvSpPr>
+          <p:cNvPr id="85" name="사각형: 둥근 모서리 84">
+            <a:extLst>
+              <a:ext uri="{FF2B5EF4-FFF2-40B4-BE49-F238E27FC236}">
+                <a16:creationId xmlns:a16="http://schemas.microsoft.com/office/drawing/2014/main" id="{D4595BC1-1477-4769-9B7A-09202F2F85B1}"/>
+              </a:ext>
+            </a:extLst>
+          </p:cNvPr>
+          <p:cNvSpPr/>
+          <p:nvPr/>
+        </p:nvSpPr>
+        <p:spPr>
+          <a:xfrm>
+            <a:off x="5195098" y="4091486"/>
+            <a:ext cx="1692188" cy="365125"/>
+          </a:xfrm>
+          <a:prstGeom prst="roundRect">
+            <a:avLst/>
+          </a:prstGeom>
+          <a:solidFill>
+            <a:schemeClr val="accent2">
+              <a:lumMod val="20000"/>
+              <a:lumOff val="80000"/>
+            </a:schemeClr>
+          </a:solidFill>
+          <a:ln>
+            <a:noFill/>
+          </a:ln>
+        </p:spPr>
+        <p:style>
+          <a:lnRef idx="2">
+            <a:schemeClr val="accent1">
+              <a:shade val="50000"/>
+            </a:schemeClr>
+          </a:lnRef>
+          <a:fillRef idx="1">
+            <a:schemeClr val="accent1"/>
+          </a:fillRef>
+          <a:effectRef idx="0">
+            <a:schemeClr val="accent1"/>
+          </a:effectRef>
+          <a:fontRef idx="minor">
+            <a:schemeClr val="lt1"/>
+          </a:fontRef>
+        </p:style>
+        <p:txBody>
+          <a:bodyPr rtlCol="0" anchor="ctr"/>
+          <a:lstStyle/>
+          <a:p>
+            <a:pPr algn="ctr"/>
+            <a:r>
+              <a:rPr lang="ko-KR" altLang="en-US" sz="1000" dirty="0">
+                <a:solidFill>
+                  <a:schemeClr val="tx1"/>
+                </a:solidFill>
+              </a:rPr>
+              <a:t>종료 </a:t>
+            </a:r>
+            <a:r>
+              <a:rPr lang="en-US" altLang="ko-KR" sz="1000" dirty="0">
+                <a:solidFill>
+                  <a:schemeClr val="tx1"/>
+                </a:solidFill>
+              </a:rPr>
+              <a:t>event Set ? </a:t>
+            </a:r>
+            <a:endParaRPr lang="ko-KR" altLang="en-US" sz="1000" dirty="0">
+              <a:solidFill>
+                <a:schemeClr val="tx1"/>
+              </a:solidFill>
+            </a:endParaRPr>
+          </a:p>
+        </p:txBody>
+      </p:sp>
+      <p:sp>
+        <p:nvSpPr>
+          <p:cNvPr id="93" name="사각형: 둥근 모서리 92">
+            <a:extLst>
+              <a:ext uri="{FF2B5EF4-FFF2-40B4-BE49-F238E27FC236}">
+                <a16:creationId xmlns:a16="http://schemas.microsoft.com/office/drawing/2014/main" id="{F44CB07C-B46F-454F-BFAD-872104AE04EC}"/>
+              </a:ext>
+            </a:extLst>
+          </p:cNvPr>
+          <p:cNvSpPr/>
+          <p:nvPr/>
+        </p:nvSpPr>
+        <p:spPr>
+          <a:xfrm>
+            <a:off x="5221137" y="4689903"/>
+            <a:ext cx="1692188" cy="365125"/>
+          </a:xfrm>
+          <a:prstGeom prst="roundRect">
+            <a:avLst/>
+          </a:prstGeom>
+          <a:solidFill>
+            <a:schemeClr val="accent2">
+              <a:lumMod val="20000"/>
+              <a:lumOff val="80000"/>
+            </a:schemeClr>
+          </a:solidFill>
+          <a:ln>
+            <a:noFill/>
+          </a:ln>
+        </p:spPr>
+        <p:style>
+          <a:lnRef idx="2">
+            <a:schemeClr val="accent1">
+              <a:shade val="50000"/>
+            </a:schemeClr>
+          </a:lnRef>
+          <a:fillRef idx="1">
+            <a:schemeClr val="accent1"/>
+          </a:fillRef>
+          <a:effectRef idx="0">
+            <a:schemeClr val="accent1"/>
+          </a:effectRef>
+          <a:fontRef idx="minor">
+            <a:schemeClr val="lt1"/>
+          </a:fontRef>
+        </p:style>
+        <p:txBody>
+          <a:bodyPr rtlCol="0" anchor="ctr"/>
+          <a:lstStyle/>
+          <a:p>
+            <a:pPr algn="ctr"/>
+            <a:r>
+              <a:rPr lang="ko-KR" altLang="en-US" sz="1000" dirty="0">
+                <a:solidFill>
+                  <a:schemeClr val="tx1"/>
+                </a:solidFill>
+              </a:rPr>
+              <a:t>정상 종료</a:t>
+            </a:r>
+          </a:p>
+        </p:txBody>
+      </p:sp>
+      <p:cxnSp>
+        <p:nvCxnSpPr>
+          <p:cNvPr id="94" name="직선 화살표 연결선 93">
+            <a:extLst>
+              <a:ext uri="{FF2B5EF4-FFF2-40B4-BE49-F238E27FC236}">
+                <a16:creationId xmlns:a16="http://schemas.microsoft.com/office/drawing/2014/main" id="{48B15485-BDF0-4BF6-A1D3-0D8C162B20EE}"/>
+              </a:ext>
+            </a:extLst>
+          </p:cNvPr>
+          <p:cNvCxnSpPr>
+            <a:cxnSpLocks/>
+          </p:cNvCxnSpPr>
+          <p:nvPr/>
+        </p:nvCxnSpPr>
+        <p:spPr>
+          <a:xfrm flipH="1">
+            <a:off x="6024693" y="4484752"/>
+            <a:ext cx="1300" cy="168489"/>
+          </a:xfrm>
+          <a:prstGeom prst="straightConnector1">
+            <a:avLst/>
+          </a:prstGeom>
+          <a:ln>
+            <a:solidFill>
+              <a:schemeClr val="accent2"/>
+            </a:solidFill>
+            <a:tailEnd type="triangle"/>
+          </a:ln>
+        </p:spPr>
+        <p:style>
+          <a:lnRef idx="1">
+            <a:schemeClr val="accent1"/>
+          </a:lnRef>
+          <a:fillRef idx="0">
+            <a:schemeClr val="accent1"/>
+          </a:fillRef>
+          <a:effectRef idx="0">
+            <a:schemeClr val="accent1"/>
+          </a:effectRef>
+          <a:fontRef idx="minor">
+            <a:schemeClr val="tx1"/>
+          </a:fontRef>
+        </p:style>
+      </p:cxnSp>
+      <p:sp>
+        <p:nvSpPr>
+          <p:cNvPr id="95" name="TextBox 94">
+            <a:extLst>
+              <a:ext uri="{FF2B5EF4-FFF2-40B4-BE49-F238E27FC236}">
+                <a16:creationId xmlns:a16="http://schemas.microsoft.com/office/drawing/2014/main" id="{495A70A4-7C69-4671-B084-34DAE32190C3}"/>
+              </a:ext>
+            </a:extLst>
+          </p:cNvPr>
+          <p:cNvSpPr txBox="1"/>
+          <p:nvPr/>
+        </p:nvSpPr>
+        <p:spPr>
+          <a:xfrm>
+            <a:off x="6002130" y="4466569"/>
+            <a:ext cx="360040" cy="246221"/>
+          </a:xfrm>
+          <a:prstGeom prst="rect">
+            <a:avLst/>
+          </a:prstGeom>
+          <a:noFill/>
+        </p:spPr>
+        <p:txBody>
+          <a:bodyPr wrap="square" rtlCol="0">
+            <a:spAutoFit/>
+          </a:bodyPr>
+          <a:lstStyle/>
+          <a:p>
+            <a:pPr algn="ctr"/>
+            <a:r>
+              <a:rPr lang="en-US" altLang="ko-KR" sz="1000" dirty="0"/>
+              <a:t>Y</a:t>
+            </a:r>
+            <a:endParaRPr lang="ko-KR" altLang="en-US" sz="1000" dirty="0"/>
+          </a:p>
+        </p:txBody>
+      </p:sp>
+    </p:spTree>
+    <p:extLst>
+      <p:ext uri="{BB962C8B-B14F-4D97-AF65-F5344CB8AC3E}">
+        <p14:creationId xmlns:p14="http://schemas.microsoft.com/office/powerpoint/2010/main" val="32146210"/>
+      </p:ext>
+    </p:extLst>
+  </p:cSld>
+  <p:clrMapOvr>
+    <a:masterClrMapping/>
+  </p:clrMapOvr>
+</p:sld>
+</file>
+
+<file path=ppt/slides/slide7.xml><?xml version="1.0" encoding="utf-8"?>
+<p:sld xmlns:a="http://schemas.openxmlformats.org/drawingml/2006/main" xmlns:r="http://schemas.openxmlformats.org/officeDocument/2006/relationships" xmlns:p="http://schemas.openxmlformats.org/presentationml/2006/main">
+  <p:cSld>
+    <p:spTree>
+      <p:nvGrpSpPr>
+        <p:cNvPr id="1" name=""/>
+        <p:cNvGrpSpPr/>
+        <p:nvPr/>
+      </p:nvGrpSpPr>
+      <p:grpSpPr>
+        <a:xfrm>
+          <a:off x="0" y="0"/>
+          <a:ext cx="0" cy="0"/>
+          <a:chOff x="0" y="0"/>
+          <a:chExt cx="0" cy="0"/>
+        </a:xfrm>
+      </p:grpSpPr>
+      <p:sp>
+        <p:nvSpPr>
+          <p:cNvPr id="2" name="제목 1">
+            <a:extLst>
+              <a:ext uri="{FF2B5EF4-FFF2-40B4-BE49-F238E27FC236}">
+                <a16:creationId xmlns:a16="http://schemas.microsoft.com/office/drawing/2014/main" id="{367D6F39-171F-4955-B146-96F2C1F00E07}"/>
+              </a:ext>
+            </a:extLst>
+          </p:cNvPr>
+          <p:cNvSpPr>
+            <a:spLocks noGrp="1"/>
+          </p:cNvSpPr>
+          <p:nvPr>
+            <p:ph type="title"/>
+          </p:nvPr>
+        </p:nvSpPr>
+        <p:spPr/>
+        <p:txBody>
+          <a:bodyPr/>
+          <a:lstStyle/>
+          <a:p>
+            <a:r>
+              <a:rPr lang="en-US" altLang="ko-KR" dirty="0"/>
+              <a:t>Log</a:t>
+            </a:r>
+            <a:r>
+              <a:rPr lang="ko-KR" altLang="en-US" dirty="0"/>
+              <a:t> </a:t>
+            </a:r>
+            <a:r>
+              <a:rPr lang="en-US" altLang="ko-KR" dirty="0"/>
+              <a:t>Viewer - File</a:t>
+            </a:r>
+            <a:endParaRPr lang="ko-KR" altLang="en-US" dirty="0"/>
+          </a:p>
+        </p:txBody>
+      </p:sp>
+      <p:sp>
+        <p:nvSpPr>
+          <p:cNvPr id="3" name="슬라이드 번호 개체 틀 2">
+            <a:extLst>
+              <a:ext uri="{FF2B5EF4-FFF2-40B4-BE49-F238E27FC236}">
+                <a16:creationId xmlns:a16="http://schemas.microsoft.com/office/drawing/2014/main" id="{038EDB4E-7089-4DDC-AD03-0C6CBB3D146B}"/>
+              </a:ext>
+            </a:extLst>
+          </p:cNvPr>
+          <p:cNvSpPr>
+            <a:spLocks noGrp="1"/>
+          </p:cNvSpPr>
+          <p:nvPr>
+            <p:ph type="sldNum" sz="quarter" idx="4"/>
+          </p:nvPr>
+        </p:nvSpPr>
+        <p:spPr/>
+        <p:txBody>
+          <a:bodyPr/>
+          <a:lstStyle/>
+          <a:p>
+            <a:pPr>
+              <a:defRPr/>
+            </a:pPr>
+            <a:fld id="{B041EC1C-CD40-411B-B8A8-88A7A386D31F}" type="slidenum">
+              <a:rPr lang="ko-KR" altLang="en-US" smtClean="0"/>
+              <a:pPr>
+                <a:defRPr/>
+              </a:pPr>
+              <a:t>7</a:t>
+            </a:fld>
+            <a:endParaRPr lang="ko-KR" altLang="en-US"/>
+          </a:p>
+        </p:txBody>
+      </p:sp>
+      <p:sp>
+        <p:nvSpPr>
+          <p:cNvPr id="48" name="사각형: 둥근 모서리 47">
+            <a:extLst>
+              <a:ext uri="{FF2B5EF4-FFF2-40B4-BE49-F238E27FC236}">
+                <a16:creationId xmlns:a16="http://schemas.microsoft.com/office/drawing/2014/main" id="{48C6B845-6F3A-42A3-A883-7207C5D2AFF9}"/>
+              </a:ext>
+            </a:extLst>
+          </p:cNvPr>
+          <p:cNvSpPr/>
+          <p:nvPr/>
+        </p:nvSpPr>
+        <p:spPr>
+          <a:xfrm>
+            <a:off x="1773841" y="1827649"/>
+            <a:ext cx="1692188" cy="365125"/>
+          </a:xfrm>
+          <a:prstGeom prst="roundRect">
+            <a:avLst/>
+          </a:prstGeom>
+          <a:solidFill>
+            <a:schemeClr val="accent2">
+              <a:lumMod val="20000"/>
+              <a:lumOff val="80000"/>
+            </a:schemeClr>
+          </a:solidFill>
+          <a:ln>
+            <a:noFill/>
+          </a:ln>
+        </p:spPr>
+        <p:style>
+          <a:lnRef idx="2">
+            <a:schemeClr val="accent1">
+              <a:shade val="50000"/>
+            </a:schemeClr>
+          </a:lnRef>
+          <a:fillRef idx="1">
+            <a:schemeClr val="accent1"/>
+          </a:fillRef>
+          <a:effectRef idx="0">
+            <a:schemeClr val="accent1"/>
+          </a:effectRef>
+          <a:fontRef idx="minor">
+            <a:schemeClr val="lt1"/>
+          </a:fontRef>
+        </p:style>
+        <p:txBody>
+          <a:bodyPr rtlCol="0" anchor="ctr"/>
+          <a:lstStyle/>
+          <a:p>
+            <a:pPr algn="ctr"/>
+            <a:r>
+              <a:rPr lang="en-US" altLang="ko-KR" sz="1000" dirty="0">
+                <a:solidFill>
+                  <a:schemeClr val="tx1"/>
+                </a:solidFill>
+              </a:rPr>
+              <a:t>Socket Log </a:t>
+            </a:r>
+            <a:r>
+              <a:rPr lang="ko-KR" altLang="en-US" sz="1000" dirty="0">
+                <a:solidFill>
+                  <a:schemeClr val="tx1"/>
+                </a:solidFill>
+              </a:rPr>
+              <a:t>수신</a:t>
+            </a:r>
+            <a:r>
+              <a:rPr lang="en-US" altLang="ko-KR" sz="1000" dirty="0">
+                <a:solidFill>
+                  <a:schemeClr val="tx1"/>
+                </a:solidFill>
+              </a:rPr>
+              <a:t>?</a:t>
+            </a:r>
+            <a:endParaRPr lang="ko-KR" altLang="en-US" sz="1000" dirty="0">
+              <a:solidFill>
+                <a:schemeClr val="tx1"/>
+              </a:solidFill>
+            </a:endParaRPr>
+          </a:p>
+        </p:txBody>
+      </p:sp>
+      <p:sp>
+        <p:nvSpPr>
+          <p:cNvPr id="51" name="사각형: 둥근 모서리 50">
+            <a:extLst>
+              <a:ext uri="{FF2B5EF4-FFF2-40B4-BE49-F238E27FC236}">
+                <a16:creationId xmlns:a16="http://schemas.microsoft.com/office/drawing/2014/main" id="{D916E16B-5AAB-46D9-80EA-4ADB81ABBE30}"/>
+              </a:ext>
+            </a:extLst>
+          </p:cNvPr>
+          <p:cNvSpPr/>
+          <p:nvPr/>
+        </p:nvSpPr>
+        <p:spPr>
+          <a:xfrm>
+            <a:off x="3681135" y="2417584"/>
+            <a:ext cx="1692188" cy="365125"/>
+          </a:xfrm>
+          <a:prstGeom prst="roundRect">
+            <a:avLst/>
+          </a:prstGeom>
+          <a:solidFill>
+            <a:schemeClr val="accent2">
+              <a:lumMod val="20000"/>
+              <a:lumOff val="80000"/>
+            </a:schemeClr>
+          </a:solidFill>
+          <a:ln>
+            <a:noFill/>
+          </a:ln>
+        </p:spPr>
+        <p:style>
+          <a:lnRef idx="2">
+            <a:schemeClr val="accent1">
+              <a:shade val="50000"/>
+            </a:schemeClr>
+          </a:lnRef>
+          <a:fillRef idx="1">
+            <a:schemeClr val="accent1"/>
+          </a:fillRef>
+          <a:effectRef idx="0">
+            <a:schemeClr val="accent1"/>
+          </a:effectRef>
+          <a:fontRef idx="minor">
+            <a:schemeClr val="lt1"/>
+          </a:fontRef>
+        </p:style>
+        <p:txBody>
+          <a:bodyPr rtlCol="0" anchor="ctr"/>
+          <a:lstStyle/>
+          <a:p>
+            <a:pPr algn="ctr"/>
+            <a:r>
+              <a:rPr lang="en-US" altLang="ko-KR" sz="1000" dirty="0">
+                <a:solidFill>
+                  <a:schemeClr val="tx1"/>
+                </a:solidFill>
+              </a:rPr>
+              <a:t>Queue Push</a:t>
+            </a:r>
+            <a:endParaRPr lang="ko-KR" altLang="en-US" sz="1000" dirty="0">
+              <a:solidFill>
+                <a:schemeClr val="tx1"/>
+              </a:solidFill>
+            </a:endParaRPr>
+          </a:p>
+        </p:txBody>
+      </p:sp>
+      <p:sp>
+        <p:nvSpPr>
+          <p:cNvPr id="7" name="TextBox 6">
+            <a:extLst>
+              <a:ext uri="{FF2B5EF4-FFF2-40B4-BE49-F238E27FC236}">
+                <a16:creationId xmlns:a16="http://schemas.microsoft.com/office/drawing/2014/main" id="{4746843C-76DB-4B9F-93E8-72090E6B0983}"/>
+              </a:ext>
+            </a:extLst>
+          </p:cNvPr>
+          <p:cNvSpPr txBox="1"/>
+          <p:nvPr/>
+        </p:nvSpPr>
+        <p:spPr>
+          <a:xfrm>
+            <a:off x="2619935" y="2212931"/>
+            <a:ext cx="360040" cy="246221"/>
+          </a:xfrm>
+          <a:prstGeom prst="rect">
+            <a:avLst/>
+          </a:prstGeom>
+          <a:noFill/>
+        </p:spPr>
+        <p:txBody>
+          <a:bodyPr wrap="square" rtlCol="0">
+            <a:spAutoFit/>
+          </a:bodyPr>
+          <a:lstStyle/>
+          <a:p>
+            <a:pPr algn="ctr"/>
+            <a:r>
+              <a:rPr lang="en-US" altLang="ko-KR" sz="1000" dirty="0"/>
+              <a:t>Y</a:t>
+            </a:r>
+            <a:endParaRPr lang="ko-KR" altLang="en-US" sz="1000" dirty="0"/>
+          </a:p>
+        </p:txBody>
+      </p:sp>
+      <p:sp>
+        <p:nvSpPr>
+          <p:cNvPr id="53" name="TextBox 52">
+            <a:extLst>
+              <a:ext uri="{FF2B5EF4-FFF2-40B4-BE49-F238E27FC236}">
+                <a16:creationId xmlns:a16="http://schemas.microsoft.com/office/drawing/2014/main" id="{4F07BDFF-1AD2-48C8-A05A-D8905CFCC10A}"/>
+              </a:ext>
+            </a:extLst>
+          </p:cNvPr>
+          <p:cNvSpPr txBox="1"/>
+          <p:nvPr/>
+        </p:nvSpPr>
+        <p:spPr>
+          <a:xfrm>
+            <a:off x="3483553" y="1976005"/>
+            <a:ext cx="360040" cy="246221"/>
+          </a:xfrm>
+          <a:prstGeom prst="rect">
+            <a:avLst/>
+          </a:prstGeom>
+          <a:noFill/>
+        </p:spPr>
+        <p:txBody>
+          <a:bodyPr wrap="square" rtlCol="0">
+            <a:spAutoFit/>
+          </a:bodyPr>
+          <a:lstStyle/>
+          <a:p>
+            <a:pPr algn="ctr"/>
+            <a:r>
+              <a:rPr lang="en-US" altLang="ko-KR" sz="1000" dirty="0"/>
+              <a:t>N</a:t>
+            </a:r>
+            <a:endParaRPr lang="ko-KR" altLang="en-US" sz="1000" dirty="0"/>
+          </a:p>
+        </p:txBody>
+      </p:sp>
+      <p:cxnSp>
+        <p:nvCxnSpPr>
+          <p:cNvPr id="55" name="직선 연결선 54">
+            <a:extLst>
+              <a:ext uri="{FF2B5EF4-FFF2-40B4-BE49-F238E27FC236}">
+                <a16:creationId xmlns:a16="http://schemas.microsoft.com/office/drawing/2014/main" id="{6EE60A4E-596C-4457-959C-06DF5633E21F}"/>
+              </a:ext>
+            </a:extLst>
+          </p:cNvPr>
+          <p:cNvCxnSpPr>
+            <a:cxnSpLocks/>
+          </p:cNvCxnSpPr>
+          <p:nvPr/>
+        </p:nvCxnSpPr>
+        <p:spPr>
+          <a:xfrm>
+            <a:off x="3843593" y="1656635"/>
+            <a:ext cx="0" cy="339613"/>
+          </a:xfrm>
+          <a:prstGeom prst="line">
+            <a:avLst/>
+          </a:prstGeom>
+          <a:ln>
+            <a:solidFill>
+              <a:schemeClr val="accent2"/>
+            </a:solidFill>
+          </a:ln>
+        </p:spPr>
+        <p:style>
+          <a:lnRef idx="1">
+            <a:schemeClr val="accent1"/>
+          </a:lnRef>
+          <a:fillRef idx="0">
+            <a:schemeClr val="accent1"/>
+          </a:fillRef>
+          <a:effectRef idx="0">
+            <a:schemeClr val="accent1"/>
+          </a:effectRef>
+          <a:fontRef idx="minor">
+            <a:schemeClr val="tx1"/>
+          </a:fontRef>
+        </p:style>
+      </p:cxnSp>
+      <p:cxnSp>
+        <p:nvCxnSpPr>
+          <p:cNvPr id="59" name="직선 연결선 58">
+            <a:extLst>
+              <a:ext uri="{FF2B5EF4-FFF2-40B4-BE49-F238E27FC236}">
+                <a16:creationId xmlns:a16="http://schemas.microsoft.com/office/drawing/2014/main" id="{D96CDF30-F95E-4B3C-977F-5E992F8A3004}"/>
+              </a:ext>
+            </a:extLst>
+          </p:cNvPr>
+          <p:cNvCxnSpPr>
+            <a:cxnSpLocks/>
+          </p:cNvCxnSpPr>
+          <p:nvPr/>
+        </p:nvCxnSpPr>
+        <p:spPr>
+          <a:xfrm flipH="1">
+            <a:off x="3466029" y="1996248"/>
+            <a:ext cx="381000" cy="0"/>
+          </a:xfrm>
+          <a:prstGeom prst="line">
+            <a:avLst/>
+          </a:prstGeom>
+          <a:ln>
+            <a:solidFill>
+              <a:schemeClr val="accent2"/>
+            </a:solidFill>
+          </a:ln>
+        </p:spPr>
+        <p:style>
+          <a:lnRef idx="1">
+            <a:schemeClr val="accent1"/>
+          </a:lnRef>
+          <a:fillRef idx="0">
+            <a:schemeClr val="accent1"/>
+          </a:fillRef>
+          <a:effectRef idx="0">
+            <a:schemeClr val="accent1"/>
+          </a:effectRef>
+          <a:fontRef idx="minor">
+            <a:schemeClr val="tx1"/>
+          </a:fontRef>
+        </p:style>
+      </p:cxnSp>
+      <p:cxnSp>
+        <p:nvCxnSpPr>
+          <p:cNvPr id="63" name="직선 연결선 62">
+            <a:extLst>
+              <a:ext uri="{FF2B5EF4-FFF2-40B4-BE49-F238E27FC236}">
+                <a16:creationId xmlns:a16="http://schemas.microsoft.com/office/drawing/2014/main" id="{7B39EBF9-2710-4411-BD40-D284E84DD06A}"/>
+              </a:ext>
+            </a:extLst>
+          </p:cNvPr>
+          <p:cNvCxnSpPr>
+            <a:cxnSpLocks/>
+          </p:cNvCxnSpPr>
+          <p:nvPr/>
+        </p:nvCxnSpPr>
+        <p:spPr>
+          <a:xfrm flipH="1">
+            <a:off x="2602410" y="1656635"/>
+            <a:ext cx="1241183" cy="0"/>
+          </a:xfrm>
+          <a:prstGeom prst="line">
+            <a:avLst/>
+          </a:prstGeom>
+          <a:ln>
+            <a:solidFill>
+              <a:schemeClr val="accent2"/>
+            </a:solidFill>
+          </a:ln>
+        </p:spPr>
+        <p:style>
+          <a:lnRef idx="1">
+            <a:schemeClr val="accent1"/>
+          </a:lnRef>
+          <a:fillRef idx="0">
+            <a:schemeClr val="accent1"/>
+          </a:fillRef>
+          <a:effectRef idx="0">
+            <a:schemeClr val="accent1"/>
+          </a:effectRef>
+          <a:fontRef idx="minor">
+            <a:schemeClr val="tx1"/>
+          </a:fontRef>
+        </p:style>
+      </p:cxnSp>
+      <p:cxnSp>
+        <p:nvCxnSpPr>
+          <p:cNvPr id="67" name="직선 화살표 연결선 66">
+            <a:extLst>
+              <a:ext uri="{FF2B5EF4-FFF2-40B4-BE49-F238E27FC236}">
+                <a16:creationId xmlns:a16="http://schemas.microsoft.com/office/drawing/2014/main" id="{AA5C7355-B4A1-4D82-98A6-28A68C1C9400}"/>
+              </a:ext>
+            </a:extLst>
+          </p:cNvPr>
+          <p:cNvCxnSpPr>
+            <a:cxnSpLocks/>
+          </p:cNvCxnSpPr>
+          <p:nvPr/>
+        </p:nvCxnSpPr>
+        <p:spPr>
+          <a:xfrm>
+            <a:off x="2602410" y="1656635"/>
+            <a:ext cx="0" cy="227632"/>
+          </a:xfrm>
+          <a:prstGeom prst="straightConnector1">
+            <a:avLst/>
+          </a:prstGeom>
+          <a:ln>
+            <a:solidFill>
+              <a:schemeClr val="accent2"/>
+            </a:solidFill>
+            <a:tailEnd type="triangle"/>
+          </a:ln>
+        </p:spPr>
+        <p:style>
+          <a:lnRef idx="1">
+            <a:schemeClr val="accent1"/>
+          </a:lnRef>
+          <a:fillRef idx="0">
+            <a:schemeClr val="accent1"/>
+          </a:fillRef>
+          <a:effectRef idx="0">
+            <a:schemeClr val="accent1"/>
+          </a:effectRef>
+          <a:fontRef idx="minor">
+            <a:schemeClr val="tx1"/>
+          </a:fontRef>
+        </p:style>
+      </p:cxnSp>
+      <p:sp>
+        <p:nvSpPr>
+          <p:cNvPr id="77" name="직사각형 76">
+            <a:extLst>
+              <a:ext uri="{FF2B5EF4-FFF2-40B4-BE49-F238E27FC236}">
+                <a16:creationId xmlns:a16="http://schemas.microsoft.com/office/drawing/2014/main" id="{6E4F73D7-5448-43B3-9BD5-275D0E3ECCFA}"/>
+              </a:ext>
+            </a:extLst>
+          </p:cNvPr>
+          <p:cNvSpPr/>
+          <p:nvPr/>
+        </p:nvSpPr>
+        <p:spPr>
+          <a:xfrm>
+            <a:off x="1703512" y="1052736"/>
+            <a:ext cx="2297717" cy="1999049"/>
+          </a:xfrm>
+          <a:prstGeom prst="rect">
+            <a:avLst/>
+          </a:prstGeom>
+          <a:noFill/>
+          <a:ln w="6350">
+            <a:solidFill>
+              <a:schemeClr val="tx1"/>
+            </a:solidFill>
+          </a:ln>
+        </p:spPr>
+        <p:style>
+          <a:lnRef idx="2">
+            <a:schemeClr val="accent1">
+              <a:shade val="50000"/>
+            </a:schemeClr>
+          </a:lnRef>
+          <a:fillRef idx="1">
+            <a:schemeClr val="accent1"/>
+          </a:fillRef>
+          <a:effectRef idx="0">
+            <a:schemeClr val="accent1"/>
+          </a:effectRef>
+          <a:fontRef idx="minor">
+            <a:schemeClr val="lt1"/>
+          </a:fontRef>
+        </p:style>
+        <p:txBody>
+          <a:bodyPr rtlCol="0" anchor="ctr"/>
+          <a:lstStyle/>
+          <a:p>
+            <a:pPr algn="ctr"/>
+            <a:endParaRPr lang="ko-KR" altLang="en-US"/>
+          </a:p>
+        </p:txBody>
+      </p:sp>
+      <p:sp>
+        <p:nvSpPr>
+          <p:cNvPr id="79" name="TextBox 78">
+            <a:extLst>
+              <a:ext uri="{FF2B5EF4-FFF2-40B4-BE49-F238E27FC236}">
+                <a16:creationId xmlns:a16="http://schemas.microsoft.com/office/drawing/2014/main" id="{662F1BE2-831B-470B-B748-CE7512E64E9D}"/>
+              </a:ext>
+            </a:extLst>
+          </p:cNvPr>
+          <p:cNvSpPr txBox="1"/>
+          <p:nvPr/>
+        </p:nvSpPr>
+        <p:spPr>
+          <a:xfrm>
+            <a:off x="2128371" y="1180205"/>
+            <a:ext cx="1137711" cy="246221"/>
+          </a:xfrm>
+          <a:prstGeom prst="rect">
+            <a:avLst/>
+          </a:prstGeom>
+          <a:noFill/>
+        </p:spPr>
+        <p:txBody>
+          <a:bodyPr wrap="square" rtlCol="0">
+            <a:spAutoFit/>
+          </a:bodyPr>
+          <a:lstStyle/>
+          <a:p>
+            <a:pPr algn="ctr"/>
+            <a:r>
+              <a:rPr lang="en-US" altLang="ko-KR" sz="1000" dirty="0">
+                <a:latin typeface="Arial" panose="020B0604020202020204" pitchFamily="34" charset="0"/>
+                <a:cs typeface="Arial" panose="020B0604020202020204" pitchFamily="34" charset="0"/>
+              </a:rPr>
+              <a:t>UI Thread</a:t>
+            </a:r>
+          </a:p>
+        </p:txBody>
+      </p:sp>
+      <p:sp>
+        <p:nvSpPr>
+          <p:cNvPr id="83" name="사각형: 둥근 모서리 82">
+            <a:extLst>
+              <a:ext uri="{FF2B5EF4-FFF2-40B4-BE49-F238E27FC236}">
+                <a16:creationId xmlns:a16="http://schemas.microsoft.com/office/drawing/2014/main" id="{B388AF71-6FE9-41D2-AC83-7350044D500E}"/>
+              </a:ext>
+            </a:extLst>
+          </p:cNvPr>
+          <p:cNvSpPr/>
+          <p:nvPr/>
+        </p:nvSpPr>
+        <p:spPr>
+          <a:xfrm>
+            <a:off x="5953868" y="3758888"/>
+            <a:ext cx="1692188" cy="365125"/>
+          </a:xfrm>
+          <a:prstGeom prst="roundRect">
+            <a:avLst/>
+          </a:prstGeom>
+          <a:solidFill>
+            <a:schemeClr val="accent2">
+              <a:lumMod val="20000"/>
+              <a:lumOff val="80000"/>
+            </a:schemeClr>
+          </a:solidFill>
+          <a:ln>
+            <a:noFill/>
+          </a:ln>
+        </p:spPr>
+        <p:style>
+          <a:lnRef idx="2">
+            <a:schemeClr val="accent1">
+              <a:shade val="50000"/>
+            </a:schemeClr>
+          </a:lnRef>
+          <a:fillRef idx="1">
+            <a:schemeClr val="accent1"/>
+          </a:fillRef>
+          <a:effectRef idx="0">
+            <a:schemeClr val="accent1"/>
+          </a:effectRef>
+          <a:fontRef idx="minor">
+            <a:schemeClr val="lt1"/>
+          </a:fontRef>
+        </p:style>
+        <p:txBody>
+          <a:bodyPr rtlCol="0" anchor="ctr"/>
+          <a:lstStyle/>
+          <a:p>
+            <a:pPr algn="ctr"/>
+            <a:r>
+              <a:rPr lang="en-US" altLang="ko-KR" sz="1000" dirty="0">
+                <a:solidFill>
+                  <a:schemeClr val="tx1"/>
+                </a:solidFill>
+              </a:rPr>
+              <a:t>Queue Count &gt; 0</a:t>
+            </a:r>
+            <a:endParaRPr lang="ko-KR" altLang="en-US" sz="1000" dirty="0">
+              <a:solidFill>
+                <a:schemeClr val="tx1"/>
+              </a:solidFill>
+            </a:endParaRPr>
+          </a:p>
+        </p:txBody>
+      </p:sp>
+      <p:cxnSp>
+        <p:nvCxnSpPr>
+          <p:cNvPr id="85" name="직선 화살표 연결선 84">
+            <a:extLst>
+              <a:ext uri="{FF2B5EF4-FFF2-40B4-BE49-F238E27FC236}">
+                <a16:creationId xmlns:a16="http://schemas.microsoft.com/office/drawing/2014/main" id="{1CB0916A-0E24-431F-BC3A-8DACAC8474B5}"/>
+              </a:ext>
+            </a:extLst>
+          </p:cNvPr>
+          <p:cNvCxnSpPr>
+            <a:cxnSpLocks/>
+          </p:cNvCxnSpPr>
+          <p:nvPr/>
+        </p:nvCxnSpPr>
+        <p:spPr>
+          <a:xfrm>
+            <a:off x="6774518" y="4172714"/>
+            <a:ext cx="0" cy="227632"/>
+          </a:xfrm>
+          <a:prstGeom prst="straightConnector1">
+            <a:avLst/>
+          </a:prstGeom>
+          <a:ln>
+            <a:solidFill>
+              <a:schemeClr val="accent2"/>
+            </a:solidFill>
+            <a:tailEnd type="triangle"/>
+          </a:ln>
+        </p:spPr>
+        <p:style>
+          <a:lnRef idx="1">
+            <a:schemeClr val="accent1"/>
+          </a:lnRef>
+          <a:fillRef idx="0">
+            <a:schemeClr val="accent1"/>
+          </a:fillRef>
+          <a:effectRef idx="0">
+            <a:schemeClr val="accent1"/>
+          </a:effectRef>
+          <a:fontRef idx="minor">
+            <a:schemeClr val="tx1"/>
+          </a:fontRef>
+        </p:style>
+      </p:cxnSp>
+      <p:sp>
+        <p:nvSpPr>
+          <p:cNvPr id="87" name="사각형: 둥근 모서리 86">
+            <a:extLst>
+              <a:ext uri="{FF2B5EF4-FFF2-40B4-BE49-F238E27FC236}">
+                <a16:creationId xmlns:a16="http://schemas.microsoft.com/office/drawing/2014/main" id="{C3AB8427-350D-4886-AE12-127A88D08FB2}"/>
+              </a:ext>
+            </a:extLst>
+          </p:cNvPr>
+          <p:cNvSpPr/>
+          <p:nvPr/>
+        </p:nvSpPr>
+        <p:spPr>
+          <a:xfrm>
+            <a:off x="5962482" y="4480696"/>
+            <a:ext cx="1692188" cy="365125"/>
+          </a:xfrm>
+          <a:prstGeom prst="roundRect">
+            <a:avLst/>
+          </a:prstGeom>
+          <a:solidFill>
+            <a:schemeClr val="accent2">
+              <a:lumMod val="20000"/>
+              <a:lumOff val="80000"/>
+            </a:schemeClr>
+          </a:solidFill>
+          <a:ln>
+            <a:noFill/>
+          </a:ln>
+        </p:spPr>
+        <p:style>
+          <a:lnRef idx="2">
+            <a:schemeClr val="accent1">
+              <a:shade val="50000"/>
+            </a:schemeClr>
+          </a:lnRef>
+          <a:fillRef idx="1">
+            <a:schemeClr val="accent1"/>
+          </a:fillRef>
+          <a:effectRef idx="0">
+            <a:schemeClr val="accent1"/>
+          </a:effectRef>
+          <a:fontRef idx="minor">
+            <a:schemeClr val="lt1"/>
+          </a:fontRef>
+        </p:style>
+        <p:txBody>
+          <a:bodyPr rtlCol="0" anchor="ctr"/>
+          <a:lstStyle/>
+          <a:p>
+            <a:pPr algn="ctr"/>
+            <a:r>
+              <a:rPr lang="en-US" altLang="ko-KR" sz="1000" dirty="0">
+                <a:solidFill>
+                  <a:schemeClr val="tx1"/>
+                </a:solidFill>
+              </a:rPr>
+              <a:t>File </a:t>
+            </a:r>
+            <a:r>
+              <a:rPr lang="en-US" altLang="ko-KR" sz="1000" dirty="0" err="1">
+                <a:solidFill>
+                  <a:schemeClr val="tx1"/>
+                </a:solidFill>
+              </a:rPr>
+              <a:t>Wirte</a:t>
+            </a:r>
+            <a:endParaRPr lang="ko-KR" altLang="en-US" sz="1000" dirty="0">
+              <a:solidFill>
+                <a:schemeClr val="tx1"/>
+              </a:solidFill>
+            </a:endParaRPr>
+          </a:p>
+        </p:txBody>
+      </p:sp>
+      <p:sp>
+        <p:nvSpPr>
+          <p:cNvPr id="88" name="직사각형 87">
+            <a:extLst>
+              <a:ext uri="{FF2B5EF4-FFF2-40B4-BE49-F238E27FC236}">
+                <a16:creationId xmlns:a16="http://schemas.microsoft.com/office/drawing/2014/main" id="{B7D2E302-120C-4E5F-898A-B8B15D5A976C}"/>
+              </a:ext>
+            </a:extLst>
+          </p:cNvPr>
+          <p:cNvSpPr/>
+          <p:nvPr/>
+        </p:nvSpPr>
+        <p:spPr>
+          <a:xfrm>
+            <a:off x="5003805" y="1051742"/>
+            <a:ext cx="5587612" cy="4472455"/>
+          </a:xfrm>
+          <a:prstGeom prst="rect">
+            <a:avLst/>
+          </a:prstGeom>
+          <a:noFill/>
+          <a:ln w="6350">
+            <a:solidFill>
+              <a:schemeClr val="tx1"/>
+            </a:solidFill>
+          </a:ln>
+        </p:spPr>
+        <p:style>
+          <a:lnRef idx="2">
+            <a:schemeClr val="accent1">
+              <a:shade val="50000"/>
+            </a:schemeClr>
+          </a:lnRef>
+          <a:fillRef idx="1">
+            <a:schemeClr val="accent1"/>
+          </a:fillRef>
+          <a:effectRef idx="0">
+            <a:schemeClr val="accent1"/>
+          </a:effectRef>
+          <a:fontRef idx="minor">
+            <a:schemeClr val="lt1"/>
+          </a:fontRef>
+        </p:style>
+        <p:txBody>
+          <a:bodyPr rtlCol="0" anchor="ctr"/>
+          <a:lstStyle/>
+          <a:p>
+            <a:pPr algn="ctr"/>
+            <a:endParaRPr lang="ko-KR" altLang="en-US"/>
+          </a:p>
+        </p:txBody>
+      </p:sp>
+      <p:sp>
+        <p:nvSpPr>
+          <p:cNvPr id="89" name="TextBox 88">
+            <a:extLst>
+              <a:ext uri="{FF2B5EF4-FFF2-40B4-BE49-F238E27FC236}">
+                <a16:creationId xmlns:a16="http://schemas.microsoft.com/office/drawing/2014/main" id="{CAF7345A-005B-481F-9748-9B6B4CF620C4}"/>
+              </a:ext>
+            </a:extLst>
+          </p:cNvPr>
+          <p:cNvSpPr txBox="1"/>
+          <p:nvPr/>
+        </p:nvSpPr>
+        <p:spPr>
+          <a:xfrm>
+            <a:off x="6087148" y="1084039"/>
+            <a:ext cx="1263909" cy="246221"/>
+          </a:xfrm>
+          <a:prstGeom prst="rect">
+            <a:avLst/>
+          </a:prstGeom>
+          <a:noFill/>
+        </p:spPr>
+        <p:txBody>
+          <a:bodyPr wrap="square" rtlCol="0">
+            <a:spAutoFit/>
+          </a:bodyPr>
+          <a:lstStyle/>
+          <a:p>
+            <a:pPr algn="ctr"/>
+            <a:r>
+              <a:rPr lang="en-US" altLang="ko-KR" sz="1000" dirty="0">
+                <a:latin typeface="Arial" panose="020B0604020202020204" pitchFamily="34" charset="0"/>
+                <a:cs typeface="Arial" panose="020B0604020202020204" pitchFamily="34" charset="0"/>
+              </a:rPr>
+              <a:t>File Manager Loop</a:t>
+            </a:r>
+          </a:p>
+        </p:txBody>
+      </p:sp>
+      <p:sp>
+        <p:nvSpPr>
+          <p:cNvPr id="90" name="사각형: 둥근 모서리 89">
+            <a:extLst>
+              <a:ext uri="{FF2B5EF4-FFF2-40B4-BE49-F238E27FC236}">
+                <a16:creationId xmlns:a16="http://schemas.microsoft.com/office/drawing/2014/main" id="{1147E1F9-1AD4-4852-839E-FA40305E07B5}"/>
+              </a:ext>
+            </a:extLst>
+          </p:cNvPr>
+          <p:cNvSpPr/>
+          <p:nvPr/>
+        </p:nvSpPr>
+        <p:spPr>
+          <a:xfrm>
+            <a:off x="5909786" y="2407007"/>
+            <a:ext cx="1692188" cy="365125"/>
+          </a:xfrm>
+          <a:prstGeom prst="roundRect">
+            <a:avLst/>
+          </a:prstGeom>
+          <a:solidFill>
+            <a:schemeClr val="accent2">
+              <a:lumMod val="20000"/>
+              <a:lumOff val="80000"/>
+            </a:schemeClr>
+          </a:solidFill>
+          <a:ln>
+            <a:noFill/>
+          </a:ln>
+        </p:spPr>
+        <p:style>
+          <a:lnRef idx="2">
+            <a:schemeClr val="accent1">
+              <a:shade val="50000"/>
+            </a:schemeClr>
+          </a:lnRef>
+          <a:fillRef idx="1">
+            <a:schemeClr val="accent1"/>
+          </a:fillRef>
+          <a:effectRef idx="0">
+            <a:schemeClr val="accent1"/>
+          </a:effectRef>
+          <a:fontRef idx="minor">
+            <a:schemeClr val="lt1"/>
+          </a:fontRef>
+        </p:style>
+        <p:txBody>
+          <a:bodyPr rtlCol="0" anchor="ctr"/>
+          <a:lstStyle/>
+          <a:p>
+            <a:pPr algn="ctr"/>
+            <a:r>
+              <a:rPr lang="ko-KR" altLang="en-US" sz="1000" dirty="0">
+                <a:solidFill>
+                  <a:schemeClr val="tx1"/>
+                </a:solidFill>
+              </a:rPr>
+              <a:t>현재 시간 </a:t>
+            </a:r>
+            <a:r>
+              <a:rPr lang="en-US" altLang="ko-KR" sz="1000" dirty="0">
+                <a:solidFill>
+                  <a:schemeClr val="tx1"/>
+                </a:solidFill>
+              </a:rPr>
+              <a:t>== </a:t>
+            </a:r>
+            <a:r>
+              <a:rPr lang="ko-KR" altLang="en-US" sz="1000" dirty="0">
+                <a:solidFill>
+                  <a:schemeClr val="tx1"/>
+                </a:solidFill>
+              </a:rPr>
+              <a:t>정각 </a:t>
+            </a:r>
+            <a:r>
+              <a:rPr lang="en-US" altLang="ko-KR" sz="1000" dirty="0">
+                <a:solidFill>
+                  <a:schemeClr val="tx1"/>
+                </a:solidFill>
+              </a:rPr>
+              <a:t>?</a:t>
+            </a:r>
+            <a:endParaRPr lang="ko-KR" altLang="en-US" sz="1000" dirty="0">
+              <a:solidFill>
+                <a:schemeClr val="tx1"/>
+              </a:solidFill>
+            </a:endParaRPr>
+          </a:p>
+        </p:txBody>
+      </p:sp>
+      <p:cxnSp>
+        <p:nvCxnSpPr>
+          <p:cNvPr id="92" name="직선 화살표 연결선 91">
+            <a:extLst>
+              <a:ext uri="{FF2B5EF4-FFF2-40B4-BE49-F238E27FC236}">
+                <a16:creationId xmlns:a16="http://schemas.microsoft.com/office/drawing/2014/main" id="{8814BAB6-833A-4573-8A82-04B2B6BC1E15}"/>
+              </a:ext>
+            </a:extLst>
+          </p:cNvPr>
+          <p:cNvCxnSpPr>
+            <a:cxnSpLocks/>
+          </p:cNvCxnSpPr>
+          <p:nvPr/>
+        </p:nvCxnSpPr>
+        <p:spPr>
+          <a:xfrm>
+            <a:off x="2610943" y="2599761"/>
+            <a:ext cx="1045586" cy="1"/>
+          </a:xfrm>
+          <a:prstGeom prst="straightConnector1">
+            <a:avLst/>
+          </a:prstGeom>
+          <a:ln>
+            <a:solidFill>
+              <a:schemeClr val="accent2"/>
+            </a:solidFill>
+            <a:tailEnd type="triangle"/>
+          </a:ln>
+        </p:spPr>
+        <p:style>
+          <a:lnRef idx="1">
+            <a:schemeClr val="accent1"/>
+          </a:lnRef>
+          <a:fillRef idx="0">
+            <a:schemeClr val="accent1"/>
+          </a:fillRef>
+          <a:effectRef idx="0">
+            <a:schemeClr val="accent1"/>
+          </a:effectRef>
+          <a:fontRef idx="minor">
+            <a:schemeClr val="tx1"/>
+          </a:fontRef>
+        </p:style>
+      </p:cxnSp>
+      <p:cxnSp>
+        <p:nvCxnSpPr>
+          <p:cNvPr id="93" name="직선 연결선 92">
+            <a:extLst>
+              <a:ext uri="{FF2B5EF4-FFF2-40B4-BE49-F238E27FC236}">
+                <a16:creationId xmlns:a16="http://schemas.microsoft.com/office/drawing/2014/main" id="{D9A0D9BF-DFAF-40BA-9FF5-30C39E64942E}"/>
+              </a:ext>
+            </a:extLst>
+          </p:cNvPr>
+          <p:cNvCxnSpPr>
+            <a:cxnSpLocks/>
+          </p:cNvCxnSpPr>
+          <p:nvPr/>
+        </p:nvCxnSpPr>
+        <p:spPr>
+          <a:xfrm>
+            <a:off x="2602410" y="2192774"/>
+            <a:ext cx="0" cy="406987"/>
+          </a:xfrm>
+          <a:prstGeom prst="line">
+            <a:avLst/>
+          </a:prstGeom>
+          <a:ln>
+            <a:solidFill>
+              <a:schemeClr val="accent2"/>
+            </a:solidFill>
+          </a:ln>
+        </p:spPr>
+        <p:style>
+          <a:lnRef idx="1">
+            <a:schemeClr val="accent1"/>
+          </a:lnRef>
+          <a:fillRef idx="0">
+            <a:schemeClr val="accent1"/>
+          </a:fillRef>
+          <a:effectRef idx="0">
+            <a:schemeClr val="accent1"/>
+          </a:effectRef>
+          <a:fontRef idx="minor">
+            <a:schemeClr val="tx1"/>
+          </a:fontRef>
+        </p:style>
+      </p:cxnSp>
+      <p:cxnSp>
+        <p:nvCxnSpPr>
+          <p:cNvPr id="95" name="직선 화살표 연결선 94">
+            <a:extLst>
+              <a:ext uri="{FF2B5EF4-FFF2-40B4-BE49-F238E27FC236}">
+                <a16:creationId xmlns:a16="http://schemas.microsoft.com/office/drawing/2014/main" id="{8F4963BB-70A3-43E6-BDEB-6312309B7EEA}"/>
+              </a:ext>
+            </a:extLst>
+          </p:cNvPr>
+          <p:cNvCxnSpPr>
+            <a:cxnSpLocks/>
+          </p:cNvCxnSpPr>
+          <p:nvPr/>
+        </p:nvCxnSpPr>
+        <p:spPr>
+          <a:xfrm>
+            <a:off x="6761708" y="2772132"/>
+            <a:ext cx="0" cy="227632"/>
+          </a:xfrm>
+          <a:prstGeom prst="straightConnector1">
+            <a:avLst/>
+          </a:prstGeom>
+          <a:ln>
+            <a:solidFill>
+              <a:schemeClr val="accent2"/>
+            </a:solidFill>
+            <a:tailEnd type="triangle"/>
+          </a:ln>
+        </p:spPr>
+        <p:style>
+          <a:lnRef idx="1">
+            <a:schemeClr val="accent1"/>
+          </a:lnRef>
+          <a:fillRef idx="0">
+            <a:schemeClr val="accent1"/>
+          </a:fillRef>
+          <a:effectRef idx="0">
+            <a:schemeClr val="accent1"/>
+          </a:effectRef>
+          <a:fontRef idx="minor">
+            <a:schemeClr val="tx1"/>
+          </a:fontRef>
+        </p:style>
+      </p:cxnSp>
+      <p:sp>
+        <p:nvSpPr>
+          <p:cNvPr id="96" name="사각형: 둥근 모서리 95">
+            <a:extLst>
+              <a:ext uri="{FF2B5EF4-FFF2-40B4-BE49-F238E27FC236}">
+                <a16:creationId xmlns:a16="http://schemas.microsoft.com/office/drawing/2014/main" id="{81E867D0-540B-406A-B0F6-9E7494F3E9CE}"/>
+              </a:ext>
+            </a:extLst>
+          </p:cNvPr>
+          <p:cNvSpPr/>
+          <p:nvPr/>
+        </p:nvSpPr>
+        <p:spPr>
+          <a:xfrm>
+            <a:off x="5909786" y="3051785"/>
+            <a:ext cx="1692188" cy="365125"/>
+          </a:xfrm>
+          <a:prstGeom prst="roundRect">
+            <a:avLst/>
+          </a:prstGeom>
+          <a:solidFill>
+            <a:schemeClr val="accent2">
+              <a:lumMod val="20000"/>
+              <a:lumOff val="80000"/>
+            </a:schemeClr>
+          </a:solidFill>
+          <a:ln>
+            <a:noFill/>
+          </a:ln>
+        </p:spPr>
+        <p:style>
+          <a:lnRef idx="2">
+            <a:schemeClr val="accent1">
+              <a:shade val="50000"/>
+            </a:schemeClr>
+          </a:lnRef>
+          <a:fillRef idx="1">
+            <a:schemeClr val="accent1"/>
+          </a:fillRef>
+          <a:effectRef idx="0">
+            <a:schemeClr val="accent1"/>
+          </a:effectRef>
+          <a:fontRef idx="minor">
+            <a:schemeClr val="lt1"/>
+          </a:fontRef>
+        </p:style>
+        <p:txBody>
+          <a:bodyPr rtlCol="0" anchor="ctr"/>
+          <a:lstStyle/>
+          <a:p>
+            <a:pPr algn="ctr"/>
+            <a:r>
+              <a:rPr lang="en-US" altLang="ko-KR" sz="1000" dirty="0">
+                <a:solidFill>
+                  <a:schemeClr val="tx1"/>
+                </a:solidFill>
+              </a:rPr>
+              <a:t>File</a:t>
+            </a:r>
+            <a:r>
+              <a:rPr lang="ko-KR" altLang="en-US" sz="1000" dirty="0">
+                <a:solidFill>
+                  <a:schemeClr val="tx1"/>
+                </a:solidFill>
+              </a:rPr>
+              <a:t> </a:t>
+            </a:r>
+            <a:r>
+              <a:rPr lang="en-US" altLang="ko-KR" sz="1000" dirty="0">
+                <a:solidFill>
+                  <a:schemeClr val="tx1"/>
+                </a:solidFill>
+              </a:rPr>
+              <a:t>Open</a:t>
+            </a:r>
+            <a:endParaRPr lang="ko-KR" altLang="en-US" sz="1000" dirty="0">
+              <a:solidFill>
+                <a:schemeClr val="tx1"/>
+              </a:solidFill>
+            </a:endParaRPr>
+          </a:p>
+        </p:txBody>
+      </p:sp>
+      <p:sp>
+        <p:nvSpPr>
+          <p:cNvPr id="97" name="TextBox 96">
+            <a:extLst>
+              <a:ext uri="{FF2B5EF4-FFF2-40B4-BE49-F238E27FC236}">
+                <a16:creationId xmlns:a16="http://schemas.microsoft.com/office/drawing/2014/main" id="{96D04ECF-1BA8-4E00-A1EF-DE4C672A7139}"/>
+              </a:ext>
+            </a:extLst>
+          </p:cNvPr>
+          <p:cNvSpPr txBox="1"/>
+          <p:nvPr/>
+        </p:nvSpPr>
+        <p:spPr>
+          <a:xfrm>
+            <a:off x="7660775" y="2314781"/>
+            <a:ext cx="360040" cy="246221"/>
+          </a:xfrm>
+          <a:prstGeom prst="rect">
+            <a:avLst/>
+          </a:prstGeom>
+          <a:noFill/>
+        </p:spPr>
+        <p:txBody>
+          <a:bodyPr wrap="square" rtlCol="0">
+            <a:spAutoFit/>
+          </a:bodyPr>
+          <a:lstStyle/>
+          <a:p>
+            <a:pPr algn="ctr"/>
+            <a:r>
+              <a:rPr lang="en-US" altLang="ko-KR" sz="1000" dirty="0"/>
+              <a:t>Y</a:t>
+            </a:r>
+            <a:endParaRPr lang="ko-KR" altLang="en-US" sz="1000" dirty="0"/>
+          </a:p>
+        </p:txBody>
+      </p:sp>
+      <p:sp>
+        <p:nvSpPr>
+          <p:cNvPr id="98" name="TextBox 97">
+            <a:extLst>
+              <a:ext uri="{FF2B5EF4-FFF2-40B4-BE49-F238E27FC236}">
+                <a16:creationId xmlns:a16="http://schemas.microsoft.com/office/drawing/2014/main" id="{B197199C-A84F-4179-9163-FA1534850C1F}"/>
+              </a:ext>
+            </a:extLst>
+          </p:cNvPr>
+          <p:cNvSpPr txBox="1"/>
+          <p:nvPr/>
+        </p:nvSpPr>
+        <p:spPr>
+          <a:xfrm>
+            <a:off x="6724931" y="2762837"/>
+            <a:ext cx="360040" cy="246221"/>
+          </a:xfrm>
+          <a:prstGeom prst="rect">
+            <a:avLst/>
+          </a:prstGeom>
+          <a:noFill/>
+        </p:spPr>
+        <p:txBody>
+          <a:bodyPr wrap="square" rtlCol="0">
+            <a:spAutoFit/>
+          </a:bodyPr>
+          <a:lstStyle/>
+          <a:p>
+            <a:pPr algn="ctr"/>
+            <a:r>
+              <a:rPr lang="en-US" altLang="ko-KR" sz="1000" dirty="0"/>
+              <a:t>N</a:t>
+            </a:r>
+            <a:endParaRPr lang="ko-KR" altLang="en-US" sz="1000" dirty="0"/>
+          </a:p>
+        </p:txBody>
+      </p:sp>
+      <p:sp>
+        <p:nvSpPr>
+          <p:cNvPr id="99" name="사각형: 둥근 모서리 98">
+            <a:extLst>
+              <a:ext uri="{FF2B5EF4-FFF2-40B4-BE49-F238E27FC236}">
+                <a16:creationId xmlns:a16="http://schemas.microsoft.com/office/drawing/2014/main" id="{641A43CC-EFA6-4C06-9546-874EAA5900FF}"/>
+              </a:ext>
+            </a:extLst>
+          </p:cNvPr>
+          <p:cNvSpPr/>
+          <p:nvPr/>
+        </p:nvSpPr>
+        <p:spPr>
+          <a:xfrm>
+            <a:off x="8172807" y="2407007"/>
+            <a:ext cx="1692188" cy="365125"/>
+          </a:xfrm>
+          <a:prstGeom prst="roundRect">
+            <a:avLst/>
+          </a:prstGeom>
+          <a:solidFill>
+            <a:schemeClr val="accent2">
+              <a:lumMod val="20000"/>
+              <a:lumOff val="80000"/>
+            </a:schemeClr>
+          </a:solidFill>
+          <a:ln>
+            <a:noFill/>
+          </a:ln>
+        </p:spPr>
+        <p:style>
+          <a:lnRef idx="2">
+            <a:schemeClr val="accent1">
+              <a:shade val="50000"/>
+            </a:schemeClr>
+          </a:lnRef>
+          <a:fillRef idx="1">
+            <a:schemeClr val="accent1"/>
+          </a:fillRef>
+          <a:effectRef idx="0">
+            <a:schemeClr val="accent1"/>
+          </a:effectRef>
+          <a:fontRef idx="minor">
+            <a:schemeClr val="lt1"/>
+          </a:fontRef>
+        </p:style>
+        <p:txBody>
+          <a:bodyPr rtlCol="0" anchor="ctr"/>
+          <a:lstStyle/>
+          <a:p>
+            <a:pPr algn="ctr"/>
+            <a:r>
+              <a:rPr lang="en-US" altLang="ko-KR" sz="1000" dirty="0">
+                <a:solidFill>
+                  <a:schemeClr val="tx1"/>
+                </a:solidFill>
+              </a:rPr>
+              <a:t>Create</a:t>
+            </a:r>
+            <a:r>
+              <a:rPr lang="ko-KR" altLang="en-US" sz="1000" dirty="0">
+                <a:solidFill>
+                  <a:schemeClr val="tx1"/>
+                </a:solidFill>
+              </a:rPr>
+              <a:t> </a:t>
+            </a:r>
+            <a:r>
+              <a:rPr lang="en-US" altLang="ko-KR" sz="1000" dirty="0">
+                <a:solidFill>
+                  <a:schemeClr val="tx1"/>
+                </a:solidFill>
+              </a:rPr>
+              <a:t>File</a:t>
+            </a:r>
+            <a:endParaRPr lang="ko-KR" altLang="en-US" sz="1000" dirty="0">
+              <a:solidFill>
+                <a:schemeClr val="tx1"/>
+              </a:solidFill>
+            </a:endParaRPr>
+          </a:p>
+        </p:txBody>
+      </p:sp>
+      <p:cxnSp>
+        <p:nvCxnSpPr>
+          <p:cNvPr id="101" name="직선 화살표 연결선 100">
+            <a:extLst>
+              <a:ext uri="{FF2B5EF4-FFF2-40B4-BE49-F238E27FC236}">
+                <a16:creationId xmlns:a16="http://schemas.microsoft.com/office/drawing/2014/main" id="{95C67B2C-D715-4DFD-8A44-E7DEC3524890}"/>
+              </a:ext>
+            </a:extLst>
+          </p:cNvPr>
+          <p:cNvCxnSpPr>
+            <a:cxnSpLocks/>
+          </p:cNvCxnSpPr>
+          <p:nvPr/>
+        </p:nvCxnSpPr>
+        <p:spPr>
+          <a:xfrm>
+            <a:off x="7601974" y="2589568"/>
+            <a:ext cx="536463" cy="0"/>
+          </a:xfrm>
+          <a:prstGeom prst="straightConnector1">
+            <a:avLst/>
+          </a:prstGeom>
+          <a:ln>
+            <a:solidFill>
+              <a:schemeClr val="accent2"/>
+            </a:solidFill>
+            <a:tailEnd type="triangle"/>
+          </a:ln>
+        </p:spPr>
+        <p:style>
+          <a:lnRef idx="1">
+            <a:schemeClr val="accent1"/>
+          </a:lnRef>
+          <a:fillRef idx="0">
+            <a:schemeClr val="accent1"/>
+          </a:fillRef>
+          <a:effectRef idx="0">
+            <a:schemeClr val="accent1"/>
+          </a:effectRef>
+          <a:fontRef idx="minor">
+            <a:schemeClr val="tx1"/>
+          </a:fontRef>
+        </p:style>
+      </p:cxnSp>
+      <p:cxnSp>
+        <p:nvCxnSpPr>
+          <p:cNvPr id="102" name="직선 화살표 연결선 101">
+            <a:extLst>
+              <a:ext uri="{FF2B5EF4-FFF2-40B4-BE49-F238E27FC236}">
+                <a16:creationId xmlns:a16="http://schemas.microsoft.com/office/drawing/2014/main" id="{0C35B1B0-80BD-4645-B499-897CF19BC9FE}"/>
+              </a:ext>
+            </a:extLst>
+          </p:cNvPr>
+          <p:cNvCxnSpPr>
+            <a:cxnSpLocks/>
+          </p:cNvCxnSpPr>
+          <p:nvPr/>
+        </p:nvCxnSpPr>
+        <p:spPr>
+          <a:xfrm>
+            <a:off x="6754274" y="3452634"/>
+            <a:ext cx="0" cy="227632"/>
+          </a:xfrm>
+          <a:prstGeom prst="straightConnector1">
+            <a:avLst/>
+          </a:prstGeom>
+          <a:ln>
+            <a:solidFill>
+              <a:schemeClr val="accent2"/>
+            </a:solidFill>
+            <a:tailEnd type="triangle"/>
+          </a:ln>
+        </p:spPr>
+        <p:style>
+          <a:lnRef idx="1">
+            <a:schemeClr val="accent1"/>
+          </a:lnRef>
+          <a:fillRef idx="0">
+            <a:schemeClr val="accent1"/>
+          </a:fillRef>
+          <a:effectRef idx="0">
+            <a:schemeClr val="accent1"/>
+          </a:effectRef>
+          <a:fontRef idx="minor">
+            <a:schemeClr val="tx1"/>
+          </a:fontRef>
+        </p:style>
+      </p:cxnSp>
+      <p:cxnSp>
+        <p:nvCxnSpPr>
+          <p:cNvPr id="103" name="직선 연결선 102">
+            <a:extLst>
+              <a:ext uri="{FF2B5EF4-FFF2-40B4-BE49-F238E27FC236}">
+                <a16:creationId xmlns:a16="http://schemas.microsoft.com/office/drawing/2014/main" id="{B072C40D-F64F-43BA-B0E4-364A39A0C8DF}"/>
+              </a:ext>
+            </a:extLst>
+          </p:cNvPr>
+          <p:cNvCxnSpPr>
+            <a:cxnSpLocks/>
+          </p:cNvCxnSpPr>
+          <p:nvPr/>
+        </p:nvCxnSpPr>
+        <p:spPr>
+          <a:xfrm>
+            <a:off x="9015465" y="2752981"/>
+            <a:ext cx="3436" cy="481366"/>
+          </a:xfrm>
+          <a:prstGeom prst="line">
+            <a:avLst/>
+          </a:prstGeom>
+          <a:ln>
+            <a:solidFill>
+              <a:schemeClr val="accent2"/>
+            </a:solidFill>
+          </a:ln>
+        </p:spPr>
+        <p:style>
+          <a:lnRef idx="1">
+            <a:schemeClr val="accent1"/>
+          </a:lnRef>
+          <a:fillRef idx="0">
+            <a:schemeClr val="accent1"/>
+          </a:fillRef>
+          <a:effectRef idx="0">
+            <a:schemeClr val="accent1"/>
+          </a:effectRef>
+          <a:fontRef idx="minor">
+            <a:schemeClr val="tx1"/>
+          </a:fontRef>
+        </p:style>
+      </p:cxnSp>
+      <p:cxnSp>
+        <p:nvCxnSpPr>
+          <p:cNvPr id="105" name="직선 화살표 연결선 104">
+            <a:extLst>
+              <a:ext uri="{FF2B5EF4-FFF2-40B4-BE49-F238E27FC236}">
+                <a16:creationId xmlns:a16="http://schemas.microsoft.com/office/drawing/2014/main" id="{FBFE5DFC-5E88-4868-81BD-EA6333D63360}"/>
+              </a:ext>
+            </a:extLst>
+          </p:cNvPr>
+          <p:cNvCxnSpPr>
+            <a:cxnSpLocks/>
+          </p:cNvCxnSpPr>
+          <p:nvPr/>
+        </p:nvCxnSpPr>
+        <p:spPr>
+          <a:xfrm flipH="1">
+            <a:off x="7668957" y="3234347"/>
+            <a:ext cx="1354690" cy="0"/>
+          </a:xfrm>
+          <a:prstGeom prst="straightConnector1">
+            <a:avLst/>
+          </a:prstGeom>
+          <a:ln>
+            <a:solidFill>
+              <a:schemeClr val="accent2"/>
+            </a:solidFill>
+            <a:tailEnd type="triangle"/>
+          </a:ln>
+        </p:spPr>
+        <p:style>
+          <a:lnRef idx="1">
+            <a:schemeClr val="accent1"/>
+          </a:lnRef>
+          <a:fillRef idx="0">
+            <a:schemeClr val="accent1"/>
+          </a:fillRef>
+          <a:effectRef idx="0">
+            <a:schemeClr val="accent1"/>
+          </a:effectRef>
+          <a:fontRef idx="minor">
+            <a:schemeClr val="tx1"/>
+          </a:fontRef>
+        </p:style>
+      </p:cxnSp>
+      <p:cxnSp>
+        <p:nvCxnSpPr>
+          <p:cNvPr id="106" name="직선 연결선 105">
+            <a:extLst>
+              <a:ext uri="{FF2B5EF4-FFF2-40B4-BE49-F238E27FC236}">
+                <a16:creationId xmlns:a16="http://schemas.microsoft.com/office/drawing/2014/main" id="{1F330F16-6700-4AD2-B9C5-8F4646E0F938}"/>
+              </a:ext>
+            </a:extLst>
+          </p:cNvPr>
+          <p:cNvCxnSpPr>
+            <a:cxnSpLocks/>
+          </p:cNvCxnSpPr>
+          <p:nvPr/>
+        </p:nvCxnSpPr>
+        <p:spPr>
+          <a:xfrm>
+            <a:off x="6788876" y="4845821"/>
+            <a:ext cx="0" cy="339613"/>
+          </a:xfrm>
+          <a:prstGeom prst="line">
+            <a:avLst/>
+          </a:prstGeom>
+          <a:ln>
+            <a:solidFill>
+              <a:schemeClr val="accent2"/>
+            </a:solidFill>
+          </a:ln>
+        </p:spPr>
+        <p:style>
+          <a:lnRef idx="1">
+            <a:schemeClr val="accent1"/>
+          </a:lnRef>
+          <a:fillRef idx="0">
+            <a:schemeClr val="accent1"/>
+          </a:fillRef>
+          <a:effectRef idx="0">
+            <a:schemeClr val="accent1"/>
+          </a:effectRef>
+          <a:fontRef idx="minor">
+            <a:schemeClr val="tx1"/>
+          </a:fontRef>
+        </p:style>
+      </p:cxnSp>
+      <p:cxnSp>
+        <p:nvCxnSpPr>
+          <p:cNvPr id="107" name="직선 연결선 106">
+            <a:extLst>
+              <a:ext uri="{FF2B5EF4-FFF2-40B4-BE49-F238E27FC236}">
+                <a16:creationId xmlns:a16="http://schemas.microsoft.com/office/drawing/2014/main" id="{DDE41535-83F5-4D6A-AB74-B08D33D0A4C4}"/>
+              </a:ext>
+            </a:extLst>
+          </p:cNvPr>
+          <p:cNvCxnSpPr>
+            <a:cxnSpLocks/>
+          </p:cNvCxnSpPr>
+          <p:nvPr/>
+        </p:nvCxnSpPr>
+        <p:spPr>
+          <a:xfrm flipH="1">
+            <a:off x="6788877" y="5185434"/>
+            <a:ext cx="3514508" cy="0"/>
+          </a:xfrm>
+          <a:prstGeom prst="line">
+            <a:avLst/>
+          </a:prstGeom>
+          <a:ln>
+            <a:solidFill>
+              <a:schemeClr val="accent2"/>
+            </a:solidFill>
+          </a:ln>
+        </p:spPr>
+        <p:style>
+          <a:lnRef idx="1">
+            <a:schemeClr val="accent1"/>
+          </a:lnRef>
+          <a:fillRef idx="0">
+            <a:schemeClr val="accent1"/>
+          </a:fillRef>
+          <a:effectRef idx="0">
+            <a:schemeClr val="accent1"/>
+          </a:effectRef>
+          <a:fontRef idx="minor">
+            <a:schemeClr val="tx1"/>
+          </a:fontRef>
+        </p:style>
+      </p:cxnSp>
+      <p:cxnSp>
+        <p:nvCxnSpPr>
+          <p:cNvPr id="108" name="직선 연결선 107">
+            <a:extLst>
+              <a:ext uri="{FF2B5EF4-FFF2-40B4-BE49-F238E27FC236}">
+                <a16:creationId xmlns:a16="http://schemas.microsoft.com/office/drawing/2014/main" id="{7F492A51-410F-418E-AE23-8B00392B22EC}"/>
+              </a:ext>
+            </a:extLst>
+          </p:cNvPr>
+          <p:cNvCxnSpPr>
+            <a:cxnSpLocks/>
+          </p:cNvCxnSpPr>
+          <p:nvPr/>
+        </p:nvCxnSpPr>
+        <p:spPr>
+          <a:xfrm>
+            <a:off x="10268782" y="2166135"/>
+            <a:ext cx="34603" cy="3019299"/>
+          </a:xfrm>
+          <a:prstGeom prst="line">
+            <a:avLst/>
+          </a:prstGeom>
+          <a:ln>
+            <a:solidFill>
+              <a:schemeClr val="accent2"/>
+            </a:solidFill>
+          </a:ln>
+        </p:spPr>
+        <p:style>
+          <a:lnRef idx="1">
+            <a:schemeClr val="accent1"/>
+          </a:lnRef>
+          <a:fillRef idx="0">
+            <a:schemeClr val="accent1"/>
+          </a:fillRef>
+          <a:effectRef idx="0">
+            <a:schemeClr val="accent1"/>
+          </a:effectRef>
+          <a:fontRef idx="minor">
+            <a:schemeClr val="tx1"/>
+          </a:fontRef>
+        </p:style>
+      </p:cxnSp>
+      <p:cxnSp>
+        <p:nvCxnSpPr>
+          <p:cNvPr id="109" name="직선 연결선 108">
+            <a:extLst>
+              <a:ext uri="{FF2B5EF4-FFF2-40B4-BE49-F238E27FC236}">
+                <a16:creationId xmlns:a16="http://schemas.microsoft.com/office/drawing/2014/main" id="{08682247-C93A-4B4F-A112-5C1BBA3BC20C}"/>
+              </a:ext>
+            </a:extLst>
+          </p:cNvPr>
+          <p:cNvCxnSpPr>
+            <a:cxnSpLocks/>
+          </p:cNvCxnSpPr>
+          <p:nvPr/>
+        </p:nvCxnSpPr>
+        <p:spPr>
+          <a:xfrm flipH="1">
+            <a:off x="6754274" y="2166135"/>
+            <a:ext cx="3514508" cy="0"/>
+          </a:xfrm>
+          <a:prstGeom prst="line">
+            <a:avLst/>
+          </a:prstGeom>
+          <a:ln>
+            <a:solidFill>
+              <a:schemeClr val="accent2"/>
+            </a:solidFill>
+          </a:ln>
+        </p:spPr>
+        <p:style>
+          <a:lnRef idx="1">
+            <a:schemeClr val="accent1"/>
+          </a:lnRef>
+          <a:fillRef idx="0">
+            <a:schemeClr val="accent1"/>
+          </a:fillRef>
+          <a:effectRef idx="0">
+            <a:schemeClr val="accent1"/>
+          </a:effectRef>
+          <a:fontRef idx="minor">
+            <a:schemeClr val="tx1"/>
+          </a:fontRef>
+        </p:style>
+      </p:cxnSp>
+      <p:cxnSp>
+        <p:nvCxnSpPr>
+          <p:cNvPr id="110" name="직선 화살표 연결선 109">
+            <a:extLst>
+              <a:ext uri="{FF2B5EF4-FFF2-40B4-BE49-F238E27FC236}">
+                <a16:creationId xmlns:a16="http://schemas.microsoft.com/office/drawing/2014/main" id="{353DF960-C751-4589-B8F2-25862F32D750}"/>
+              </a:ext>
+            </a:extLst>
+          </p:cNvPr>
+          <p:cNvCxnSpPr>
+            <a:cxnSpLocks/>
+          </p:cNvCxnSpPr>
+          <p:nvPr/>
+        </p:nvCxnSpPr>
+        <p:spPr>
+          <a:xfrm>
+            <a:off x="6754274" y="2166135"/>
+            <a:ext cx="0" cy="227632"/>
+          </a:xfrm>
+          <a:prstGeom prst="straightConnector1">
+            <a:avLst/>
+          </a:prstGeom>
+          <a:ln>
+            <a:solidFill>
+              <a:schemeClr val="accent2"/>
+            </a:solidFill>
+            <a:tailEnd type="triangle"/>
+          </a:ln>
+        </p:spPr>
+        <p:style>
+          <a:lnRef idx="1">
+            <a:schemeClr val="accent1"/>
+          </a:lnRef>
+          <a:fillRef idx="0">
+            <a:schemeClr val="accent1"/>
+          </a:fillRef>
+          <a:effectRef idx="0">
+            <a:schemeClr val="accent1"/>
+          </a:effectRef>
+          <a:fontRef idx="minor">
+            <a:schemeClr val="tx1"/>
+          </a:fontRef>
+        </p:style>
+      </p:cxnSp>
+      <p:sp>
+        <p:nvSpPr>
+          <p:cNvPr id="111" name="TextBox 110">
+            <a:extLst>
+              <a:ext uri="{FF2B5EF4-FFF2-40B4-BE49-F238E27FC236}">
+                <a16:creationId xmlns:a16="http://schemas.microsoft.com/office/drawing/2014/main" id="{2A03538D-B39B-47C5-90E6-7083B776FE1F}"/>
+              </a:ext>
+            </a:extLst>
+          </p:cNvPr>
+          <p:cNvSpPr txBox="1"/>
+          <p:nvPr/>
+        </p:nvSpPr>
+        <p:spPr>
+          <a:xfrm>
+            <a:off x="633342" y="3824000"/>
+            <a:ext cx="3938136" cy="861774"/>
+          </a:xfrm>
+          <a:prstGeom prst="rect">
+            <a:avLst/>
+          </a:prstGeom>
+          <a:noFill/>
+        </p:spPr>
+        <p:txBody>
+          <a:bodyPr wrap="square" rtlCol="0">
+            <a:spAutoFit/>
+          </a:bodyPr>
+          <a:lstStyle/>
+          <a:p>
+            <a:r>
+              <a:rPr lang="ko-KR" altLang="en-US" sz="1000" dirty="0">
+                <a:latin typeface="Arial" panose="020B0604020202020204" pitchFamily="34" charset="0"/>
+                <a:cs typeface="Arial" panose="020B0604020202020204" pitchFamily="34" charset="0"/>
+              </a:rPr>
+              <a:t>경로 예시 </a:t>
+            </a:r>
+            <a:r>
+              <a:rPr lang="en-US" altLang="ko-KR" sz="1000" dirty="0">
+                <a:latin typeface="Arial" panose="020B0604020202020204" pitchFamily="34" charset="0"/>
+                <a:cs typeface="Arial" panose="020B0604020202020204" pitchFamily="34" charset="0"/>
+              </a:rPr>
+              <a:t>: Log File Folder // 2024.03.11 // 16</a:t>
+            </a:r>
+            <a:r>
+              <a:rPr lang="ko-KR" altLang="en-US" sz="1000" dirty="0">
+                <a:latin typeface="Arial" panose="020B0604020202020204" pitchFamily="34" charset="0"/>
+                <a:cs typeface="Arial" panose="020B0604020202020204" pitchFamily="34" charset="0"/>
+              </a:rPr>
+              <a:t>시</a:t>
+            </a:r>
+            <a:r>
+              <a:rPr lang="en-US" altLang="ko-KR" sz="1000" dirty="0">
+                <a:latin typeface="Arial" panose="020B0604020202020204" pitchFamily="34" charset="0"/>
+                <a:cs typeface="Arial" panose="020B0604020202020204" pitchFamily="34" charset="0"/>
+              </a:rPr>
+              <a:t>_Log_File.log</a:t>
+            </a:r>
+          </a:p>
+          <a:p>
+            <a:endParaRPr lang="en-US" altLang="ko-KR" sz="1000" dirty="0">
+              <a:latin typeface="Arial" panose="020B0604020202020204" pitchFamily="34" charset="0"/>
+              <a:cs typeface="Arial" panose="020B0604020202020204" pitchFamily="34" charset="0"/>
+            </a:endParaRPr>
+          </a:p>
+          <a:p>
+            <a:r>
+              <a:rPr lang="en-US" altLang="ko-KR" sz="1000" dirty="0" err="1">
+                <a:latin typeface="Arial" panose="020B0604020202020204" pitchFamily="34" charset="0"/>
+                <a:cs typeface="Arial" panose="020B0604020202020204" pitchFamily="34" charset="0"/>
+              </a:rPr>
+              <a:t>ConcurrentQueue</a:t>
+            </a:r>
+            <a:r>
+              <a:rPr lang="ko-KR" altLang="en-US" sz="1000" dirty="0">
+                <a:latin typeface="Arial" panose="020B0604020202020204" pitchFamily="34" charset="0"/>
+                <a:cs typeface="Arial" panose="020B0604020202020204" pitchFamily="34" charset="0"/>
+              </a:rPr>
+              <a:t>를 사용하여 </a:t>
+            </a:r>
+            <a:r>
+              <a:rPr lang="en-US" altLang="ko-KR" sz="1000" dirty="0">
+                <a:latin typeface="Arial" panose="020B0604020202020204" pitchFamily="34" charset="0"/>
+                <a:cs typeface="Arial" panose="020B0604020202020204" pitchFamily="34" charset="0"/>
+              </a:rPr>
+              <a:t>Thread free</a:t>
+            </a:r>
+          </a:p>
+          <a:p>
+            <a:endParaRPr lang="en-US" altLang="ko-KR" sz="1000" dirty="0">
+              <a:latin typeface="Arial" panose="020B0604020202020204" pitchFamily="34" charset="0"/>
+              <a:cs typeface="Arial" panose="020B0604020202020204" pitchFamily="34" charset="0"/>
+            </a:endParaRPr>
+          </a:p>
+          <a:p>
+            <a:r>
+              <a:rPr lang="ko-KR" altLang="en-US" sz="1000" dirty="0">
+                <a:latin typeface="Arial" panose="020B0604020202020204" pitchFamily="34" charset="0"/>
+                <a:cs typeface="Arial" panose="020B0604020202020204" pitchFamily="34" charset="0"/>
+              </a:rPr>
+              <a:t>정각 마다 새로운 파일 생성 후 해당 파일에 </a:t>
+            </a:r>
+            <a:r>
+              <a:rPr lang="en-US" altLang="ko-KR" sz="1000" dirty="0">
+                <a:latin typeface="Arial" panose="020B0604020202020204" pitchFamily="34" charset="0"/>
+                <a:cs typeface="Arial" panose="020B0604020202020204" pitchFamily="34" charset="0"/>
+              </a:rPr>
+              <a:t>Log </a:t>
+            </a:r>
+            <a:r>
+              <a:rPr lang="ko-KR" altLang="en-US" sz="1000" dirty="0">
+                <a:latin typeface="Arial" panose="020B0604020202020204" pitchFamily="34" charset="0"/>
+                <a:cs typeface="Arial" panose="020B0604020202020204" pitchFamily="34" charset="0"/>
+              </a:rPr>
+              <a:t>저장</a:t>
+            </a:r>
+          </a:p>
+        </p:txBody>
+      </p:sp>
+    </p:spTree>
+    <p:extLst>
+      <p:ext uri="{BB962C8B-B14F-4D97-AF65-F5344CB8AC3E}">
+        <p14:creationId xmlns:p14="http://schemas.microsoft.com/office/powerpoint/2010/main" val="1693274357"/>
+      </p:ext>
+    </p:extLst>
+  </p:cSld>
+  <p:clrMapOvr>
+    <a:masterClrMapping/>
+  </p:clrMapOvr>
+</p:sld>
+</file>
+
+<file path=ppt/slides/slide8.xml><?xml version="1.0" encoding="utf-8"?>
+<p:sld xmlns:a="http://schemas.openxmlformats.org/drawingml/2006/main" xmlns:r="http://schemas.openxmlformats.org/officeDocument/2006/relationships" xmlns:p="http://schemas.openxmlformats.org/presentationml/2006/main">
+  <p:cSld>
+    <p:spTree>
+      <p:nvGrpSpPr>
+        <p:cNvPr id="1" name=""/>
+        <p:cNvGrpSpPr/>
+        <p:nvPr/>
+      </p:nvGrpSpPr>
+      <p:grpSpPr>
+        <a:xfrm>
+          <a:off x="0" y="0"/>
+          <a:ext cx="0" cy="0"/>
+          <a:chOff x="0" y="0"/>
+          <a:chExt cx="0" cy="0"/>
+        </a:xfrm>
+      </p:grpSpPr>
+      <p:sp>
+        <p:nvSpPr>
+          <p:cNvPr id="2" name="제목 1">
+            <a:extLst>
+              <a:ext uri="{FF2B5EF4-FFF2-40B4-BE49-F238E27FC236}">
+                <a16:creationId xmlns:a16="http://schemas.microsoft.com/office/drawing/2014/main" id="{7433ED5A-F9B4-488B-9F83-D563C209C07F}"/>
+              </a:ext>
+            </a:extLst>
+          </p:cNvPr>
+          <p:cNvSpPr>
+            <a:spLocks noGrp="1"/>
+          </p:cNvSpPr>
+          <p:nvPr>
+            <p:ph type="title"/>
+          </p:nvPr>
+        </p:nvSpPr>
+        <p:spPr/>
+        <p:txBody>
+          <a:bodyPr/>
+          <a:lstStyle/>
+          <a:p>
+            <a:r>
+              <a:rPr lang="en-US" altLang="ko-KR" dirty="0"/>
+              <a:t>Log</a:t>
+            </a:r>
+            <a:r>
+              <a:rPr lang="ko-KR" altLang="en-US" dirty="0"/>
+              <a:t> </a:t>
+            </a:r>
+            <a:r>
+              <a:rPr lang="en-US" altLang="ko-KR" dirty="0"/>
+              <a:t>Viewer </a:t>
+            </a:r>
+            <a:r>
+              <a:rPr lang="ko-KR" altLang="en-US" dirty="0"/>
+              <a:t>진척도</a:t>
+            </a:r>
+          </a:p>
+        </p:txBody>
+      </p:sp>
+      <p:sp>
+        <p:nvSpPr>
+          <p:cNvPr id="3" name="슬라이드 번호 개체 틀 2">
+            <a:extLst>
+              <a:ext uri="{FF2B5EF4-FFF2-40B4-BE49-F238E27FC236}">
+                <a16:creationId xmlns:a16="http://schemas.microsoft.com/office/drawing/2014/main" id="{3E453196-F1E8-48E5-B677-A054F7D6019B}"/>
+              </a:ext>
+            </a:extLst>
+          </p:cNvPr>
+          <p:cNvSpPr>
+            <a:spLocks noGrp="1"/>
+          </p:cNvSpPr>
+          <p:nvPr>
+            <p:ph type="sldNum" sz="quarter" idx="4"/>
+          </p:nvPr>
+        </p:nvSpPr>
+        <p:spPr/>
+        <p:txBody>
+          <a:bodyPr/>
+          <a:lstStyle/>
+          <a:p>
+            <a:pPr>
+              <a:defRPr/>
+            </a:pPr>
+            <a:fld id="{B041EC1C-CD40-411B-B8A8-88A7A386D31F}" type="slidenum">
+              <a:rPr lang="ko-KR" altLang="en-US" smtClean="0"/>
+              <a:pPr>
+                <a:defRPr/>
+              </a:pPr>
+              <a:t>8</a:t>
+            </a:fld>
+            <a:endParaRPr lang="ko-KR" altLang="en-US"/>
+          </a:p>
+        </p:txBody>
+      </p:sp>
       <p:graphicFrame>
         <p:nvGraphicFramePr>
           <p:cNvPr id="4" name="표 4">
@@ -11023,7 +15879,7 @@
           <p:nvPr>
             <p:extLst>
               <p:ext uri="{D42A27DB-BD31-4B8C-83A1-F6EECF244321}">
-                <p14:modId xmlns:p14="http://schemas.microsoft.com/office/powerpoint/2010/main" val="2677039872"/>
+                <p14:modId xmlns:p14="http://schemas.microsoft.com/office/powerpoint/2010/main" val="2639800158"/>
               </p:ext>
             </p:extLst>
           </p:nvPr>
@@ -11637,7 +16493,7 @@
                       <a:pPr algn="ctr" latinLnBrk="1"/>
                       <a:r>
                         <a:rPr lang="en-US" altLang="ko-KR" sz="1000" dirty="0"/>
-                        <a:t>40%</a:t>
+                        <a:t>100%</a:t>
                       </a:r>
                       <a:endParaRPr lang="ko-KR" altLang="en-US" sz="1000" dirty="0"/>
                     </a:p>
@@ -11737,7 +16593,7 @@
                       </a:pPr>
                       <a:r>
                         <a:rPr lang="en-US" altLang="ko-KR" sz="1000" dirty="0"/>
-                        <a:t>0%</a:t>
+                        <a:t>40%</a:t>
                       </a:r>
                       <a:endParaRPr lang="ko-KR" altLang="en-US" sz="1000" dirty="0"/>
                     </a:p>
@@ -11767,7 +16623,7 @@
 </p:sld>
 </file>
 
-<file path=ppt/slides/slide7.xml><?xml version="1.0" encoding="utf-8"?>
+<file path=ppt/slides/slide9.xml><?xml version="1.0" encoding="utf-8"?>
 <p:sld xmlns:a="http://schemas.openxmlformats.org/drawingml/2006/main" xmlns:r="http://schemas.openxmlformats.org/officeDocument/2006/relationships" xmlns:p="http://schemas.openxmlformats.org/presentationml/2006/main">
   <p:cSld>
     <p:spTree>
@@ -11842,7 +16698,7 @@
               <a:pPr>
                 <a:defRPr/>
               </a:pPr>
-              <a:t>7</a:t>
+              <a:t>9</a:t>
             </a:fld>
             <a:endParaRPr lang="ko-KR" altLang="en-US"/>
           </a:p>
@@ -13783,64 +18639,6 @@
 </p:sld>
 </file>
 
-<file path=ppt/slides/slide8.xml><?xml version="1.0" encoding="utf-8"?>
-<p:sld xmlns:a="http://schemas.openxmlformats.org/drawingml/2006/main" xmlns:r="http://schemas.openxmlformats.org/officeDocument/2006/relationships" xmlns:p="http://schemas.openxmlformats.org/presentationml/2006/main">
-  <p:cSld>
-    <p:spTree>
-      <p:nvGrpSpPr>
-        <p:cNvPr id="1" name=""/>
-        <p:cNvGrpSpPr/>
-        <p:nvPr/>
-      </p:nvGrpSpPr>
-      <p:grpSpPr>
-        <a:xfrm>
-          <a:off x="0" y="0"/>
-          <a:ext cx="0" cy="0"/>
-          <a:chOff x="0" y="0"/>
-          <a:chExt cx="0" cy="0"/>
-        </a:xfrm>
-      </p:grpSpPr>
-      <p:sp>
-        <p:nvSpPr>
-          <p:cNvPr id="3" name="텍스트 개체 틀 2">
-            <a:extLst>
-              <a:ext uri="{FF2B5EF4-FFF2-40B4-BE49-F238E27FC236}">
-                <a16:creationId xmlns:a16="http://schemas.microsoft.com/office/drawing/2014/main" id="{EA176A78-302E-4F8D-8E04-27D818C03A20}"/>
-              </a:ext>
-            </a:extLst>
-          </p:cNvPr>
-          <p:cNvSpPr>
-            <a:spLocks noGrp="1"/>
-          </p:cNvSpPr>
-          <p:nvPr>
-            <p:ph type="body" sz="quarter" idx="10"/>
-          </p:nvPr>
-        </p:nvSpPr>
-        <p:spPr/>
-        <p:txBody>
-          <a:bodyPr/>
-          <a:lstStyle/>
-          <a:p>
-            <a:r>
-              <a:rPr lang="en-US" altLang="ko-KR" dirty="0"/>
-              <a:t>Thank you !</a:t>
-            </a:r>
-          </a:p>
-        </p:txBody>
-      </p:sp>
-    </p:spTree>
-    <p:extLst>
-      <p:ext uri="{BB962C8B-B14F-4D97-AF65-F5344CB8AC3E}">
-        <p14:creationId xmlns:p14="http://schemas.microsoft.com/office/powerpoint/2010/main" val="465823218"/>
-      </p:ext>
-    </p:extLst>
-  </p:cSld>
-  <p:clrMapOvr>
-    <a:masterClrMapping/>
-  </p:clrMapOvr>
-</p:sld>
-</file>
-
 <file path=ppt/theme/theme1.xml><?xml version="1.0" encoding="utf-8"?>
 <a:theme xmlns:a="http://schemas.openxmlformats.org/drawingml/2006/main" name="Office 테마">
   <a:themeElements>
